--- a/图.pptx
+++ b/图.pptx
@@ -6,6 +6,10 @@
   </p:sldMasterIdLst>
   <p:sldIdLst>
     <p:sldId id="256" r:id="rId2"/>
+    <p:sldId id="257" r:id="rId3"/>
+    <p:sldId id="258" r:id="rId4"/>
+    <p:sldId id="259" r:id="rId5"/>
+    <p:sldId id="260" r:id="rId6"/>
   </p:sldIdLst>
   <p:sldSz cx="12192000" cy="6858000"/>
   <p:notesSz cx="6858000" cy="9144000"/>
@@ -104,6 +108,11 @@
       </a:defRPr>
     </a:lvl9pPr>
   </p:defaultTextStyle>
+  <p:extLst>
+    <p:ext uri="{EFAFB233-063F-42B5-8137-9DF3F51BA10A}">
+      <p15:sldGuideLst xmlns:p15="http://schemas.microsoft.com/office/powerpoint/2012/main"/>
+    </p:ext>
+  </p:extLst>
 </p:presentation>
 </file>
 
@@ -238,7 +247,7 @@
           <a:p>
             <a:fld id="{1EB22BCB-C4D8-7149-9CB5-4D43DC54F5AD}" type="datetimeFigureOut">
               <a:rPr kumimoji="1" lang="zh-CN" altLang="en-US" smtClean="0"/>
-              <a:t>2019/6/11</a:t>
+              <a:t>2019/7/1</a:t>
             </a:fld>
             <a:endParaRPr kumimoji="1" lang="zh-CN" altLang="en-US"/>
           </a:p>
@@ -408,7 +417,7 @@
           <a:p>
             <a:fld id="{1EB22BCB-C4D8-7149-9CB5-4D43DC54F5AD}" type="datetimeFigureOut">
               <a:rPr kumimoji="1" lang="zh-CN" altLang="en-US" smtClean="0"/>
-              <a:t>2019/6/11</a:t>
+              <a:t>2019/7/1</a:t>
             </a:fld>
             <a:endParaRPr kumimoji="1" lang="zh-CN" altLang="en-US"/>
           </a:p>
@@ -588,7 +597,7 @@
           <a:p>
             <a:fld id="{1EB22BCB-C4D8-7149-9CB5-4D43DC54F5AD}" type="datetimeFigureOut">
               <a:rPr kumimoji="1" lang="zh-CN" altLang="en-US" smtClean="0"/>
-              <a:t>2019/6/11</a:t>
+              <a:t>2019/7/1</a:t>
             </a:fld>
             <a:endParaRPr kumimoji="1" lang="zh-CN" altLang="en-US"/>
           </a:p>
@@ -758,7 +767,7 @@
           <a:p>
             <a:fld id="{1EB22BCB-C4D8-7149-9CB5-4D43DC54F5AD}" type="datetimeFigureOut">
               <a:rPr kumimoji="1" lang="zh-CN" altLang="en-US" smtClean="0"/>
-              <a:t>2019/6/11</a:t>
+              <a:t>2019/7/1</a:t>
             </a:fld>
             <a:endParaRPr kumimoji="1" lang="zh-CN" altLang="en-US"/>
           </a:p>
@@ -1004,7 +1013,7 @@
           <a:p>
             <a:fld id="{1EB22BCB-C4D8-7149-9CB5-4D43DC54F5AD}" type="datetimeFigureOut">
               <a:rPr kumimoji="1" lang="zh-CN" altLang="en-US" smtClean="0"/>
-              <a:t>2019/6/11</a:t>
+              <a:t>2019/7/1</a:t>
             </a:fld>
             <a:endParaRPr kumimoji="1" lang="zh-CN" altLang="en-US"/>
           </a:p>
@@ -1236,7 +1245,7 @@
           <a:p>
             <a:fld id="{1EB22BCB-C4D8-7149-9CB5-4D43DC54F5AD}" type="datetimeFigureOut">
               <a:rPr kumimoji="1" lang="zh-CN" altLang="en-US" smtClean="0"/>
-              <a:t>2019/6/11</a:t>
+              <a:t>2019/7/1</a:t>
             </a:fld>
             <a:endParaRPr kumimoji="1" lang="zh-CN" altLang="en-US"/>
           </a:p>
@@ -1603,7 +1612,7 @@
           <a:p>
             <a:fld id="{1EB22BCB-C4D8-7149-9CB5-4D43DC54F5AD}" type="datetimeFigureOut">
               <a:rPr kumimoji="1" lang="zh-CN" altLang="en-US" smtClean="0"/>
-              <a:t>2019/6/11</a:t>
+              <a:t>2019/7/1</a:t>
             </a:fld>
             <a:endParaRPr kumimoji="1" lang="zh-CN" altLang="en-US"/>
           </a:p>
@@ -1721,7 +1730,7 @@
           <a:p>
             <a:fld id="{1EB22BCB-C4D8-7149-9CB5-4D43DC54F5AD}" type="datetimeFigureOut">
               <a:rPr kumimoji="1" lang="zh-CN" altLang="en-US" smtClean="0"/>
-              <a:t>2019/6/11</a:t>
+              <a:t>2019/7/1</a:t>
             </a:fld>
             <a:endParaRPr kumimoji="1" lang="zh-CN" altLang="en-US"/>
           </a:p>
@@ -1816,7 +1825,7 @@
           <a:p>
             <a:fld id="{1EB22BCB-C4D8-7149-9CB5-4D43DC54F5AD}" type="datetimeFigureOut">
               <a:rPr kumimoji="1" lang="zh-CN" altLang="en-US" smtClean="0"/>
-              <a:t>2019/6/11</a:t>
+              <a:t>2019/7/1</a:t>
             </a:fld>
             <a:endParaRPr kumimoji="1" lang="zh-CN" altLang="en-US"/>
           </a:p>
@@ -2093,7 +2102,7 @@
           <a:p>
             <a:fld id="{1EB22BCB-C4D8-7149-9CB5-4D43DC54F5AD}" type="datetimeFigureOut">
               <a:rPr kumimoji="1" lang="zh-CN" altLang="en-US" smtClean="0"/>
-              <a:t>2019/6/11</a:t>
+              <a:t>2019/7/1</a:t>
             </a:fld>
             <a:endParaRPr kumimoji="1" lang="zh-CN" altLang="en-US"/>
           </a:p>
@@ -2346,7 +2355,7 @@
           <a:p>
             <a:fld id="{1EB22BCB-C4D8-7149-9CB5-4D43DC54F5AD}" type="datetimeFigureOut">
               <a:rPr kumimoji="1" lang="zh-CN" altLang="en-US" smtClean="0"/>
-              <a:t>2019/6/11</a:t>
+              <a:t>2019/7/1</a:t>
             </a:fld>
             <a:endParaRPr kumimoji="1" lang="zh-CN" altLang="en-US"/>
           </a:p>
@@ -2559,7 +2568,7 @@
           <a:p>
             <a:fld id="{1EB22BCB-C4D8-7149-9CB5-4D43DC54F5AD}" type="datetimeFigureOut">
               <a:rPr kumimoji="1" lang="zh-CN" altLang="en-US" smtClean="0"/>
-              <a:t>2019/6/11</a:t>
+              <a:t>2019/7/1</a:t>
             </a:fld>
             <a:endParaRPr kumimoji="1" lang="zh-CN" altLang="en-US"/>
           </a:p>
@@ -3953,6 +3962,3382 @@
 </p:sld>
 </file>
 
+<file path=ppt/slides/slide2.xml><?xml version="1.0" encoding="utf-8"?>
+<p:sld xmlns:a="http://schemas.openxmlformats.org/drawingml/2006/main" xmlns:r="http://schemas.openxmlformats.org/officeDocument/2006/relationships" xmlns:p="http://schemas.openxmlformats.org/presentationml/2006/main">
+  <p:cSld>
+    <p:spTree>
+      <p:nvGrpSpPr>
+        <p:cNvPr id="1" name=""/>
+        <p:cNvGrpSpPr/>
+        <p:nvPr/>
+      </p:nvGrpSpPr>
+      <p:grpSpPr>
+        <a:xfrm>
+          <a:off x="0" y="0"/>
+          <a:ext cx="0" cy="0"/>
+          <a:chOff x="0" y="0"/>
+          <a:chExt cx="0" cy="0"/>
+        </a:xfrm>
+      </p:grpSpPr>
+      <p:sp>
+        <p:nvSpPr>
+          <p:cNvPr id="4" name="矩形 3"/>
+          <p:cNvSpPr/>
+          <p:nvPr/>
+        </p:nvSpPr>
+        <p:spPr>
+          <a:xfrm>
+            <a:off x="2434442" y="748145"/>
+            <a:ext cx="1448789" cy="795647"/>
+          </a:xfrm>
+          <a:prstGeom prst="rect">
+            <a:avLst/>
+          </a:prstGeom>
+        </p:spPr>
+        <p:style>
+          <a:lnRef idx="2">
+            <a:schemeClr val="dk1">
+              <a:shade val="50000"/>
+            </a:schemeClr>
+          </a:lnRef>
+          <a:fillRef idx="1">
+            <a:schemeClr val="dk1"/>
+          </a:fillRef>
+          <a:effectRef idx="0">
+            <a:schemeClr val="dk1"/>
+          </a:effectRef>
+          <a:fontRef idx="minor">
+            <a:schemeClr val="lt1"/>
+          </a:fontRef>
+        </p:style>
+        <p:txBody>
+          <a:bodyPr rtlCol="0" anchor="ctr"/>
+          <a:lstStyle/>
+          <a:p>
+            <a:pPr algn="ctr"/>
+            <a:r>
+              <a:rPr kumimoji="1" lang="en-US" altLang="zh-CN" dirty="0" smtClean="0"/>
+              <a:t>CLOSED</a:t>
+            </a:r>
+            <a:endParaRPr kumimoji="1" lang="zh-CN" altLang="en-US" dirty="0"/>
+          </a:p>
+        </p:txBody>
+      </p:sp>
+      <p:sp>
+        <p:nvSpPr>
+          <p:cNvPr id="5" name="矩形 4"/>
+          <p:cNvSpPr/>
+          <p:nvPr/>
+        </p:nvSpPr>
+        <p:spPr>
+          <a:xfrm>
+            <a:off x="6731331" y="748144"/>
+            <a:ext cx="1448789" cy="795647"/>
+          </a:xfrm>
+          <a:prstGeom prst="rect">
+            <a:avLst/>
+          </a:prstGeom>
+        </p:spPr>
+        <p:style>
+          <a:lnRef idx="2">
+            <a:schemeClr val="dk1">
+              <a:shade val="50000"/>
+            </a:schemeClr>
+          </a:lnRef>
+          <a:fillRef idx="1">
+            <a:schemeClr val="dk1"/>
+          </a:fillRef>
+          <a:effectRef idx="0">
+            <a:schemeClr val="dk1"/>
+          </a:effectRef>
+          <a:fontRef idx="minor">
+            <a:schemeClr val="lt1"/>
+          </a:fontRef>
+        </p:style>
+        <p:txBody>
+          <a:bodyPr rtlCol="0" anchor="ctr"/>
+          <a:lstStyle/>
+          <a:p>
+            <a:pPr algn="ctr"/>
+            <a:r>
+              <a:rPr kumimoji="1" lang="en-US" altLang="zh-CN" dirty="0" smtClean="0"/>
+              <a:t>CLOSED</a:t>
+            </a:r>
+            <a:endParaRPr kumimoji="1" lang="zh-CN" altLang="en-US" dirty="0"/>
+          </a:p>
+        </p:txBody>
+      </p:sp>
+      <p:sp>
+        <p:nvSpPr>
+          <p:cNvPr id="6" name="矩形 5"/>
+          <p:cNvSpPr/>
+          <p:nvPr/>
+        </p:nvSpPr>
+        <p:spPr>
+          <a:xfrm>
+            <a:off x="2434441" y="1543791"/>
+            <a:ext cx="1448789" cy="3056784"/>
+          </a:xfrm>
+          <a:prstGeom prst="rect">
+            <a:avLst/>
+          </a:prstGeom>
+        </p:spPr>
+        <p:style>
+          <a:lnRef idx="2">
+            <a:schemeClr val="accent1">
+              <a:shade val="50000"/>
+            </a:schemeClr>
+          </a:lnRef>
+          <a:fillRef idx="1">
+            <a:schemeClr val="accent1"/>
+          </a:fillRef>
+          <a:effectRef idx="0">
+            <a:schemeClr val="accent1"/>
+          </a:effectRef>
+          <a:fontRef idx="minor">
+            <a:schemeClr val="lt1"/>
+          </a:fontRef>
+        </p:style>
+        <p:txBody>
+          <a:bodyPr rtlCol="0" anchor="ctr"/>
+          <a:lstStyle/>
+          <a:p>
+            <a:pPr algn="ctr"/>
+            <a:r>
+              <a:rPr kumimoji="1" lang="en-US" altLang="zh-CN" dirty="0" smtClean="0"/>
+              <a:t>SYN-SENT</a:t>
+            </a:r>
+            <a:endParaRPr kumimoji="1" lang="zh-CN" altLang="en-US" dirty="0"/>
+          </a:p>
+        </p:txBody>
+      </p:sp>
+      <p:sp>
+        <p:nvSpPr>
+          <p:cNvPr id="8" name="矩形 7"/>
+          <p:cNvSpPr/>
+          <p:nvPr/>
+        </p:nvSpPr>
+        <p:spPr>
+          <a:xfrm>
+            <a:off x="6731331" y="1543791"/>
+            <a:ext cx="1448789" cy="999384"/>
+          </a:xfrm>
+          <a:prstGeom prst="rect">
+            <a:avLst/>
+          </a:prstGeom>
+        </p:spPr>
+        <p:style>
+          <a:lnRef idx="2">
+            <a:schemeClr val="accent1">
+              <a:shade val="50000"/>
+            </a:schemeClr>
+          </a:lnRef>
+          <a:fillRef idx="1">
+            <a:schemeClr val="accent1"/>
+          </a:fillRef>
+          <a:effectRef idx="0">
+            <a:schemeClr val="accent1"/>
+          </a:effectRef>
+          <a:fontRef idx="minor">
+            <a:schemeClr val="lt1"/>
+          </a:fontRef>
+        </p:style>
+        <p:txBody>
+          <a:bodyPr rtlCol="0" anchor="ctr"/>
+          <a:lstStyle/>
+          <a:p>
+            <a:pPr algn="ctr"/>
+            <a:r>
+              <a:rPr kumimoji="1" lang="en-US" altLang="zh-CN" dirty="0" smtClean="0"/>
+              <a:t>LISTEN</a:t>
+            </a:r>
+            <a:endParaRPr kumimoji="1" lang="zh-CN" altLang="en-US" dirty="0"/>
+          </a:p>
+        </p:txBody>
+      </p:sp>
+      <p:sp>
+        <p:nvSpPr>
+          <p:cNvPr id="9" name="矩形 8"/>
+          <p:cNvSpPr/>
+          <p:nvPr/>
+        </p:nvSpPr>
+        <p:spPr>
+          <a:xfrm>
+            <a:off x="6731331" y="2543175"/>
+            <a:ext cx="1448789" cy="2914650"/>
+          </a:xfrm>
+          <a:prstGeom prst="rect">
+            <a:avLst/>
+          </a:prstGeom>
+        </p:spPr>
+        <p:style>
+          <a:lnRef idx="2">
+            <a:schemeClr val="accent1">
+              <a:shade val="50000"/>
+            </a:schemeClr>
+          </a:lnRef>
+          <a:fillRef idx="1">
+            <a:schemeClr val="accent1"/>
+          </a:fillRef>
+          <a:effectRef idx="0">
+            <a:schemeClr val="accent1"/>
+          </a:effectRef>
+          <a:fontRef idx="minor">
+            <a:schemeClr val="lt1"/>
+          </a:fontRef>
+        </p:style>
+        <p:txBody>
+          <a:bodyPr rtlCol="0" anchor="ctr"/>
+          <a:lstStyle/>
+          <a:p>
+            <a:pPr algn="ctr"/>
+            <a:r>
+              <a:rPr kumimoji="1" lang="en-US" altLang="zh-CN" dirty="0" smtClean="0"/>
+              <a:t>SYN-RCVD</a:t>
+            </a:r>
+            <a:endParaRPr kumimoji="1" lang="zh-CN" altLang="en-US" dirty="0"/>
+          </a:p>
+        </p:txBody>
+      </p:sp>
+      <p:sp>
+        <p:nvSpPr>
+          <p:cNvPr id="10" name="矩形 9"/>
+          <p:cNvSpPr/>
+          <p:nvPr/>
+        </p:nvSpPr>
+        <p:spPr>
+          <a:xfrm>
+            <a:off x="2434440" y="4600575"/>
+            <a:ext cx="1448789" cy="1500188"/>
+          </a:xfrm>
+          <a:prstGeom prst="rect">
+            <a:avLst/>
+          </a:prstGeom>
+        </p:spPr>
+        <p:style>
+          <a:lnRef idx="2">
+            <a:schemeClr val="accent1">
+              <a:shade val="50000"/>
+            </a:schemeClr>
+          </a:lnRef>
+          <a:fillRef idx="1">
+            <a:schemeClr val="accent1"/>
+          </a:fillRef>
+          <a:effectRef idx="0">
+            <a:schemeClr val="accent1"/>
+          </a:effectRef>
+          <a:fontRef idx="minor">
+            <a:schemeClr val="lt1"/>
+          </a:fontRef>
+        </p:style>
+        <p:txBody>
+          <a:bodyPr rtlCol="0" anchor="ctr"/>
+          <a:lstStyle/>
+          <a:p>
+            <a:pPr algn="ctr"/>
+            <a:r>
+              <a:rPr kumimoji="1" lang="en-US" altLang="zh-CN" dirty="0" smtClean="0"/>
+              <a:t>ESTABLISHED</a:t>
+            </a:r>
+            <a:endParaRPr kumimoji="1" lang="zh-CN" altLang="en-US" dirty="0"/>
+          </a:p>
+        </p:txBody>
+      </p:sp>
+      <p:sp>
+        <p:nvSpPr>
+          <p:cNvPr id="11" name="矩形 10"/>
+          <p:cNvSpPr/>
+          <p:nvPr/>
+        </p:nvSpPr>
+        <p:spPr>
+          <a:xfrm>
+            <a:off x="6731331" y="5457825"/>
+            <a:ext cx="1448789" cy="642938"/>
+          </a:xfrm>
+          <a:prstGeom prst="rect">
+            <a:avLst/>
+          </a:prstGeom>
+        </p:spPr>
+        <p:style>
+          <a:lnRef idx="2">
+            <a:schemeClr val="accent1">
+              <a:shade val="50000"/>
+            </a:schemeClr>
+          </a:lnRef>
+          <a:fillRef idx="1">
+            <a:schemeClr val="accent1"/>
+          </a:fillRef>
+          <a:effectRef idx="0">
+            <a:schemeClr val="accent1"/>
+          </a:effectRef>
+          <a:fontRef idx="minor">
+            <a:schemeClr val="lt1"/>
+          </a:fontRef>
+        </p:style>
+        <p:txBody>
+          <a:bodyPr rtlCol="0" anchor="ctr"/>
+          <a:lstStyle/>
+          <a:p>
+            <a:pPr algn="ctr"/>
+            <a:r>
+              <a:rPr kumimoji="1" lang="en-US" altLang="zh-CN" dirty="0" smtClean="0"/>
+              <a:t>ESTABLISHED</a:t>
+            </a:r>
+            <a:endParaRPr kumimoji="1" lang="zh-CN" altLang="en-US" dirty="0"/>
+          </a:p>
+        </p:txBody>
+      </p:sp>
+      <p:sp>
+        <p:nvSpPr>
+          <p:cNvPr id="12" name="文本框 11"/>
+          <p:cNvSpPr txBox="1"/>
+          <p:nvPr/>
+        </p:nvSpPr>
+        <p:spPr>
+          <a:xfrm>
+            <a:off x="2857500" y="242887"/>
+            <a:ext cx="646331" cy="369332"/>
+          </a:xfrm>
+          <a:prstGeom prst="rect">
+            <a:avLst/>
+          </a:prstGeom>
+          <a:noFill/>
+        </p:spPr>
+        <p:txBody>
+          <a:bodyPr wrap="none" rtlCol="0">
+            <a:spAutoFit/>
+          </a:bodyPr>
+          <a:lstStyle/>
+          <a:p>
+            <a:r>
+              <a:rPr kumimoji="1" lang="zh-CN" altLang="en-US" dirty="0" smtClean="0"/>
+              <a:t>客户</a:t>
+            </a:r>
+            <a:endParaRPr kumimoji="1" lang="zh-CN" altLang="en-US" dirty="0"/>
+          </a:p>
+        </p:txBody>
+      </p:sp>
+      <p:sp>
+        <p:nvSpPr>
+          <p:cNvPr id="13" name="文本框 12"/>
+          <p:cNvSpPr txBox="1"/>
+          <p:nvPr/>
+        </p:nvSpPr>
+        <p:spPr>
+          <a:xfrm>
+            <a:off x="7017143" y="242887"/>
+            <a:ext cx="877163" cy="369332"/>
+          </a:xfrm>
+          <a:prstGeom prst="rect">
+            <a:avLst/>
+          </a:prstGeom>
+          <a:noFill/>
+        </p:spPr>
+        <p:txBody>
+          <a:bodyPr wrap="none" rtlCol="0">
+            <a:spAutoFit/>
+          </a:bodyPr>
+          <a:lstStyle/>
+          <a:p>
+            <a:r>
+              <a:rPr kumimoji="1" lang="zh-CN" altLang="en-US" smtClean="0"/>
+              <a:t>服务器</a:t>
+            </a:r>
+            <a:endParaRPr kumimoji="1" lang="zh-CN" altLang="en-US" dirty="0"/>
+          </a:p>
+        </p:txBody>
+      </p:sp>
+      <p:cxnSp>
+        <p:nvCxnSpPr>
+          <p:cNvPr id="15" name="直线箭头连接符 14"/>
+          <p:cNvCxnSpPr/>
+          <p:nvPr/>
+        </p:nvCxnSpPr>
+        <p:spPr>
+          <a:xfrm>
+            <a:off x="3883229" y="1543791"/>
+            <a:ext cx="2848102" cy="999384"/>
+          </a:xfrm>
+          <a:prstGeom prst="straightConnector1">
+            <a:avLst/>
+          </a:prstGeom>
+          <a:ln w="28575">
+            <a:solidFill>
+              <a:schemeClr val="tx1"/>
+            </a:solidFill>
+            <a:tailEnd type="triangle"/>
+          </a:ln>
+        </p:spPr>
+        <p:style>
+          <a:lnRef idx="1">
+            <a:schemeClr val="accent1"/>
+          </a:lnRef>
+          <a:fillRef idx="0">
+            <a:schemeClr val="accent1"/>
+          </a:fillRef>
+          <a:effectRef idx="0">
+            <a:schemeClr val="accent1"/>
+          </a:effectRef>
+          <a:fontRef idx="minor">
+            <a:schemeClr val="tx1"/>
+          </a:fontRef>
+        </p:style>
+      </p:cxnSp>
+      <p:cxnSp>
+        <p:nvCxnSpPr>
+          <p:cNvPr id="16" name="直线箭头连接符 15"/>
+          <p:cNvCxnSpPr/>
+          <p:nvPr/>
+        </p:nvCxnSpPr>
+        <p:spPr>
+          <a:xfrm flipH="1">
+            <a:off x="3883229" y="2543175"/>
+            <a:ext cx="2848100" cy="2057400"/>
+          </a:xfrm>
+          <a:prstGeom prst="straightConnector1">
+            <a:avLst/>
+          </a:prstGeom>
+          <a:ln w="28575">
+            <a:solidFill>
+              <a:schemeClr val="tx1"/>
+            </a:solidFill>
+            <a:tailEnd type="triangle"/>
+          </a:ln>
+        </p:spPr>
+        <p:style>
+          <a:lnRef idx="1">
+            <a:schemeClr val="accent1"/>
+          </a:lnRef>
+          <a:fillRef idx="0">
+            <a:schemeClr val="accent1"/>
+          </a:fillRef>
+          <a:effectRef idx="0">
+            <a:schemeClr val="accent1"/>
+          </a:effectRef>
+          <a:fontRef idx="minor">
+            <a:schemeClr val="tx1"/>
+          </a:fontRef>
+        </p:style>
+      </p:cxnSp>
+      <p:cxnSp>
+        <p:nvCxnSpPr>
+          <p:cNvPr id="19" name="直线箭头连接符 18"/>
+          <p:cNvCxnSpPr/>
+          <p:nvPr/>
+        </p:nvCxnSpPr>
+        <p:spPr>
+          <a:xfrm>
+            <a:off x="3883228" y="4629891"/>
+            <a:ext cx="2848101" cy="827934"/>
+          </a:xfrm>
+          <a:prstGeom prst="straightConnector1">
+            <a:avLst/>
+          </a:prstGeom>
+          <a:ln w="28575">
+            <a:solidFill>
+              <a:schemeClr val="tx1"/>
+            </a:solidFill>
+            <a:tailEnd type="triangle"/>
+          </a:ln>
+        </p:spPr>
+        <p:style>
+          <a:lnRef idx="1">
+            <a:schemeClr val="accent1"/>
+          </a:lnRef>
+          <a:fillRef idx="0">
+            <a:schemeClr val="accent1"/>
+          </a:fillRef>
+          <a:effectRef idx="0">
+            <a:schemeClr val="accent1"/>
+          </a:effectRef>
+          <a:fontRef idx="minor">
+            <a:schemeClr val="tx1"/>
+          </a:fontRef>
+        </p:style>
+      </p:cxnSp>
+      <p:sp>
+        <p:nvSpPr>
+          <p:cNvPr id="22" name="文本框 21"/>
+          <p:cNvSpPr txBox="1"/>
+          <p:nvPr/>
+        </p:nvSpPr>
+        <p:spPr>
+          <a:xfrm rot="1130261">
+            <a:off x="4772558" y="1730960"/>
+            <a:ext cx="1534394" cy="338554"/>
+          </a:xfrm>
+          <a:prstGeom prst="rect">
+            <a:avLst/>
+          </a:prstGeom>
+          <a:noFill/>
+        </p:spPr>
+        <p:txBody>
+          <a:bodyPr wrap="none" rtlCol="0">
+            <a:spAutoFit/>
+          </a:bodyPr>
+          <a:lstStyle/>
+          <a:p>
+            <a:r>
+              <a:rPr kumimoji="1" lang="en-US" altLang="zh-CN" sz="1600" dirty="0" smtClean="0"/>
+              <a:t>SYN=1</a:t>
+            </a:r>
+            <a:r>
+              <a:rPr kumimoji="1" lang="zh-CN" altLang="en-US" sz="1600" dirty="0" smtClean="0"/>
+              <a:t>，</a:t>
+            </a:r>
+            <a:r>
+              <a:rPr kumimoji="1" lang="en-US" altLang="zh-CN" sz="1600" dirty="0" err="1" smtClean="0"/>
+              <a:t>seq</a:t>
+            </a:r>
+            <a:r>
+              <a:rPr kumimoji="1" lang="en-US" altLang="zh-CN" sz="1600" dirty="0" smtClean="0"/>
+              <a:t>=x</a:t>
+            </a:r>
+            <a:endParaRPr kumimoji="1" lang="zh-CN" altLang="en-US" sz="1600" dirty="0"/>
+          </a:p>
+        </p:txBody>
+      </p:sp>
+      <p:sp>
+        <p:nvSpPr>
+          <p:cNvPr id="23" name="文本框 22"/>
+          <p:cNvSpPr txBox="1"/>
+          <p:nvPr/>
+        </p:nvSpPr>
+        <p:spPr>
+          <a:xfrm rot="19365822">
+            <a:off x="3547825" y="3234701"/>
+            <a:ext cx="3326552" cy="338554"/>
+          </a:xfrm>
+          <a:prstGeom prst="rect">
+            <a:avLst/>
+          </a:prstGeom>
+          <a:noFill/>
+        </p:spPr>
+        <p:txBody>
+          <a:bodyPr wrap="none" rtlCol="0">
+            <a:spAutoFit/>
+          </a:bodyPr>
+          <a:lstStyle/>
+          <a:p>
+            <a:r>
+              <a:rPr kumimoji="1" lang="en-US" altLang="zh-CN" sz="1600" dirty="0" smtClean="0"/>
+              <a:t>SYN=1</a:t>
+            </a:r>
+            <a:r>
+              <a:rPr kumimoji="1" lang="zh-CN" altLang="en-US" sz="1600" dirty="0" smtClean="0"/>
+              <a:t>，</a:t>
+            </a:r>
+            <a:r>
+              <a:rPr kumimoji="1" lang="en-US" altLang="zh-CN" sz="1600" dirty="0" smtClean="0"/>
+              <a:t>ACK=1</a:t>
+            </a:r>
+            <a:r>
+              <a:rPr kumimoji="1" lang="zh-CN" altLang="en-US" sz="1600" dirty="0" smtClean="0"/>
+              <a:t>，</a:t>
+            </a:r>
+            <a:r>
+              <a:rPr kumimoji="1" lang="en-US" altLang="zh-CN" sz="1600" dirty="0" err="1" smtClean="0"/>
+              <a:t>seq</a:t>
+            </a:r>
+            <a:r>
+              <a:rPr kumimoji="1" lang="en-US" altLang="zh-CN" sz="1600" dirty="0" smtClean="0"/>
+              <a:t>=y</a:t>
+            </a:r>
+            <a:r>
+              <a:rPr kumimoji="1" lang="zh-CN" altLang="en-US" sz="1600" dirty="0" smtClean="0"/>
+              <a:t>，</a:t>
+            </a:r>
+            <a:r>
+              <a:rPr kumimoji="1" lang="en-US" altLang="zh-CN" sz="1600" dirty="0" err="1" smtClean="0"/>
+              <a:t>ack</a:t>
+            </a:r>
+            <a:r>
+              <a:rPr kumimoji="1" lang="en-US" altLang="zh-CN" sz="1600" dirty="0" smtClean="0"/>
+              <a:t>=x+1</a:t>
+            </a:r>
+            <a:endParaRPr kumimoji="1" lang="zh-CN" altLang="en-US" sz="1600" dirty="0"/>
+          </a:p>
+        </p:txBody>
+      </p:sp>
+      <p:sp>
+        <p:nvSpPr>
+          <p:cNvPr id="24" name="文本框 23"/>
+          <p:cNvSpPr txBox="1"/>
+          <p:nvPr/>
+        </p:nvSpPr>
+        <p:spPr>
+          <a:xfrm rot="897179">
+            <a:off x="4071765" y="4635120"/>
+            <a:ext cx="2754280" cy="338554"/>
+          </a:xfrm>
+          <a:prstGeom prst="rect">
+            <a:avLst/>
+          </a:prstGeom>
+          <a:noFill/>
+        </p:spPr>
+        <p:txBody>
+          <a:bodyPr wrap="none" rtlCol="0">
+            <a:spAutoFit/>
+          </a:bodyPr>
+          <a:lstStyle/>
+          <a:p>
+            <a:r>
+              <a:rPr kumimoji="1" lang="en-US" altLang="zh-CN" sz="1600" dirty="0" smtClean="0"/>
+              <a:t>ACK=1</a:t>
+            </a:r>
+            <a:r>
+              <a:rPr kumimoji="1" lang="zh-CN" altLang="en-US" sz="1600" dirty="0" smtClean="0"/>
+              <a:t>，</a:t>
+            </a:r>
+            <a:r>
+              <a:rPr kumimoji="1" lang="en-US" altLang="zh-CN" sz="1600" dirty="0" err="1" smtClean="0"/>
+              <a:t>seq</a:t>
+            </a:r>
+            <a:r>
+              <a:rPr kumimoji="1" lang="en-US" altLang="zh-CN" sz="1600" dirty="0" smtClean="0"/>
+              <a:t>=x+1</a:t>
+            </a:r>
+            <a:r>
+              <a:rPr kumimoji="1" lang="zh-CN" altLang="en-US" sz="1600" dirty="0" smtClean="0"/>
+              <a:t>，</a:t>
+            </a:r>
+            <a:r>
+              <a:rPr kumimoji="1" lang="en-US" altLang="zh-CN" sz="1600" dirty="0" err="1" smtClean="0"/>
+              <a:t>ack</a:t>
+            </a:r>
+            <a:r>
+              <a:rPr kumimoji="1" lang="en-US" altLang="zh-CN" sz="1600" dirty="0" smtClean="0"/>
+              <a:t>=y+1</a:t>
+            </a:r>
+            <a:endParaRPr kumimoji="1" lang="zh-CN" altLang="en-US" sz="1600" dirty="0"/>
+          </a:p>
+        </p:txBody>
+      </p:sp>
+      <p:cxnSp>
+        <p:nvCxnSpPr>
+          <p:cNvPr id="28" name="直线箭头连接符 27"/>
+          <p:cNvCxnSpPr/>
+          <p:nvPr/>
+        </p:nvCxnSpPr>
+        <p:spPr>
+          <a:xfrm>
+            <a:off x="1362878" y="1543791"/>
+            <a:ext cx="1071562" cy="0"/>
+          </a:xfrm>
+          <a:prstGeom prst="straightConnector1">
+            <a:avLst/>
+          </a:prstGeom>
+          <a:ln w="28575">
+            <a:solidFill>
+              <a:schemeClr val="tx1"/>
+            </a:solidFill>
+            <a:tailEnd type="triangle"/>
+          </a:ln>
+        </p:spPr>
+        <p:style>
+          <a:lnRef idx="1">
+            <a:schemeClr val="accent1"/>
+          </a:lnRef>
+          <a:fillRef idx="0">
+            <a:schemeClr val="accent1"/>
+          </a:fillRef>
+          <a:effectRef idx="0">
+            <a:schemeClr val="accent1"/>
+          </a:effectRef>
+          <a:fontRef idx="minor">
+            <a:schemeClr val="tx1"/>
+          </a:fontRef>
+        </p:style>
+      </p:cxnSp>
+      <p:cxnSp>
+        <p:nvCxnSpPr>
+          <p:cNvPr id="30" name="直线箭头连接符 29"/>
+          <p:cNvCxnSpPr/>
+          <p:nvPr/>
+        </p:nvCxnSpPr>
+        <p:spPr>
+          <a:xfrm flipH="1">
+            <a:off x="8180120" y="1543791"/>
+            <a:ext cx="1071562" cy="0"/>
+          </a:xfrm>
+          <a:prstGeom prst="straightConnector1">
+            <a:avLst/>
+          </a:prstGeom>
+          <a:ln w="28575">
+            <a:solidFill>
+              <a:schemeClr val="tx1"/>
+            </a:solidFill>
+            <a:tailEnd type="triangle"/>
+          </a:ln>
+        </p:spPr>
+        <p:style>
+          <a:lnRef idx="1">
+            <a:schemeClr val="accent1"/>
+          </a:lnRef>
+          <a:fillRef idx="0">
+            <a:schemeClr val="accent1"/>
+          </a:fillRef>
+          <a:effectRef idx="0">
+            <a:schemeClr val="accent1"/>
+          </a:effectRef>
+          <a:fontRef idx="minor">
+            <a:schemeClr val="tx1"/>
+          </a:fontRef>
+        </p:style>
+      </p:cxnSp>
+      <p:sp>
+        <p:nvSpPr>
+          <p:cNvPr id="31" name="文本框 30"/>
+          <p:cNvSpPr txBox="1"/>
+          <p:nvPr/>
+        </p:nvSpPr>
+        <p:spPr>
+          <a:xfrm>
+            <a:off x="1121039" y="965341"/>
+            <a:ext cx="1107996" cy="369332"/>
+          </a:xfrm>
+          <a:prstGeom prst="rect">
+            <a:avLst/>
+          </a:prstGeom>
+          <a:noFill/>
+        </p:spPr>
+        <p:txBody>
+          <a:bodyPr wrap="none" rtlCol="0">
+            <a:spAutoFit/>
+          </a:bodyPr>
+          <a:lstStyle/>
+          <a:p>
+            <a:r>
+              <a:rPr kumimoji="1" lang="zh-CN" altLang="en-US" smtClean="0"/>
+              <a:t>主动打开</a:t>
+            </a:r>
+            <a:endParaRPr kumimoji="1" lang="zh-CN" altLang="en-US" dirty="0"/>
+          </a:p>
+        </p:txBody>
+      </p:sp>
+      <p:sp>
+        <p:nvSpPr>
+          <p:cNvPr id="32" name="文本框 31"/>
+          <p:cNvSpPr txBox="1"/>
+          <p:nvPr/>
+        </p:nvSpPr>
+        <p:spPr>
+          <a:xfrm>
+            <a:off x="8557162" y="961301"/>
+            <a:ext cx="1107996" cy="369332"/>
+          </a:xfrm>
+          <a:prstGeom prst="rect">
+            <a:avLst/>
+          </a:prstGeom>
+          <a:noFill/>
+        </p:spPr>
+        <p:txBody>
+          <a:bodyPr wrap="none" rtlCol="0">
+            <a:spAutoFit/>
+          </a:bodyPr>
+          <a:lstStyle/>
+          <a:p>
+            <a:r>
+              <a:rPr kumimoji="1" lang="zh-CN" altLang="en-US" dirty="0" smtClean="0"/>
+              <a:t>被动打开</a:t>
+            </a:r>
+            <a:endParaRPr kumimoji="1" lang="zh-CN" altLang="en-US" dirty="0"/>
+          </a:p>
+        </p:txBody>
+      </p:sp>
+    </p:spTree>
+    <p:extLst>
+      <p:ext uri="{BB962C8B-B14F-4D97-AF65-F5344CB8AC3E}">
+        <p14:creationId xmlns:p14="http://schemas.microsoft.com/office/powerpoint/2010/main" val="773470814"/>
+      </p:ext>
+    </p:extLst>
+  </p:cSld>
+  <p:clrMapOvr>
+    <a:masterClrMapping/>
+  </p:clrMapOvr>
+</p:sld>
+</file>
+
+<file path=ppt/slides/slide3.xml><?xml version="1.0" encoding="utf-8"?>
+<p:sld xmlns:a="http://schemas.openxmlformats.org/drawingml/2006/main" xmlns:r="http://schemas.openxmlformats.org/officeDocument/2006/relationships" xmlns:p="http://schemas.openxmlformats.org/presentationml/2006/main">
+  <p:cSld>
+    <p:spTree>
+      <p:nvGrpSpPr>
+        <p:cNvPr id="1" name=""/>
+        <p:cNvGrpSpPr/>
+        <p:nvPr/>
+      </p:nvGrpSpPr>
+      <p:grpSpPr>
+        <a:xfrm>
+          <a:off x="0" y="0"/>
+          <a:ext cx="0" cy="0"/>
+          <a:chOff x="0" y="0"/>
+          <a:chExt cx="0" cy="0"/>
+        </a:xfrm>
+      </p:grpSpPr>
+      <p:sp>
+        <p:nvSpPr>
+          <p:cNvPr id="4" name="矩形 3"/>
+          <p:cNvSpPr/>
+          <p:nvPr/>
+        </p:nvSpPr>
+        <p:spPr>
+          <a:xfrm>
+            <a:off x="2434440" y="6105957"/>
+            <a:ext cx="1448789" cy="795647"/>
+          </a:xfrm>
+          <a:prstGeom prst="rect">
+            <a:avLst/>
+          </a:prstGeom>
+        </p:spPr>
+        <p:style>
+          <a:lnRef idx="2">
+            <a:schemeClr val="dk1">
+              <a:shade val="50000"/>
+            </a:schemeClr>
+          </a:lnRef>
+          <a:fillRef idx="1">
+            <a:schemeClr val="dk1"/>
+          </a:fillRef>
+          <a:effectRef idx="0">
+            <a:schemeClr val="dk1"/>
+          </a:effectRef>
+          <a:fontRef idx="minor">
+            <a:schemeClr val="lt1"/>
+          </a:fontRef>
+        </p:style>
+        <p:txBody>
+          <a:bodyPr rtlCol="0" anchor="ctr"/>
+          <a:lstStyle/>
+          <a:p>
+            <a:pPr algn="ctr"/>
+            <a:r>
+              <a:rPr kumimoji="1" lang="en-US" altLang="zh-CN" dirty="0" smtClean="0"/>
+              <a:t>CLOSED</a:t>
+            </a:r>
+            <a:endParaRPr kumimoji="1" lang="zh-CN" altLang="en-US" dirty="0"/>
+          </a:p>
+        </p:txBody>
+      </p:sp>
+      <p:sp>
+        <p:nvSpPr>
+          <p:cNvPr id="5" name="矩形 4"/>
+          <p:cNvSpPr/>
+          <p:nvPr/>
+        </p:nvSpPr>
+        <p:spPr>
+          <a:xfrm>
+            <a:off x="6731329" y="6124510"/>
+            <a:ext cx="1448789" cy="795647"/>
+          </a:xfrm>
+          <a:prstGeom prst="rect">
+            <a:avLst/>
+          </a:prstGeom>
+        </p:spPr>
+        <p:style>
+          <a:lnRef idx="2">
+            <a:schemeClr val="dk1">
+              <a:shade val="50000"/>
+            </a:schemeClr>
+          </a:lnRef>
+          <a:fillRef idx="1">
+            <a:schemeClr val="dk1"/>
+          </a:fillRef>
+          <a:effectRef idx="0">
+            <a:schemeClr val="dk1"/>
+          </a:effectRef>
+          <a:fontRef idx="minor">
+            <a:schemeClr val="lt1"/>
+          </a:fontRef>
+        </p:style>
+        <p:txBody>
+          <a:bodyPr rtlCol="0" anchor="ctr"/>
+          <a:lstStyle/>
+          <a:p>
+            <a:pPr algn="ctr"/>
+            <a:r>
+              <a:rPr kumimoji="1" lang="en-US" altLang="zh-CN" dirty="0" smtClean="0"/>
+              <a:t>CLOSED</a:t>
+            </a:r>
+            <a:endParaRPr kumimoji="1" lang="zh-CN" altLang="en-US" dirty="0"/>
+          </a:p>
+        </p:txBody>
+      </p:sp>
+      <p:sp>
+        <p:nvSpPr>
+          <p:cNvPr id="6" name="矩形 5"/>
+          <p:cNvSpPr/>
+          <p:nvPr/>
+        </p:nvSpPr>
+        <p:spPr>
+          <a:xfrm>
+            <a:off x="2434439" y="1488417"/>
+            <a:ext cx="1448789" cy="1740558"/>
+          </a:xfrm>
+          <a:prstGeom prst="rect">
+            <a:avLst/>
+          </a:prstGeom>
+        </p:spPr>
+        <p:style>
+          <a:lnRef idx="2">
+            <a:schemeClr val="accent1">
+              <a:shade val="50000"/>
+            </a:schemeClr>
+          </a:lnRef>
+          <a:fillRef idx="1">
+            <a:schemeClr val="accent1"/>
+          </a:fillRef>
+          <a:effectRef idx="0">
+            <a:schemeClr val="accent1"/>
+          </a:effectRef>
+          <a:fontRef idx="minor">
+            <a:schemeClr val="lt1"/>
+          </a:fontRef>
+        </p:style>
+        <p:txBody>
+          <a:bodyPr rtlCol="0" anchor="ctr"/>
+          <a:lstStyle/>
+          <a:p>
+            <a:pPr algn="ctr"/>
+            <a:r>
+              <a:rPr kumimoji="1" lang="en-US" altLang="zh-CN" dirty="0" smtClean="0"/>
+              <a:t>FIN-WAIT-1</a:t>
+            </a:r>
+            <a:endParaRPr kumimoji="1" lang="zh-CN" altLang="en-US" dirty="0"/>
+          </a:p>
+        </p:txBody>
+      </p:sp>
+      <p:sp>
+        <p:nvSpPr>
+          <p:cNvPr id="8" name="矩形 7"/>
+          <p:cNvSpPr/>
+          <p:nvPr/>
+        </p:nvSpPr>
+        <p:spPr>
+          <a:xfrm>
+            <a:off x="6731328" y="2756333"/>
+            <a:ext cx="1448789" cy="1058430"/>
+          </a:xfrm>
+          <a:prstGeom prst="rect">
+            <a:avLst/>
+          </a:prstGeom>
+        </p:spPr>
+        <p:style>
+          <a:lnRef idx="2">
+            <a:schemeClr val="accent1">
+              <a:shade val="50000"/>
+            </a:schemeClr>
+          </a:lnRef>
+          <a:fillRef idx="1">
+            <a:schemeClr val="accent1"/>
+          </a:fillRef>
+          <a:effectRef idx="0">
+            <a:schemeClr val="accent1"/>
+          </a:effectRef>
+          <a:fontRef idx="minor">
+            <a:schemeClr val="lt1"/>
+          </a:fontRef>
+        </p:style>
+        <p:txBody>
+          <a:bodyPr rtlCol="0" anchor="ctr"/>
+          <a:lstStyle/>
+          <a:p>
+            <a:pPr algn="ctr"/>
+            <a:r>
+              <a:rPr kumimoji="1" lang="en-US" altLang="zh-CN" dirty="0" smtClean="0"/>
+              <a:t>CLOSE-WAIT</a:t>
+            </a:r>
+            <a:endParaRPr kumimoji="1" lang="zh-CN" altLang="en-US" dirty="0"/>
+          </a:p>
+        </p:txBody>
+      </p:sp>
+      <p:sp>
+        <p:nvSpPr>
+          <p:cNvPr id="9" name="矩形 8"/>
+          <p:cNvSpPr/>
+          <p:nvPr/>
+        </p:nvSpPr>
+        <p:spPr>
+          <a:xfrm>
+            <a:off x="6731329" y="3814763"/>
+            <a:ext cx="1448789" cy="2309746"/>
+          </a:xfrm>
+          <a:prstGeom prst="rect">
+            <a:avLst/>
+          </a:prstGeom>
+        </p:spPr>
+        <p:style>
+          <a:lnRef idx="2">
+            <a:schemeClr val="accent1">
+              <a:shade val="50000"/>
+            </a:schemeClr>
+          </a:lnRef>
+          <a:fillRef idx="1">
+            <a:schemeClr val="accent1"/>
+          </a:fillRef>
+          <a:effectRef idx="0">
+            <a:schemeClr val="accent1"/>
+          </a:effectRef>
+          <a:fontRef idx="minor">
+            <a:schemeClr val="lt1"/>
+          </a:fontRef>
+        </p:style>
+        <p:txBody>
+          <a:bodyPr rtlCol="0" anchor="ctr"/>
+          <a:lstStyle/>
+          <a:p>
+            <a:pPr algn="ctr"/>
+            <a:r>
+              <a:rPr kumimoji="1" lang="en-US" altLang="zh-CN" dirty="0" smtClean="0"/>
+              <a:t>LAST-ACK</a:t>
+            </a:r>
+            <a:endParaRPr kumimoji="1" lang="zh-CN" altLang="en-US" dirty="0"/>
+          </a:p>
+        </p:txBody>
+      </p:sp>
+      <p:sp>
+        <p:nvSpPr>
+          <p:cNvPr id="10" name="矩形 9"/>
+          <p:cNvSpPr/>
+          <p:nvPr/>
+        </p:nvSpPr>
+        <p:spPr>
+          <a:xfrm>
+            <a:off x="2434440" y="4969531"/>
+            <a:ext cx="1448789" cy="1131231"/>
+          </a:xfrm>
+          <a:prstGeom prst="rect">
+            <a:avLst/>
+          </a:prstGeom>
+        </p:spPr>
+        <p:style>
+          <a:lnRef idx="2">
+            <a:schemeClr val="accent1">
+              <a:shade val="50000"/>
+            </a:schemeClr>
+          </a:lnRef>
+          <a:fillRef idx="1">
+            <a:schemeClr val="accent1"/>
+          </a:fillRef>
+          <a:effectRef idx="0">
+            <a:schemeClr val="accent1"/>
+          </a:effectRef>
+          <a:fontRef idx="minor">
+            <a:schemeClr val="lt1"/>
+          </a:fontRef>
+        </p:style>
+        <p:txBody>
+          <a:bodyPr rtlCol="0" anchor="ctr"/>
+          <a:lstStyle/>
+          <a:p>
+            <a:pPr algn="ctr"/>
+            <a:r>
+              <a:rPr kumimoji="1" lang="en-US" altLang="zh-CN" dirty="0" smtClean="0"/>
+              <a:t>TIME-WAIT</a:t>
+            </a:r>
+            <a:endParaRPr kumimoji="1" lang="zh-CN" altLang="en-US" dirty="0"/>
+          </a:p>
+        </p:txBody>
+      </p:sp>
+      <p:sp>
+        <p:nvSpPr>
+          <p:cNvPr id="12" name="文本框 11"/>
+          <p:cNvSpPr txBox="1"/>
+          <p:nvPr/>
+        </p:nvSpPr>
+        <p:spPr>
+          <a:xfrm>
+            <a:off x="2857500" y="242887"/>
+            <a:ext cx="646331" cy="369332"/>
+          </a:xfrm>
+          <a:prstGeom prst="rect">
+            <a:avLst/>
+          </a:prstGeom>
+          <a:noFill/>
+        </p:spPr>
+        <p:txBody>
+          <a:bodyPr wrap="none" rtlCol="0">
+            <a:spAutoFit/>
+          </a:bodyPr>
+          <a:lstStyle/>
+          <a:p>
+            <a:r>
+              <a:rPr kumimoji="1" lang="zh-CN" altLang="en-US" dirty="0" smtClean="0"/>
+              <a:t>客户</a:t>
+            </a:r>
+            <a:endParaRPr kumimoji="1" lang="zh-CN" altLang="en-US" dirty="0"/>
+          </a:p>
+        </p:txBody>
+      </p:sp>
+      <p:sp>
+        <p:nvSpPr>
+          <p:cNvPr id="13" name="文本框 12"/>
+          <p:cNvSpPr txBox="1"/>
+          <p:nvPr/>
+        </p:nvSpPr>
+        <p:spPr>
+          <a:xfrm>
+            <a:off x="7017143" y="242887"/>
+            <a:ext cx="877163" cy="369332"/>
+          </a:xfrm>
+          <a:prstGeom prst="rect">
+            <a:avLst/>
+          </a:prstGeom>
+          <a:noFill/>
+        </p:spPr>
+        <p:txBody>
+          <a:bodyPr wrap="none" rtlCol="0">
+            <a:spAutoFit/>
+          </a:bodyPr>
+          <a:lstStyle/>
+          <a:p>
+            <a:r>
+              <a:rPr kumimoji="1" lang="zh-CN" altLang="en-US" smtClean="0"/>
+              <a:t>服务器</a:t>
+            </a:r>
+            <a:endParaRPr kumimoji="1" lang="zh-CN" altLang="en-US" dirty="0"/>
+          </a:p>
+        </p:txBody>
+      </p:sp>
+      <p:cxnSp>
+        <p:nvCxnSpPr>
+          <p:cNvPr id="15" name="直线箭头连接符 14"/>
+          <p:cNvCxnSpPr/>
+          <p:nvPr/>
+        </p:nvCxnSpPr>
+        <p:spPr>
+          <a:xfrm>
+            <a:off x="3883229" y="1543791"/>
+            <a:ext cx="2848099" cy="1221635"/>
+          </a:xfrm>
+          <a:prstGeom prst="straightConnector1">
+            <a:avLst/>
+          </a:prstGeom>
+          <a:ln w="28575">
+            <a:solidFill>
+              <a:schemeClr val="tx1"/>
+            </a:solidFill>
+            <a:tailEnd type="triangle"/>
+          </a:ln>
+        </p:spPr>
+        <p:style>
+          <a:lnRef idx="1">
+            <a:schemeClr val="accent1"/>
+          </a:lnRef>
+          <a:fillRef idx="0">
+            <a:schemeClr val="accent1"/>
+          </a:fillRef>
+          <a:effectRef idx="0">
+            <a:schemeClr val="accent1"/>
+          </a:effectRef>
+          <a:fontRef idx="minor">
+            <a:schemeClr val="tx1"/>
+          </a:fontRef>
+        </p:style>
+      </p:cxnSp>
+      <p:cxnSp>
+        <p:nvCxnSpPr>
+          <p:cNvPr id="16" name="直线箭头连接符 15"/>
+          <p:cNvCxnSpPr/>
+          <p:nvPr/>
+        </p:nvCxnSpPr>
+        <p:spPr>
+          <a:xfrm flipH="1">
+            <a:off x="3880100" y="2769886"/>
+            <a:ext cx="2826489" cy="470076"/>
+          </a:xfrm>
+          <a:prstGeom prst="straightConnector1">
+            <a:avLst/>
+          </a:prstGeom>
+          <a:ln w="28575">
+            <a:solidFill>
+              <a:schemeClr val="tx1"/>
+            </a:solidFill>
+            <a:tailEnd type="triangle"/>
+          </a:ln>
+        </p:spPr>
+        <p:style>
+          <a:lnRef idx="1">
+            <a:schemeClr val="accent1"/>
+          </a:lnRef>
+          <a:fillRef idx="0">
+            <a:schemeClr val="accent1"/>
+          </a:fillRef>
+          <a:effectRef idx="0">
+            <a:schemeClr val="accent1"/>
+          </a:effectRef>
+          <a:fontRef idx="minor">
+            <a:schemeClr val="tx1"/>
+          </a:fontRef>
+        </p:style>
+      </p:cxnSp>
+      <p:cxnSp>
+        <p:nvCxnSpPr>
+          <p:cNvPr id="19" name="直线箭头连接符 18"/>
+          <p:cNvCxnSpPr/>
+          <p:nvPr/>
+        </p:nvCxnSpPr>
+        <p:spPr>
+          <a:xfrm>
+            <a:off x="3883227" y="4965058"/>
+            <a:ext cx="2848101" cy="1159451"/>
+          </a:xfrm>
+          <a:prstGeom prst="straightConnector1">
+            <a:avLst/>
+          </a:prstGeom>
+          <a:ln w="28575">
+            <a:solidFill>
+              <a:schemeClr val="tx1"/>
+            </a:solidFill>
+            <a:tailEnd type="triangle"/>
+          </a:ln>
+        </p:spPr>
+        <p:style>
+          <a:lnRef idx="1">
+            <a:schemeClr val="accent1"/>
+          </a:lnRef>
+          <a:fillRef idx="0">
+            <a:schemeClr val="accent1"/>
+          </a:fillRef>
+          <a:effectRef idx="0">
+            <a:schemeClr val="accent1"/>
+          </a:effectRef>
+          <a:fontRef idx="minor">
+            <a:schemeClr val="tx1"/>
+          </a:fontRef>
+        </p:style>
+      </p:cxnSp>
+      <p:sp>
+        <p:nvSpPr>
+          <p:cNvPr id="22" name="文本框 21"/>
+          <p:cNvSpPr txBox="1"/>
+          <p:nvPr/>
+        </p:nvSpPr>
+        <p:spPr>
+          <a:xfrm rot="1421880">
+            <a:off x="4795000" y="1730960"/>
+            <a:ext cx="1489510" cy="338554"/>
+          </a:xfrm>
+          <a:prstGeom prst="rect">
+            <a:avLst/>
+          </a:prstGeom>
+          <a:noFill/>
+        </p:spPr>
+        <p:txBody>
+          <a:bodyPr wrap="none" rtlCol="0">
+            <a:spAutoFit/>
+          </a:bodyPr>
+          <a:lstStyle/>
+          <a:p>
+            <a:r>
+              <a:rPr kumimoji="1" lang="en-US" altLang="zh-CN" sz="1600" dirty="0" smtClean="0"/>
+              <a:t>FIN=1</a:t>
+            </a:r>
+            <a:r>
+              <a:rPr kumimoji="1" lang="zh-CN" altLang="en-US" sz="1600" dirty="0" smtClean="0"/>
+              <a:t>，</a:t>
+            </a:r>
+            <a:r>
+              <a:rPr kumimoji="1" lang="en-US" altLang="zh-CN" sz="1600" dirty="0" err="1" smtClean="0"/>
+              <a:t>seq</a:t>
+            </a:r>
+            <a:r>
+              <a:rPr kumimoji="1" lang="en-US" altLang="zh-CN" sz="1600" dirty="0" smtClean="0"/>
+              <a:t>=u</a:t>
+            </a:r>
+            <a:endParaRPr kumimoji="1" lang="zh-CN" altLang="en-US" sz="1600" dirty="0"/>
+          </a:p>
+        </p:txBody>
+      </p:sp>
+      <p:sp>
+        <p:nvSpPr>
+          <p:cNvPr id="23" name="文本框 22"/>
+          <p:cNvSpPr txBox="1"/>
+          <p:nvPr/>
+        </p:nvSpPr>
+        <p:spPr>
+          <a:xfrm rot="1318973">
+            <a:off x="4100487" y="5257901"/>
+            <a:ext cx="2826415" cy="338554"/>
+          </a:xfrm>
+          <a:prstGeom prst="rect">
+            <a:avLst/>
+          </a:prstGeom>
+          <a:noFill/>
+        </p:spPr>
+        <p:txBody>
+          <a:bodyPr wrap="none" rtlCol="0">
+            <a:spAutoFit/>
+          </a:bodyPr>
+          <a:lstStyle/>
+          <a:p>
+            <a:r>
+              <a:rPr kumimoji="1" lang="en-US" altLang="zh-CN" sz="1600" dirty="0" smtClean="0"/>
+              <a:t>ACK=1</a:t>
+            </a:r>
+            <a:r>
+              <a:rPr kumimoji="1" lang="zh-CN" altLang="en-US" sz="1600" dirty="0" smtClean="0"/>
+              <a:t>，</a:t>
+            </a:r>
+            <a:r>
+              <a:rPr kumimoji="1" lang="en-US" altLang="zh-CN" sz="1600" dirty="0" err="1" smtClean="0"/>
+              <a:t>seq</a:t>
+            </a:r>
+            <a:r>
+              <a:rPr kumimoji="1" lang="en-US" altLang="zh-CN" sz="1600" dirty="0" smtClean="0"/>
+              <a:t>=u+1</a:t>
+            </a:r>
+            <a:r>
+              <a:rPr kumimoji="1" lang="zh-CN" altLang="en-US" sz="1600" dirty="0" smtClean="0"/>
+              <a:t>，</a:t>
+            </a:r>
+            <a:r>
+              <a:rPr kumimoji="1" lang="en-US" altLang="zh-CN" sz="1600" dirty="0" err="1" smtClean="0"/>
+              <a:t>ack</a:t>
+            </a:r>
+            <a:r>
+              <a:rPr kumimoji="1" lang="en-US" altLang="zh-CN" sz="1600" dirty="0" smtClean="0"/>
+              <a:t>=w+1</a:t>
+            </a:r>
+            <a:endParaRPr kumimoji="1" lang="zh-CN" altLang="en-US" sz="1600" dirty="0"/>
+          </a:p>
+        </p:txBody>
+      </p:sp>
+      <p:sp>
+        <p:nvSpPr>
+          <p:cNvPr id="24" name="文本框 23"/>
+          <p:cNvSpPr txBox="1"/>
+          <p:nvPr/>
+        </p:nvSpPr>
+        <p:spPr>
+          <a:xfrm rot="21002121">
+            <a:off x="3872758" y="2694034"/>
+            <a:ext cx="2510624" cy="338554"/>
+          </a:xfrm>
+          <a:prstGeom prst="rect">
+            <a:avLst/>
+          </a:prstGeom>
+          <a:noFill/>
+        </p:spPr>
+        <p:txBody>
+          <a:bodyPr wrap="none" rtlCol="0">
+            <a:spAutoFit/>
+          </a:bodyPr>
+          <a:lstStyle/>
+          <a:p>
+            <a:r>
+              <a:rPr kumimoji="1" lang="en-US" altLang="zh-CN" sz="1600" dirty="0" smtClean="0"/>
+              <a:t>ACK=1</a:t>
+            </a:r>
+            <a:r>
+              <a:rPr kumimoji="1" lang="zh-CN" altLang="en-US" sz="1600" dirty="0" smtClean="0"/>
+              <a:t>，</a:t>
+            </a:r>
+            <a:r>
+              <a:rPr kumimoji="1" lang="en-US" altLang="zh-CN" sz="1600" dirty="0" err="1" smtClean="0"/>
+              <a:t>seq</a:t>
+            </a:r>
+            <a:r>
+              <a:rPr kumimoji="1" lang="en-US" altLang="zh-CN" sz="1600" dirty="0" smtClean="0"/>
+              <a:t>=v</a:t>
+            </a:r>
+            <a:r>
+              <a:rPr kumimoji="1" lang="zh-CN" altLang="en-US" sz="1600" dirty="0" smtClean="0"/>
+              <a:t>，</a:t>
+            </a:r>
+            <a:r>
+              <a:rPr kumimoji="1" lang="en-US" altLang="zh-CN" sz="1600" dirty="0" err="1" smtClean="0"/>
+              <a:t>ack</a:t>
+            </a:r>
+            <a:r>
+              <a:rPr kumimoji="1" lang="en-US" altLang="zh-CN" sz="1600" dirty="0" smtClean="0"/>
+              <a:t>=u+1</a:t>
+            </a:r>
+            <a:endParaRPr kumimoji="1" lang="zh-CN" altLang="en-US" sz="1600" dirty="0"/>
+          </a:p>
+        </p:txBody>
+      </p:sp>
+      <p:cxnSp>
+        <p:nvCxnSpPr>
+          <p:cNvPr id="28" name="直线箭头连接符 27"/>
+          <p:cNvCxnSpPr/>
+          <p:nvPr/>
+        </p:nvCxnSpPr>
+        <p:spPr>
+          <a:xfrm>
+            <a:off x="1362878" y="1543791"/>
+            <a:ext cx="1071562" cy="0"/>
+          </a:xfrm>
+          <a:prstGeom prst="straightConnector1">
+            <a:avLst/>
+          </a:prstGeom>
+          <a:ln w="28575">
+            <a:solidFill>
+              <a:schemeClr val="tx1"/>
+            </a:solidFill>
+            <a:tailEnd type="triangle"/>
+          </a:ln>
+        </p:spPr>
+        <p:style>
+          <a:lnRef idx="1">
+            <a:schemeClr val="accent1"/>
+          </a:lnRef>
+          <a:fillRef idx="0">
+            <a:schemeClr val="accent1"/>
+          </a:fillRef>
+          <a:effectRef idx="0">
+            <a:schemeClr val="accent1"/>
+          </a:effectRef>
+          <a:fontRef idx="minor">
+            <a:schemeClr val="tx1"/>
+          </a:fontRef>
+        </p:style>
+      </p:cxnSp>
+      <p:cxnSp>
+        <p:nvCxnSpPr>
+          <p:cNvPr id="30" name="直线箭头连接符 29"/>
+          <p:cNvCxnSpPr/>
+          <p:nvPr/>
+        </p:nvCxnSpPr>
+        <p:spPr>
+          <a:xfrm flipH="1">
+            <a:off x="8180117" y="3814763"/>
+            <a:ext cx="1071562" cy="0"/>
+          </a:xfrm>
+          <a:prstGeom prst="straightConnector1">
+            <a:avLst/>
+          </a:prstGeom>
+          <a:ln w="28575">
+            <a:solidFill>
+              <a:schemeClr val="tx1"/>
+            </a:solidFill>
+            <a:tailEnd type="triangle"/>
+          </a:ln>
+        </p:spPr>
+        <p:style>
+          <a:lnRef idx="1">
+            <a:schemeClr val="accent1"/>
+          </a:lnRef>
+          <a:fillRef idx="0">
+            <a:schemeClr val="accent1"/>
+          </a:fillRef>
+          <a:effectRef idx="0">
+            <a:schemeClr val="accent1"/>
+          </a:effectRef>
+          <a:fontRef idx="minor">
+            <a:schemeClr val="tx1"/>
+          </a:fontRef>
+        </p:style>
+      </p:cxnSp>
+      <p:sp>
+        <p:nvSpPr>
+          <p:cNvPr id="31" name="文本框 30"/>
+          <p:cNvSpPr txBox="1"/>
+          <p:nvPr/>
+        </p:nvSpPr>
+        <p:spPr>
+          <a:xfrm>
+            <a:off x="1279650" y="1076060"/>
+            <a:ext cx="1107996" cy="369332"/>
+          </a:xfrm>
+          <a:prstGeom prst="rect">
+            <a:avLst/>
+          </a:prstGeom>
+          <a:noFill/>
+        </p:spPr>
+        <p:txBody>
+          <a:bodyPr wrap="none" rtlCol="0">
+            <a:spAutoFit/>
+          </a:bodyPr>
+          <a:lstStyle/>
+          <a:p>
+            <a:r>
+              <a:rPr kumimoji="1" lang="zh-CN" altLang="en-US" dirty="0" smtClean="0"/>
+              <a:t>主动关闭</a:t>
+            </a:r>
+            <a:endParaRPr kumimoji="1" lang="zh-CN" altLang="en-US" dirty="0"/>
+          </a:p>
+        </p:txBody>
+      </p:sp>
+      <p:sp>
+        <p:nvSpPr>
+          <p:cNvPr id="32" name="文本框 31"/>
+          <p:cNvSpPr txBox="1"/>
+          <p:nvPr/>
+        </p:nvSpPr>
+        <p:spPr>
+          <a:xfrm>
+            <a:off x="8180117" y="3357205"/>
+            <a:ext cx="1107996" cy="369332"/>
+          </a:xfrm>
+          <a:prstGeom prst="rect">
+            <a:avLst/>
+          </a:prstGeom>
+          <a:noFill/>
+        </p:spPr>
+        <p:txBody>
+          <a:bodyPr wrap="none" rtlCol="0">
+            <a:spAutoFit/>
+          </a:bodyPr>
+          <a:lstStyle/>
+          <a:p>
+            <a:r>
+              <a:rPr kumimoji="1" lang="zh-CN" altLang="en-US" dirty="0" smtClean="0"/>
+              <a:t>被动关闭</a:t>
+            </a:r>
+            <a:endParaRPr kumimoji="1" lang="zh-CN" altLang="en-US" dirty="0"/>
+          </a:p>
+        </p:txBody>
+      </p:sp>
+      <p:sp>
+        <p:nvSpPr>
+          <p:cNvPr id="21" name="矩形 20"/>
+          <p:cNvSpPr/>
+          <p:nvPr/>
+        </p:nvSpPr>
+        <p:spPr>
+          <a:xfrm>
+            <a:off x="2434439" y="663702"/>
+            <a:ext cx="1448789" cy="824716"/>
+          </a:xfrm>
+          <a:prstGeom prst="rect">
+            <a:avLst/>
+          </a:prstGeom>
+        </p:spPr>
+        <p:style>
+          <a:lnRef idx="2">
+            <a:schemeClr val="accent1">
+              <a:shade val="50000"/>
+            </a:schemeClr>
+          </a:lnRef>
+          <a:fillRef idx="1">
+            <a:schemeClr val="accent1"/>
+          </a:fillRef>
+          <a:effectRef idx="0">
+            <a:schemeClr val="accent1"/>
+          </a:effectRef>
+          <a:fontRef idx="minor">
+            <a:schemeClr val="lt1"/>
+          </a:fontRef>
+        </p:style>
+        <p:txBody>
+          <a:bodyPr rtlCol="0" anchor="ctr"/>
+          <a:lstStyle/>
+          <a:p>
+            <a:pPr algn="ctr"/>
+            <a:r>
+              <a:rPr kumimoji="1" lang="en-US" altLang="zh-CN" dirty="0" smtClean="0"/>
+              <a:t>ESTABLISHED</a:t>
+            </a:r>
+            <a:endParaRPr kumimoji="1" lang="zh-CN" altLang="en-US" dirty="0"/>
+          </a:p>
+        </p:txBody>
+      </p:sp>
+      <p:sp>
+        <p:nvSpPr>
+          <p:cNvPr id="25" name="矩形 24"/>
+          <p:cNvSpPr/>
+          <p:nvPr/>
+        </p:nvSpPr>
+        <p:spPr>
+          <a:xfrm>
+            <a:off x="6731329" y="615878"/>
+            <a:ext cx="1448789" cy="2140453"/>
+          </a:xfrm>
+          <a:prstGeom prst="rect">
+            <a:avLst/>
+          </a:prstGeom>
+        </p:spPr>
+        <p:style>
+          <a:lnRef idx="2">
+            <a:schemeClr val="accent1">
+              <a:shade val="50000"/>
+            </a:schemeClr>
+          </a:lnRef>
+          <a:fillRef idx="1">
+            <a:schemeClr val="accent1"/>
+          </a:fillRef>
+          <a:effectRef idx="0">
+            <a:schemeClr val="accent1"/>
+          </a:effectRef>
+          <a:fontRef idx="minor">
+            <a:schemeClr val="lt1"/>
+          </a:fontRef>
+        </p:style>
+        <p:txBody>
+          <a:bodyPr rtlCol="0" anchor="ctr"/>
+          <a:lstStyle/>
+          <a:p>
+            <a:pPr algn="ctr"/>
+            <a:r>
+              <a:rPr kumimoji="1" lang="en-US" altLang="zh-CN" dirty="0" smtClean="0"/>
+              <a:t>ESTABLISHED</a:t>
+            </a:r>
+            <a:endParaRPr kumimoji="1" lang="zh-CN" altLang="en-US" dirty="0"/>
+          </a:p>
+        </p:txBody>
+      </p:sp>
+      <p:sp>
+        <p:nvSpPr>
+          <p:cNvPr id="26" name="矩形 25"/>
+          <p:cNvSpPr/>
+          <p:nvPr/>
+        </p:nvSpPr>
+        <p:spPr>
+          <a:xfrm>
+            <a:off x="2431311" y="3228975"/>
+            <a:ext cx="1448789" cy="1740558"/>
+          </a:xfrm>
+          <a:prstGeom prst="rect">
+            <a:avLst/>
+          </a:prstGeom>
+        </p:spPr>
+        <p:style>
+          <a:lnRef idx="2">
+            <a:schemeClr val="accent1">
+              <a:shade val="50000"/>
+            </a:schemeClr>
+          </a:lnRef>
+          <a:fillRef idx="1">
+            <a:schemeClr val="accent1"/>
+          </a:fillRef>
+          <a:effectRef idx="0">
+            <a:schemeClr val="accent1"/>
+          </a:effectRef>
+          <a:fontRef idx="minor">
+            <a:schemeClr val="lt1"/>
+          </a:fontRef>
+        </p:style>
+        <p:txBody>
+          <a:bodyPr rtlCol="0" anchor="ctr"/>
+          <a:lstStyle/>
+          <a:p>
+            <a:pPr algn="ctr"/>
+            <a:r>
+              <a:rPr kumimoji="1" lang="en-US" altLang="zh-CN" dirty="0" smtClean="0"/>
+              <a:t>FIN-WAIT-2</a:t>
+            </a:r>
+            <a:endParaRPr kumimoji="1" lang="zh-CN" altLang="en-US" dirty="0"/>
+          </a:p>
+        </p:txBody>
+      </p:sp>
+      <p:cxnSp>
+        <p:nvCxnSpPr>
+          <p:cNvPr id="33" name="直线箭头连接符 32"/>
+          <p:cNvCxnSpPr/>
+          <p:nvPr/>
+        </p:nvCxnSpPr>
+        <p:spPr>
+          <a:xfrm flipH="1">
+            <a:off x="3905377" y="3822400"/>
+            <a:ext cx="2825952" cy="1133563"/>
+          </a:xfrm>
+          <a:prstGeom prst="straightConnector1">
+            <a:avLst/>
+          </a:prstGeom>
+          <a:ln w="28575">
+            <a:solidFill>
+              <a:schemeClr val="tx1"/>
+            </a:solidFill>
+            <a:tailEnd type="triangle"/>
+          </a:ln>
+        </p:spPr>
+        <p:style>
+          <a:lnRef idx="1">
+            <a:schemeClr val="accent1"/>
+          </a:lnRef>
+          <a:fillRef idx="0">
+            <a:schemeClr val="accent1"/>
+          </a:fillRef>
+          <a:effectRef idx="0">
+            <a:schemeClr val="accent1"/>
+          </a:effectRef>
+          <a:fontRef idx="minor">
+            <a:schemeClr val="tx1"/>
+          </a:fontRef>
+        </p:style>
+      </p:cxnSp>
+      <p:sp>
+        <p:nvSpPr>
+          <p:cNvPr id="34" name="文本框 33"/>
+          <p:cNvSpPr txBox="1"/>
+          <p:nvPr/>
+        </p:nvSpPr>
+        <p:spPr>
+          <a:xfrm rot="20203213">
+            <a:off x="3661956" y="3903094"/>
+            <a:ext cx="3329758" cy="338554"/>
+          </a:xfrm>
+          <a:prstGeom prst="rect">
+            <a:avLst/>
+          </a:prstGeom>
+          <a:noFill/>
+        </p:spPr>
+        <p:txBody>
+          <a:bodyPr wrap="none" rtlCol="0">
+            <a:spAutoFit/>
+          </a:bodyPr>
+          <a:lstStyle/>
+          <a:p>
+            <a:r>
+              <a:rPr kumimoji="1" lang="en-US" altLang="zh-CN" sz="1600" dirty="0" smtClean="0"/>
+              <a:t>FIN=1</a:t>
+            </a:r>
+            <a:r>
+              <a:rPr kumimoji="1" lang="zh-CN" altLang="en-US" sz="1600" dirty="0" smtClean="0"/>
+              <a:t>，</a:t>
+            </a:r>
+            <a:r>
+              <a:rPr kumimoji="1" lang="en-US" altLang="zh-CN" sz="1600" dirty="0" smtClean="0"/>
+              <a:t>ACK=1</a:t>
+            </a:r>
+            <a:r>
+              <a:rPr kumimoji="1" lang="zh-CN" altLang="en-US" sz="1600" dirty="0" smtClean="0"/>
+              <a:t>，</a:t>
+            </a:r>
+            <a:r>
+              <a:rPr kumimoji="1" lang="en-US" altLang="zh-CN" sz="1600" dirty="0" err="1" smtClean="0"/>
+              <a:t>seq</a:t>
+            </a:r>
+            <a:r>
+              <a:rPr kumimoji="1" lang="en-US" altLang="zh-CN" sz="1600" dirty="0" smtClean="0"/>
+              <a:t>=w</a:t>
+            </a:r>
+            <a:r>
+              <a:rPr kumimoji="1" lang="zh-CN" altLang="en-US" sz="1600" dirty="0" smtClean="0"/>
+              <a:t>，</a:t>
+            </a:r>
+            <a:r>
+              <a:rPr kumimoji="1" lang="en-US" altLang="zh-CN" sz="1600" dirty="0" err="1" smtClean="0"/>
+              <a:t>ack</a:t>
+            </a:r>
+            <a:r>
+              <a:rPr kumimoji="1" lang="en-US" altLang="zh-CN" sz="1600" dirty="0" smtClean="0"/>
+              <a:t>=u+1</a:t>
+            </a:r>
+            <a:endParaRPr kumimoji="1" lang="zh-CN" altLang="en-US" sz="1600" dirty="0"/>
+          </a:p>
+        </p:txBody>
+      </p:sp>
+      <p:cxnSp>
+        <p:nvCxnSpPr>
+          <p:cNvPr id="35" name="直线箭头连接符 34"/>
+          <p:cNvCxnSpPr/>
+          <p:nvPr/>
+        </p:nvCxnSpPr>
+        <p:spPr>
+          <a:xfrm>
+            <a:off x="1362878" y="6124509"/>
+            <a:ext cx="1071562" cy="0"/>
+          </a:xfrm>
+          <a:prstGeom prst="straightConnector1">
+            <a:avLst/>
+          </a:prstGeom>
+          <a:ln w="28575">
+            <a:solidFill>
+              <a:schemeClr val="tx1"/>
+            </a:solidFill>
+            <a:tailEnd type="triangle"/>
+          </a:ln>
+        </p:spPr>
+        <p:style>
+          <a:lnRef idx="1">
+            <a:schemeClr val="accent1"/>
+          </a:lnRef>
+          <a:fillRef idx="0">
+            <a:schemeClr val="accent1"/>
+          </a:fillRef>
+          <a:effectRef idx="0">
+            <a:schemeClr val="accent1"/>
+          </a:effectRef>
+          <a:fontRef idx="minor">
+            <a:schemeClr val="tx1"/>
+          </a:fontRef>
+        </p:style>
+      </p:cxnSp>
+      <p:cxnSp>
+        <p:nvCxnSpPr>
+          <p:cNvPr id="37" name="直线连接符 36"/>
+          <p:cNvCxnSpPr/>
+          <p:nvPr/>
+        </p:nvCxnSpPr>
+        <p:spPr>
+          <a:xfrm>
+            <a:off x="1362878" y="4988805"/>
+            <a:ext cx="0" cy="1135704"/>
+          </a:xfrm>
+          <a:prstGeom prst="line">
+            <a:avLst/>
+          </a:prstGeom>
+          <a:ln w="28575">
+            <a:solidFill>
+              <a:schemeClr val="tx1"/>
+            </a:solidFill>
+          </a:ln>
+        </p:spPr>
+        <p:style>
+          <a:lnRef idx="1">
+            <a:schemeClr val="accent1"/>
+          </a:lnRef>
+          <a:fillRef idx="0">
+            <a:schemeClr val="accent1"/>
+          </a:fillRef>
+          <a:effectRef idx="0">
+            <a:schemeClr val="accent1"/>
+          </a:effectRef>
+          <a:fontRef idx="minor">
+            <a:schemeClr val="tx1"/>
+          </a:fontRef>
+        </p:style>
+      </p:cxnSp>
+      <p:cxnSp>
+        <p:nvCxnSpPr>
+          <p:cNvPr id="38" name="直线连接符 37"/>
+          <p:cNvCxnSpPr/>
+          <p:nvPr/>
+        </p:nvCxnSpPr>
+        <p:spPr>
+          <a:xfrm flipH="1">
+            <a:off x="1362878" y="4988805"/>
+            <a:ext cx="1068433" cy="8344"/>
+          </a:xfrm>
+          <a:prstGeom prst="line">
+            <a:avLst/>
+          </a:prstGeom>
+          <a:ln w="28575">
+            <a:solidFill>
+              <a:schemeClr val="tx1"/>
+            </a:solidFill>
+          </a:ln>
+        </p:spPr>
+        <p:style>
+          <a:lnRef idx="1">
+            <a:schemeClr val="accent1"/>
+          </a:lnRef>
+          <a:fillRef idx="0">
+            <a:schemeClr val="accent1"/>
+          </a:fillRef>
+          <a:effectRef idx="0">
+            <a:schemeClr val="accent1"/>
+          </a:effectRef>
+          <a:fontRef idx="minor">
+            <a:schemeClr val="tx1"/>
+          </a:fontRef>
+        </p:style>
+      </p:cxnSp>
+      <p:sp>
+        <p:nvSpPr>
+          <p:cNvPr id="40" name="文本框 39"/>
+          <p:cNvSpPr txBox="1"/>
+          <p:nvPr/>
+        </p:nvSpPr>
+        <p:spPr>
+          <a:xfrm>
+            <a:off x="1307483" y="5082156"/>
+            <a:ext cx="1194558" cy="369332"/>
+          </a:xfrm>
+          <a:prstGeom prst="rect">
+            <a:avLst/>
+          </a:prstGeom>
+          <a:noFill/>
+        </p:spPr>
+        <p:txBody>
+          <a:bodyPr wrap="none" rtlCol="0">
+            <a:spAutoFit/>
+          </a:bodyPr>
+          <a:lstStyle/>
+          <a:p>
+            <a:r>
+              <a:rPr kumimoji="1" lang="zh-CN" altLang="en-US" dirty="0" smtClean="0"/>
+              <a:t>等待</a:t>
+            </a:r>
+            <a:r>
+              <a:rPr kumimoji="1" lang="en-US" altLang="zh-CN" dirty="0" smtClean="0"/>
+              <a:t>2MSL</a:t>
+            </a:r>
+            <a:endParaRPr kumimoji="1" lang="zh-CN" altLang="en-US" dirty="0"/>
+          </a:p>
+        </p:txBody>
+      </p:sp>
+      <p:cxnSp>
+        <p:nvCxnSpPr>
+          <p:cNvPr id="41" name="直线箭头连接符 40"/>
+          <p:cNvCxnSpPr/>
+          <p:nvPr/>
+        </p:nvCxnSpPr>
+        <p:spPr>
+          <a:xfrm rot="16200000" flipV="1">
+            <a:off x="8732550" y="2221885"/>
+            <a:ext cx="1071562" cy="0"/>
+          </a:xfrm>
+          <a:prstGeom prst="straightConnector1">
+            <a:avLst/>
+          </a:prstGeom>
+          <a:ln w="28575">
+            <a:solidFill>
+              <a:schemeClr val="tx1"/>
+            </a:solidFill>
+            <a:tailEnd type="triangle"/>
+          </a:ln>
+        </p:spPr>
+        <p:style>
+          <a:lnRef idx="1">
+            <a:schemeClr val="accent1"/>
+          </a:lnRef>
+          <a:fillRef idx="0">
+            <a:schemeClr val="accent1"/>
+          </a:fillRef>
+          <a:effectRef idx="0">
+            <a:schemeClr val="accent1"/>
+          </a:effectRef>
+          <a:fontRef idx="minor">
+            <a:schemeClr val="tx1"/>
+          </a:fontRef>
+        </p:style>
+      </p:cxnSp>
+      <p:cxnSp>
+        <p:nvCxnSpPr>
+          <p:cNvPr id="42" name="直线连接符 41"/>
+          <p:cNvCxnSpPr/>
+          <p:nvPr/>
+        </p:nvCxnSpPr>
+        <p:spPr>
+          <a:xfrm flipH="1">
+            <a:off x="8199898" y="2747987"/>
+            <a:ext cx="1068433" cy="8344"/>
+          </a:xfrm>
+          <a:prstGeom prst="line">
+            <a:avLst/>
+          </a:prstGeom>
+          <a:ln w="28575">
+            <a:solidFill>
+              <a:schemeClr val="tx1"/>
+            </a:solidFill>
+          </a:ln>
+        </p:spPr>
+        <p:style>
+          <a:lnRef idx="1">
+            <a:schemeClr val="accent1"/>
+          </a:lnRef>
+          <a:fillRef idx="0">
+            <a:schemeClr val="accent1"/>
+          </a:fillRef>
+          <a:effectRef idx="0">
+            <a:schemeClr val="accent1"/>
+          </a:effectRef>
+          <a:fontRef idx="minor">
+            <a:schemeClr val="tx1"/>
+          </a:fontRef>
+        </p:style>
+      </p:cxnSp>
+      <p:sp>
+        <p:nvSpPr>
+          <p:cNvPr id="43" name="文本框 42"/>
+          <p:cNvSpPr txBox="1"/>
+          <p:nvPr/>
+        </p:nvSpPr>
+        <p:spPr>
+          <a:xfrm>
+            <a:off x="8503283" y="1320351"/>
+            <a:ext cx="1569660" cy="369332"/>
+          </a:xfrm>
+          <a:prstGeom prst="rect">
+            <a:avLst/>
+          </a:prstGeom>
+          <a:noFill/>
+        </p:spPr>
+        <p:txBody>
+          <a:bodyPr wrap="none" rtlCol="0">
+            <a:spAutoFit/>
+          </a:bodyPr>
+          <a:lstStyle/>
+          <a:p>
+            <a:r>
+              <a:rPr kumimoji="1" lang="zh-CN" altLang="en-US" smtClean="0"/>
+              <a:t>通知应用进程</a:t>
+            </a:r>
+            <a:endParaRPr kumimoji="1" lang="zh-CN" altLang="en-US" dirty="0"/>
+          </a:p>
+        </p:txBody>
+      </p:sp>
+    </p:spTree>
+    <p:extLst>
+      <p:ext uri="{BB962C8B-B14F-4D97-AF65-F5344CB8AC3E}">
+        <p14:creationId xmlns:p14="http://schemas.microsoft.com/office/powerpoint/2010/main" val="701426995"/>
+      </p:ext>
+    </p:extLst>
+  </p:cSld>
+  <p:clrMapOvr>
+    <a:masterClrMapping/>
+  </p:clrMapOvr>
+</p:sld>
+</file>
+
+<file path=ppt/slides/slide4.xml><?xml version="1.0" encoding="utf-8"?>
+<p:sld xmlns:a="http://schemas.openxmlformats.org/drawingml/2006/main" xmlns:r="http://schemas.openxmlformats.org/officeDocument/2006/relationships" xmlns:p="http://schemas.openxmlformats.org/presentationml/2006/main">
+  <p:cSld>
+    <p:spTree>
+      <p:nvGrpSpPr>
+        <p:cNvPr id="1" name=""/>
+        <p:cNvGrpSpPr/>
+        <p:nvPr/>
+      </p:nvGrpSpPr>
+      <p:grpSpPr>
+        <a:xfrm>
+          <a:off x="0" y="0"/>
+          <a:ext cx="0" cy="0"/>
+          <a:chOff x="0" y="0"/>
+          <a:chExt cx="0" cy="0"/>
+        </a:xfrm>
+      </p:grpSpPr>
+      <p:sp>
+        <p:nvSpPr>
+          <p:cNvPr id="4" name="矩形 3"/>
+          <p:cNvSpPr/>
+          <p:nvPr/>
+        </p:nvSpPr>
+        <p:spPr>
+          <a:xfrm>
+            <a:off x="1840675" y="1104405"/>
+            <a:ext cx="1175657" cy="570016"/>
+          </a:xfrm>
+          <a:prstGeom prst="rect">
+            <a:avLst/>
+          </a:prstGeom>
+        </p:spPr>
+        <p:style>
+          <a:lnRef idx="2">
+            <a:schemeClr val="accent1">
+              <a:shade val="50000"/>
+            </a:schemeClr>
+          </a:lnRef>
+          <a:fillRef idx="1">
+            <a:schemeClr val="accent1"/>
+          </a:fillRef>
+          <a:effectRef idx="0">
+            <a:schemeClr val="accent1"/>
+          </a:effectRef>
+          <a:fontRef idx="minor">
+            <a:schemeClr val="lt1"/>
+          </a:fontRef>
+        </p:style>
+        <p:txBody>
+          <a:bodyPr rtlCol="0" anchor="ctr"/>
+          <a:lstStyle/>
+          <a:p>
+            <a:pPr algn="ctr"/>
+            <a:r>
+              <a:rPr kumimoji="1" lang="zh-CN" altLang="en-US" smtClean="0"/>
+              <a:t>栈</a:t>
+            </a:r>
+            <a:endParaRPr kumimoji="1" lang="zh-CN" altLang="en-US"/>
+          </a:p>
+        </p:txBody>
+      </p:sp>
+      <p:sp>
+        <p:nvSpPr>
+          <p:cNvPr id="5" name="矩形 4"/>
+          <p:cNvSpPr/>
+          <p:nvPr/>
+        </p:nvSpPr>
+        <p:spPr>
+          <a:xfrm>
+            <a:off x="1840675" y="1674421"/>
+            <a:ext cx="1175657" cy="570016"/>
+          </a:xfrm>
+          <a:prstGeom prst="rect">
+            <a:avLst/>
+          </a:prstGeom>
+        </p:spPr>
+        <p:style>
+          <a:lnRef idx="2">
+            <a:schemeClr val="accent1">
+              <a:shade val="50000"/>
+            </a:schemeClr>
+          </a:lnRef>
+          <a:fillRef idx="1">
+            <a:schemeClr val="accent1"/>
+          </a:fillRef>
+          <a:effectRef idx="0">
+            <a:schemeClr val="accent1"/>
+          </a:effectRef>
+          <a:fontRef idx="minor">
+            <a:schemeClr val="lt1"/>
+          </a:fontRef>
+        </p:style>
+        <p:txBody>
+          <a:bodyPr rtlCol="0" anchor="ctr"/>
+          <a:lstStyle/>
+          <a:p>
+            <a:pPr algn="ctr"/>
+            <a:r>
+              <a:rPr kumimoji="1" lang="en-US" altLang="zh-CN" dirty="0" smtClean="0"/>
+              <a:t>s1</a:t>
+            </a:r>
+            <a:endParaRPr kumimoji="1" lang="zh-CN" altLang="en-US" dirty="0"/>
+          </a:p>
+        </p:txBody>
+      </p:sp>
+      <p:sp>
+        <p:nvSpPr>
+          <p:cNvPr id="6" name="矩形 5"/>
+          <p:cNvSpPr/>
+          <p:nvPr/>
+        </p:nvSpPr>
+        <p:spPr>
+          <a:xfrm>
+            <a:off x="1840675" y="2244437"/>
+            <a:ext cx="1175657" cy="570016"/>
+          </a:xfrm>
+          <a:prstGeom prst="rect">
+            <a:avLst/>
+          </a:prstGeom>
+        </p:spPr>
+        <p:style>
+          <a:lnRef idx="2">
+            <a:schemeClr val="accent1">
+              <a:shade val="50000"/>
+            </a:schemeClr>
+          </a:lnRef>
+          <a:fillRef idx="1">
+            <a:schemeClr val="accent1"/>
+          </a:fillRef>
+          <a:effectRef idx="0">
+            <a:schemeClr val="accent1"/>
+          </a:effectRef>
+          <a:fontRef idx="minor">
+            <a:schemeClr val="lt1"/>
+          </a:fontRef>
+        </p:style>
+        <p:txBody>
+          <a:bodyPr rtlCol="0" anchor="ctr"/>
+          <a:lstStyle/>
+          <a:p>
+            <a:pPr algn="ctr"/>
+            <a:r>
+              <a:rPr kumimoji="1" lang="en-US" altLang="zh-CN" dirty="0" smtClean="0"/>
+              <a:t>s2</a:t>
+            </a:r>
+            <a:endParaRPr kumimoji="1" lang="zh-CN" altLang="en-US" dirty="0"/>
+          </a:p>
+        </p:txBody>
+      </p:sp>
+      <p:sp>
+        <p:nvSpPr>
+          <p:cNvPr id="7" name="矩形 6"/>
+          <p:cNvSpPr/>
+          <p:nvPr/>
+        </p:nvSpPr>
+        <p:spPr>
+          <a:xfrm>
+            <a:off x="1840674" y="2814453"/>
+            <a:ext cx="1175657" cy="570016"/>
+          </a:xfrm>
+          <a:prstGeom prst="rect">
+            <a:avLst/>
+          </a:prstGeom>
+        </p:spPr>
+        <p:style>
+          <a:lnRef idx="2">
+            <a:schemeClr val="accent1">
+              <a:shade val="50000"/>
+            </a:schemeClr>
+          </a:lnRef>
+          <a:fillRef idx="1">
+            <a:schemeClr val="accent1"/>
+          </a:fillRef>
+          <a:effectRef idx="0">
+            <a:schemeClr val="accent1"/>
+          </a:effectRef>
+          <a:fontRef idx="minor">
+            <a:schemeClr val="lt1"/>
+          </a:fontRef>
+        </p:style>
+        <p:txBody>
+          <a:bodyPr rtlCol="0" anchor="ctr"/>
+          <a:lstStyle/>
+          <a:p>
+            <a:pPr algn="ctr"/>
+            <a:r>
+              <a:rPr kumimoji="1" lang="en-US" altLang="zh-CN" dirty="0" smtClean="0"/>
+              <a:t>s3</a:t>
+            </a:r>
+            <a:endParaRPr kumimoji="1" lang="zh-CN" altLang="en-US" dirty="0"/>
+          </a:p>
+        </p:txBody>
+      </p:sp>
+      <p:sp>
+        <p:nvSpPr>
+          <p:cNvPr id="8" name="矩形 7"/>
+          <p:cNvSpPr/>
+          <p:nvPr/>
+        </p:nvSpPr>
+        <p:spPr>
+          <a:xfrm>
+            <a:off x="1840673" y="3384469"/>
+            <a:ext cx="1175657" cy="570016"/>
+          </a:xfrm>
+          <a:prstGeom prst="rect">
+            <a:avLst/>
+          </a:prstGeom>
+        </p:spPr>
+        <p:style>
+          <a:lnRef idx="2">
+            <a:schemeClr val="accent1">
+              <a:shade val="50000"/>
+            </a:schemeClr>
+          </a:lnRef>
+          <a:fillRef idx="1">
+            <a:schemeClr val="accent1"/>
+          </a:fillRef>
+          <a:effectRef idx="0">
+            <a:schemeClr val="accent1"/>
+          </a:effectRef>
+          <a:fontRef idx="minor">
+            <a:schemeClr val="lt1"/>
+          </a:fontRef>
+        </p:style>
+        <p:txBody>
+          <a:bodyPr rtlCol="0" anchor="ctr"/>
+          <a:lstStyle/>
+          <a:p>
+            <a:pPr algn="ctr"/>
+            <a:r>
+              <a:rPr kumimoji="1" lang="en-US" altLang="zh-CN" dirty="0" smtClean="0"/>
+              <a:t>s4</a:t>
+            </a:r>
+            <a:endParaRPr kumimoji="1" lang="zh-CN" altLang="en-US" dirty="0"/>
+          </a:p>
+        </p:txBody>
+      </p:sp>
+      <p:sp>
+        <p:nvSpPr>
+          <p:cNvPr id="9" name="矩形 8"/>
+          <p:cNvSpPr/>
+          <p:nvPr/>
+        </p:nvSpPr>
+        <p:spPr>
+          <a:xfrm>
+            <a:off x="9521635" y="257694"/>
+            <a:ext cx="1175657" cy="570016"/>
+          </a:xfrm>
+          <a:prstGeom prst="rect">
+            <a:avLst/>
+          </a:prstGeom>
+        </p:spPr>
+        <p:style>
+          <a:lnRef idx="2">
+            <a:schemeClr val="accent1">
+              <a:shade val="50000"/>
+            </a:schemeClr>
+          </a:lnRef>
+          <a:fillRef idx="1">
+            <a:schemeClr val="accent1"/>
+          </a:fillRef>
+          <a:effectRef idx="0">
+            <a:schemeClr val="accent1"/>
+          </a:effectRef>
+          <a:fontRef idx="minor">
+            <a:schemeClr val="lt1"/>
+          </a:fontRef>
+        </p:style>
+        <p:txBody>
+          <a:bodyPr rtlCol="0" anchor="ctr"/>
+          <a:lstStyle/>
+          <a:p>
+            <a:pPr algn="ctr"/>
+            <a:r>
+              <a:rPr kumimoji="1" lang="zh-CN" altLang="en-US" dirty="0" smtClean="0"/>
+              <a:t>常量区</a:t>
+            </a:r>
+            <a:endParaRPr kumimoji="1" lang="zh-CN" altLang="en-US" dirty="0"/>
+          </a:p>
+        </p:txBody>
+      </p:sp>
+      <p:sp>
+        <p:nvSpPr>
+          <p:cNvPr id="10" name="矩形 9"/>
+          <p:cNvSpPr/>
+          <p:nvPr/>
+        </p:nvSpPr>
+        <p:spPr>
+          <a:xfrm>
+            <a:off x="9521635" y="827710"/>
+            <a:ext cx="1175657" cy="570016"/>
+          </a:xfrm>
+          <a:prstGeom prst="rect">
+            <a:avLst/>
+          </a:prstGeom>
+        </p:spPr>
+        <p:style>
+          <a:lnRef idx="2">
+            <a:schemeClr val="accent1">
+              <a:shade val="50000"/>
+            </a:schemeClr>
+          </a:lnRef>
+          <a:fillRef idx="1">
+            <a:schemeClr val="accent1"/>
+          </a:fillRef>
+          <a:effectRef idx="0">
+            <a:schemeClr val="accent1"/>
+          </a:effectRef>
+          <a:fontRef idx="minor">
+            <a:schemeClr val="lt1"/>
+          </a:fontRef>
+        </p:style>
+        <p:txBody>
+          <a:bodyPr rtlCol="0" anchor="ctr"/>
+          <a:lstStyle/>
+          <a:p>
+            <a:pPr algn="ctr"/>
+            <a:r>
+              <a:rPr kumimoji="1" lang="en-US" altLang="zh-CN" dirty="0" err="1" smtClean="0"/>
+              <a:t>abc</a:t>
+            </a:r>
+            <a:endParaRPr kumimoji="1" lang="zh-CN" altLang="en-US" dirty="0"/>
+          </a:p>
+        </p:txBody>
+      </p:sp>
+      <p:sp>
+        <p:nvSpPr>
+          <p:cNvPr id="11" name="矩形 10"/>
+          <p:cNvSpPr/>
+          <p:nvPr/>
+        </p:nvSpPr>
+        <p:spPr>
+          <a:xfrm>
+            <a:off x="5960816" y="2814453"/>
+            <a:ext cx="2497384" cy="570016"/>
+          </a:xfrm>
+          <a:prstGeom prst="rect">
+            <a:avLst/>
+          </a:prstGeom>
+        </p:spPr>
+        <p:style>
+          <a:lnRef idx="2">
+            <a:schemeClr val="accent1">
+              <a:shade val="50000"/>
+            </a:schemeClr>
+          </a:lnRef>
+          <a:fillRef idx="1">
+            <a:schemeClr val="accent1"/>
+          </a:fillRef>
+          <a:effectRef idx="0">
+            <a:schemeClr val="accent1"/>
+          </a:effectRef>
+          <a:fontRef idx="minor">
+            <a:schemeClr val="lt1"/>
+          </a:fontRef>
+        </p:style>
+        <p:txBody>
+          <a:bodyPr rtlCol="0" anchor="ctr"/>
+          <a:lstStyle/>
+          <a:p>
+            <a:pPr algn="ctr"/>
+            <a:r>
+              <a:rPr kumimoji="1" lang="zh-CN" altLang="en-US" smtClean="0"/>
+              <a:t>堆</a:t>
+            </a:r>
+            <a:endParaRPr kumimoji="1" lang="zh-CN" altLang="en-US"/>
+          </a:p>
+        </p:txBody>
+      </p:sp>
+      <p:sp>
+        <p:nvSpPr>
+          <p:cNvPr id="12" name="矩形 11"/>
+          <p:cNvSpPr/>
+          <p:nvPr/>
+        </p:nvSpPr>
+        <p:spPr>
+          <a:xfrm>
+            <a:off x="5960816" y="3384469"/>
+            <a:ext cx="2497384" cy="570016"/>
+          </a:xfrm>
+          <a:prstGeom prst="rect">
+            <a:avLst/>
+          </a:prstGeom>
+        </p:spPr>
+        <p:style>
+          <a:lnRef idx="2">
+            <a:schemeClr val="accent1">
+              <a:shade val="50000"/>
+            </a:schemeClr>
+          </a:lnRef>
+          <a:fillRef idx="1">
+            <a:schemeClr val="accent1"/>
+          </a:fillRef>
+          <a:effectRef idx="0">
+            <a:schemeClr val="accent1"/>
+          </a:effectRef>
+          <a:fontRef idx="minor">
+            <a:schemeClr val="lt1"/>
+          </a:fontRef>
+        </p:style>
+        <p:txBody>
+          <a:bodyPr rtlCol="0" anchor="ctr"/>
+          <a:lstStyle/>
+          <a:p>
+            <a:pPr algn="ctr"/>
+            <a:r>
+              <a:rPr kumimoji="1" lang="en-US" altLang="zh-CN" dirty="0" smtClean="0"/>
+              <a:t>new</a:t>
+            </a:r>
+            <a:r>
+              <a:rPr kumimoji="1" lang="zh-CN" altLang="en-US" dirty="0" smtClean="0"/>
+              <a:t> </a:t>
+            </a:r>
+            <a:r>
+              <a:rPr kumimoji="1" lang="en-US" altLang="zh-CN" dirty="0" smtClean="0"/>
+              <a:t>String(“</a:t>
+            </a:r>
+            <a:r>
+              <a:rPr kumimoji="1" lang="en-US" altLang="zh-CN" dirty="0" err="1" smtClean="0"/>
+              <a:t>abc</a:t>
+            </a:r>
+            <a:r>
+              <a:rPr kumimoji="1" lang="en-US" altLang="zh-CN" dirty="0" smtClean="0"/>
+              <a:t>”)</a:t>
+            </a:r>
+            <a:r>
+              <a:rPr kumimoji="1" lang="zh-CN" altLang="en-US" dirty="0" smtClean="0"/>
+              <a:t> </a:t>
+            </a:r>
+            <a:endParaRPr kumimoji="1" lang="zh-CN" altLang="en-US" dirty="0"/>
+          </a:p>
+        </p:txBody>
+      </p:sp>
+      <p:sp>
+        <p:nvSpPr>
+          <p:cNvPr id="13" name="矩形 12"/>
+          <p:cNvSpPr/>
+          <p:nvPr/>
+        </p:nvSpPr>
+        <p:spPr>
+          <a:xfrm>
+            <a:off x="5960816" y="3967152"/>
+            <a:ext cx="2497384" cy="570016"/>
+          </a:xfrm>
+          <a:prstGeom prst="rect">
+            <a:avLst/>
+          </a:prstGeom>
+        </p:spPr>
+        <p:style>
+          <a:lnRef idx="2">
+            <a:schemeClr val="accent1">
+              <a:shade val="50000"/>
+            </a:schemeClr>
+          </a:lnRef>
+          <a:fillRef idx="1">
+            <a:schemeClr val="accent1"/>
+          </a:fillRef>
+          <a:effectRef idx="0">
+            <a:schemeClr val="accent1"/>
+          </a:effectRef>
+          <a:fontRef idx="minor">
+            <a:schemeClr val="lt1"/>
+          </a:fontRef>
+        </p:style>
+        <p:txBody>
+          <a:bodyPr rtlCol="0" anchor="ctr"/>
+          <a:lstStyle/>
+          <a:p>
+            <a:pPr algn="ctr"/>
+            <a:r>
+              <a:rPr kumimoji="1" lang="en-US" altLang="zh-CN" dirty="0" smtClean="0"/>
+              <a:t>new</a:t>
+            </a:r>
+            <a:r>
+              <a:rPr kumimoji="1" lang="zh-CN" altLang="en-US" dirty="0" smtClean="0"/>
+              <a:t> </a:t>
+            </a:r>
+            <a:r>
+              <a:rPr kumimoji="1" lang="en-US" altLang="zh-CN" dirty="0" smtClean="0"/>
+              <a:t>String(“</a:t>
+            </a:r>
+            <a:r>
+              <a:rPr kumimoji="1" lang="en-US" altLang="zh-CN" dirty="0" err="1" smtClean="0"/>
+              <a:t>abc</a:t>
+            </a:r>
+            <a:r>
+              <a:rPr kumimoji="1" lang="en-US" altLang="zh-CN" dirty="0" smtClean="0"/>
+              <a:t>”)</a:t>
+            </a:r>
+            <a:r>
+              <a:rPr kumimoji="1" lang="zh-CN" altLang="en-US" dirty="0" smtClean="0"/>
+              <a:t> </a:t>
+            </a:r>
+            <a:endParaRPr kumimoji="1" lang="zh-CN" altLang="en-US" dirty="0"/>
+          </a:p>
+        </p:txBody>
+      </p:sp>
+      <p:cxnSp>
+        <p:nvCxnSpPr>
+          <p:cNvPr id="15" name="直线箭头连接符 14"/>
+          <p:cNvCxnSpPr>
+            <a:stCxn id="5" idx="3"/>
+            <a:endCxn id="10" idx="1"/>
+          </p:cNvCxnSpPr>
+          <p:nvPr/>
+        </p:nvCxnSpPr>
+        <p:spPr>
+          <a:xfrm flipV="1">
+            <a:off x="3016332" y="1112718"/>
+            <a:ext cx="6505303" cy="846711"/>
+          </a:xfrm>
+          <a:prstGeom prst="straightConnector1">
+            <a:avLst/>
+          </a:prstGeom>
+          <a:ln w="28575">
+            <a:tailEnd type="triangle"/>
+          </a:ln>
+        </p:spPr>
+        <p:style>
+          <a:lnRef idx="1">
+            <a:schemeClr val="accent1"/>
+          </a:lnRef>
+          <a:fillRef idx="0">
+            <a:schemeClr val="accent1"/>
+          </a:fillRef>
+          <a:effectRef idx="0">
+            <a:schemeClr val="accent1"/>
+          </a:effectRef>
+          <a:fontRef idx="minor">
+            <a:schemeClr val="tx1"/>
+          </a:fontRef>
+        </p:style>
+      </p:cxnSp>
+      <p:cxnSp>
+        <p:nvCxnSpPr>
+          <p:cNvPr id="16" name="直线箭头连接符 15"/>
+          <p:cNvCxnSpPr>
+            <a:stCxn id="6" idx="3"/>
+            <a:endCxn id="10" idx="1"/>
+          </p:cNvCxnSpPr>
+          <p:nvPr/>
+        </p:nvCxnSpPr>
+        <p:spPr>
+          <a:xfrm flipV="1">
+            <a:off x="3016332" y="1112718"/>
+            <a:ext cx="6505303" cy="1416727"/>
+          </a:xfrm>
+          <a:prstGeom prst="straightConnector1">
+            <a:avLst/>
+          </a:prstGeom>
+          <a:ln w="28575">
+            <a:tailEnd type="triangle"/>
+          </a:ln>
+        </p:spPr>
+        <p:style>
+          <a:lnRef idx="1">
+            <a:schemeClr val="accent1"/>
+          </a:lnRef>
+          <a:fillRef idx="0">
+            <a:schemeClr val="accent1"/>
+          </a:fillRef>
+          <a:effectRef idx="0">
+            <a:schemeClr val="accent1"/>
+          </a:effectRef>
+          <a:fontRef idx="minor">
+            <a:schemeClr val="tx1"/>
+          </a:fontRef>
+        </p:style>
+      </p:cxnSp>
+      <p:cxnSp>
+        <p:nvCxnSpPr>
+          <p:cNvPr id="18" name="直线箭头连接符 17"/>
+          <p:cNvCxnSpPr>
+            <a:endCxn id="12" idx="1"/>
+          </p:cNvCxnSpPr>
+          <p:nvPr/>
+        </p:nvCxnSpPr>
+        <p:spPr>
+          <a:xfrm>
+            <a:off x="3016332" y="3099462"/>
+            <a:ext cx="2944484" cy="570015"/>
+          </a:xfrm>
+          <a:prstGeom prst="straightConnector1">
+            <a:avLst/>
+          </a:prstGeom>
+          <a:ln w="28575">
+            <a:tailEnd type="triangle"/>
+          </a:ln>
+        </p:spPr>
+        <p:style>
+          <a:lnRef idx="1">
+            <a:schemeClr val="accent1"/>
+          </a:lnRef>
+          <a:fillRef idx="0">
+            <a:schemeClr val="accent1"/>
+          </a:fillRef>
+          <a:effectRef idx="0">
+            <a:schemeClr val="accent1"/>
+          </a:effectRef>
+          <a:fontRef idx="minor">
+            <a:schemeClr val="tx1"/>
+          </a:fontRef>
+        </p:style>
+      </p:cxnSp>
+      <p:cxnSp>
+        <p:nvCxnSpPr>
+          <p:cNvPr id="20" name="直线箭头连接符 19"/>
+          <p:cNvCxnSpPr/>
+          <p:nvPr/>
+        </p:nvCxnSpPr>
+        <p:spPr>
+          <a:xfrm>
+            <a:off x="3016332" y="3663144"/>
+            <a:ext cx="2944484" cy="570015"/>
+          </a:xfrm>
+          <a:prstGeom prst="straightConnector1">
+            <a:avLst/>
+          </a:prstGeom>
+          <a:ln w="28575">
+            <a:tailEnd type="triangle"/>
+          </a:ln>
+        </p:spPr>
+        <p:style>
+          <a:lnRef idx="1">
+            <a:schemeClr val="accent1"/>
+          </a:lnRef>
+          <a:fillRef idx="0">
+            <a:schemeClr val="accent1"/>
+          </a:fillRef>
+          <a:effectRef idx="0">
+            <a:schemeClr val="accent1"/>
+          </a:effectRef>
+          <a:fontRef idx="minor">
+            <a:schemeClr val="tx1"/>
+          </a:fontRef>
+        </p:style>
+      </p:cxnSp>
+      <p:cxnSp>
+        <p:nvCxnSpPr>
+          <p:cNvPr id="23" name="直线箭头连接符 22"/>
+          <p:cNvCxnSpPr>
+            <a:stCxn id="12" idx="3"/>
+          </p:cNvCxnSpPr>
+          <p:nvPr/>
+        </p:nvCxnSpPr>
+        <p:spPr>
+          <a:xfrm flipV="1">
+            <a:off x="8458200" y="1411384"/>
+            <a:ext cx="1651263" cy="2258093"/>
+          </a:xfrm>
+          <a:prstGeom prst="straightConnector1">
+            <a:avLst/>
+          </a:prstGeom>
+          <a:ln w="28575">
+            <a:tailEnd type="triangle"/>
+          </a:ln>
+        </p:spPr>
+        <p:style>
+          <a:lnRef idx="1">
+            <a:schemeClr val="accent1"/>
+          </a:lnRef>
+          <a:fillRef idx="0">
+            <a:schemeClr val="accent1"/>
+          </a:fillRef>
+          <a:effectRef idx="0">
+            <a:schemeClr val="accent1"/>
+          </a:effectRef>
+          <a:fontRef idx="minor">
+            <a:schemeClr val="tx1"/>
+          </a:fontRef>
+        </p:style>
+      </p:cxnSp>
+      <p:cxnSp>
+        <p:nvCxnSpPr>
+          <p:cNvPr id="25" name="直线箭头连接符 24"/>
+          <p:cNvCxnSpPr>
+            <a:endCxn id="10" idx="2"/>
+          </p:cNvCxnSpPr>
+          <p:nvPr/>
+        </p:nvCxnSpPr>
+        <p:spPr>
+          <a:xfrm flipV="1">
+            <a:off x="8458200" y="1397726"/>
+            <a:ext cx="1651264" cy="2819797"/>
+          </a:xfrm>
+          <a:prstGeom prst="straightConnector1">
+            <a:avLst/>
+          </a:prstGeom>
+          <a:ln w="28575">
+            <a:tailEnd type="triangle"/>
+          </a:ln>
+        </p:spPr>
+        <p:style>
+          <a:lnRef idx="1">
+            <a:schemeClr val="accent1"/>
+          </a:lnRef>
+          <a:fillRef idx="0">
+            <a:schemeClr val="accent1"/>
+          </a:fillRef>
+          <a:effectRef idx="0">
+            <a:schemeClr val="accent1"/>
+          </a:effectRef>
+          <a:fontRef idx="minor">
+            <a:schemeClr val="tx1"/>
+          </a:fontRef>
+        </p:style>
+      </p:cxnSp>
+    </p:spTree>
+    <p:extLst>
+      <p:ext uri="{BB962C8B-B14F-4D97-AF65-F5344CB8AC3E}">
+        <p14:creationId xmlns:p14="http://schemas.microsoft.com/office/powerpoint/2010/main" val="431682918"/>
+      </p:ext>
+    </p:extLst>
+  </p:cSld>
+  <p:clrMapOvr>
+    <a:masterClrMapping/>
+  </p:clrMapOvr>
+</p:sld>
+</file>
+
+<file path=ppt/slides/slide5.xml><?xml version="1.0" encoding="utf-8"?>
+<p:sld xmlns:a="http://schemas.openxmlformats.org/drawingml/2006/main" xmlns:r="http://schemas.openxmlformats.org/officeDocument/2006/relationships" xmlns:p="http://schemas.openxmlformats.org/presentationml/2006/main">
+  <p:cSld>
+    <p:spTree>
+      <p:nvGrpSpPr>
+        <p:cNvPr id="1" name=""/>
+        <p:cNvGrpSpPr/>
+        <p:nvPr/>
+      </p:nvGrpSpPr>
+      <p:grpSpPr>
+        <a:xfrm>
+          <a:off x="0" y="0"/>
+          <a:ext cx="0" cy="0"/>
+          <a:chOff x="0" y="0"/>
+          <a:chExt cx="0" cy="0"/>
+        </a:xfrm>
+      </p:grpSpPr>
+      <p:sp>
+        <p:nvSpPr>
+          <p:cNvPr id="4" name="椭圆 3"/>
+          <p:cNvSpPr/>
+          <p:nvPr/>
+        </p:nvSpPr>
+        <p:spPr>
+          <a:xfrm>
+            <a:off x="3146961" y="1068779"/>
+            <a:ext cx="1235034" cy="1068779"/>
+          </a:xfrm>
+          <a:prstGeom prst="ellipse">
+            <a:avLst/>
+          </a:prstGeom>
+        </p:spPr>
+        <p:style>
+          <a:lnRef idx="2">
+            <a:schemeClr val="accent1">
+              <a:shade val="50000"/>
+            </a:schemeClr>
+          </a:lnRef>
+          <a:fillRef idx="1">
+            <a:schemeClr val="accent1"/>
+          </a:fillRef>
+          <a:effectRef idx="0">
+            <a:schemeClr val="accent1"/>
+          </a:effectRef>
+          <a:fontRef idx="minor">
+            <a:schemeClr val="lt1"/>
+          </a:fontRef>
+        </p:style>
+        <p:txBody>
+          <a:bodyPr rtlCol="0" anchor="ctr"/>
+          <a:lstStyle/>
+          <a:p>
+            <a:pPr algn="ctr"/>
+            <a:r>
+              <a:rPr kumimoji="1" lang="zh-CN" altLang="en-US" dirty="0" smtClean="0"/>
+              <a:t>就绪</a:t>
+            </a:r>
+            <a:endParaRPr kumimoji="1" lang="zh-CN" altLang="en-US" dirty="0"/>
+          </a:p>
+        </p:txBody>
+      </p:sp>
+      <p:sp>
+        <p:nvSpPr>
+          <p:cNvPr id="5" name="椭圆 4"/>
+          <p:cNvSpPr/>
+          <p:nvPr/>
+        </p:nvSpPr>
+        <p:spPr>
+          <a:xfrm>
+            <a:off x="1316182" y="3061854"/>
+            <a:ext cx="1235034" cy="1068779"/>
+          </a:xfrm>
+          <a:prstGeom prst="ellipse">
+            <a:avLst/>
+          </a:prstGeom>
+        </p:spPr>
+        <p:style>
+          <a:lnRef idx="2">
+            <a:schemeClr val="accent1">
+              <a:shade val="50000"/>
+            </a:schemeClr>
+          </a:lnRef>
+          <a:fillRef idx="1">
+            <a:schemeClr val="accent1"/>
+          </a:fillRef>
+          <a:effectRef idx="0">
+            <a:schemeClr val="accent1"/>
+          </a:effectRef>
+          <a:fontRef idx="minor">
+            <a:schemeClr val="lt1"/>
+          </a:fontRef>
+        </p:style>
+        <p:txBody>
+          <a:bodyPr rtlCol="0" anchor="ctr"/>
+          <a:lstStyle/>
+          <a:p>
+            <a:pPr algn="ctr"/>
+            <a:r>
+              <a:rPr kumimoji="1" lang="zh-CN" altLang="en-US" dirty="0" smtClean="0"/>
+              <a:t>阻塞</a:t>
+            </a:r>
+            <a:endParaRPr kumimoji="1" lang="zh-CN" altLang="en-US" dirty="0"/>
+          </a:p>
+        </p:txBody>
+      </p:sp>
+      <p:sp>
+        <p:nvSpPr>
+          <p:cNvPr id="6" name="椭圆 5"/>
+          <p:cNvSpPr/>
+          <p:nvPr/>
+        </p:nvSpPr>
+        <p:spPr>
+          <a:xfrm>
+            <a:off x="4726379" y="3061854"/>
+            <a:ext cx="1235034" cy="1068779"/>
+          </a:xfrm>
+          <a:prstGeom prst="ellipse">
+            <a:avLst/>
+          </a:prstGeom>
+        </p:spPr>
+        <p:style>
+          <a:lnRef idx="2">
+            <a:schemeClr val="accent1">
+              <a:shade val="50000"/>
+            </a:schemeClr>
+          </a:lnRef>
+          <a:fillRef idx="1">
+            <a:schemeClr val="accent1"/>
+          </a:fillRef>
+          <a:effectRef idx="0">
+            <a:schemeClr val="accent1"/>
+          </a:effectRef>
+          <a:fontRef idx="minor">
+            <a:schemeClr val="lt1"/>
+          </a:fontRef>
+        </p:style>
+        <p:txBody>
+          <a:bodyPr rtlCol="0" anchor="ctr"/>
+          <a:lstStyle/>
+          <a:p>
+            <a:pPr algn="ctr"/>
+            <a:r>
+              <a:rPr kumimoji="1" lang="zh-CN" altLang="en-US" dirty="0" smtClean="0"/>
+              <a:t>执行</a:t>
+            </a:r>
+            <a:endParaRPr kumimoji="1" lang="zh-CN" altLang="en-US" dirty="0"/>
+          </a:p>
+        </p:txBody>
+      </p:sp>
+      <p:cxnSp>
+        <p:nvCxnSpPr>
+          <p:cNvPr id="8" name="直线箭头连接符 7"/>
+          <p:cNvCxnSpPr>
+            <a:stCxn id="6" idx="2"/>
+            <a:endCxn id="5" idx="6"/>
+          </p:cNvCxnSpPr>
+          <p:nvPr/>
+        </p:nvCxnSpPr>
+        <p:spPr>
+          <a:xfrm flipH="1">
+            <a:off x="2551216" y="3596244"/>
+            <a:ext cx="2175163" cy="0"/>
+          </a:xfrm>
+          <a:prstGeom prst="straightConnector1">
+            <a:avLst/>
+          </a:prstGeom>
+          <a:ln w="28575">
+            <a:tailEnd type="triangle"/>
+          </a:ln>
+        </p:spPr>
+        <p:style>
+          <a:lnRef idx="1">
+            <a:schemeClr val="accent1"/>
+          </a:lnRef>
+          <a:fillRef idx="0">
+            <a:schemeClr val="accent1"/>
+          </a:fillRef>
+          <a:effectRef idx="0">
+            <a:schemeClr val="accent1"/>
+          </a:effectRef>
+          <a:fontRef idx="minor">
+            <a:schemeClr val="tx1"/>
+          </a:fontRef>
+        </p:style>
+      </p:cxnSp>
+      <p:cxnSp>
+        <p:nvCxnSpPr>
+          <p:cNvPr id="9" name="直线箭头连接符 8"/>
+          <p:cNvCxnSpPr>
+            <a:stCxn id="5" idx="0"/>
+            <a:endCxn id="4" idx="3"/>
+          </p:cNvCxnSpPr>
+          <p:nvPr/>
+        </p:nvCxnSpPr>
+        <p:spPr>
+          <a:xfrm flipV="1">
+            <a:off x="1933699" y="1981039"/>
+            <a:ext cx="1394129" cy="1080815"/>
+          </a:xfrm>
+          <a:prstGeom prst="straightConnector1">
+            <a:avLst/>
+          </a:prstGeom>
+          <a:ln w="28575">
+            <a:tailEnd type="triangle"/>
+          </a:ln>
+        </p:spPr>
+        <p:style>
+          <a:lnRef idx="1">
+            <a:schemeClr val="accent1"/>
+          </a:lnRef>
+          <a:fillRef idx="0">
+            <a:schemeClr val="accent1"/>
+          </a:fillRef>
+          <a:effectRef idx="0">
+            <a:schemeClr val="accent1"/>
+          </a:effectRef>
+          <a:fontRef idx="minor">
+            <a:schemeClr val="tx1"/>
+          </a:fontRef>
+        </p:style>
+      </p:cxnSp>
+      <p:cxnSp>
+        <p:nvCxnSpPr>
+          <p:cNvPr id="13" name="直线箭头连接符 12"/>
+          <p:cNvCxnSpPr>
+            <a:stCxn id="6" idx="1"/>
+            <a:endCxn id="4" idx="5"/>
+          </p:cNvCxnSpPr>
+          <p:nvPr/>
+        </p:nvCxnSpPr>
+        <p:spPr>
+          <a:xfrm flipH="1" flipV="1">
+            <a:off x="4201128" y="1981039"/>
+            <a:ext cx="706118" cy="1237334"/>
+          </a:xfrm>
+          <a:prstGeom prst="straightConnector1">
+            <a:avLst/>
+          </a:prstGeom>
+          <a:ln w="28575">
+            <a:tailEnd type="triangle"/>
+          </a:ln>
+        </p:spPr>
+        <p:style>
+          <a:lnRef idx="1">
+            <a:schemeClr val="accent1"/>
+          </a:lnRef>
+          <a:fillRef idx="0">
+            <a:schemeClr val="accent1"/>
+          </a:fillRef>
+          <a:effectRef idx="0">
+            <a:schemeClr val="accent1"/>
+          </a:effectRef>
+          <a:fontRef idx="minor">
+            <a:schemeClr val="tx1"/>
+          </a:fontRef>
+        </p:style>
+      </p:cxnSp>
+      <p:cxnSp>
+        <p:nvCxnSpPr>
+          <p:cNvPr id="16" name="直线箭头连接符 15"/>
+          <p:cNvCxnSpPr/>
+          <p:nvPr/>
+        </p:nvCxnSpPr>
+        <p:spPr>
+          <a:xfrm>
+            <a:off x="4334871" y="1828224"/>
+            <a:ext cx="736707" cy="1313688"/>
+          </a:xfrm>
+          <a:prstGeom prst="straightConnector1">
+            <a:avLst/>
+          </a:prstGeom>
+          <a:ln w="28575">
+            <a:tailEnd type="triangle"/>
+          </a:ln>
+        </p:spPr>
+        <p:style>
+          <a:lnRef idx="1">
+            <a:schemeClr val="accent1"/>
+          </a:lnRef>
+          <a:fillRef idx="0">
+            <a:schemeClr val="accent1"/>
+          </a:fillRef>
+          <a:effectRef idx="0">
+            <a:schemeClr val="accent1"/>
+          </a:effectRef>
+          <a:fontRef idx="minor">
+            <a:schemeClr val="tx1"/>
+          </a:fontRef>
+        </p:style>
+      </p:cxnSp>
+      <p:cxnSp>
+        <p:nvCxnSpPr>
+          <p:cNvPr id="20" name="直线箭头连接符 19"/>
+          <p:cNvCxnSpPr/>
+          <p:nvPr/>
+        </p:nvCxnSpPr>
+        <p:spPr>
+          <a:xfrm flipV="1">
+            <a:off x="5961413" y="3596243"/>
+            <a:ext cx="1120996" cy="1"/>
+          </a:xfrm>
+          <a:prstGeom prst="straightConnector1">
+            <a:avLst/>
+          </a:prstGeom>
+          <a:ln w="28575">
+            <a:tailEnd type="triangle"/>
+          </a:ln>
+        </p:spPr>
+        <p:style>
+          <a:lnRef idx="1">
+            <a:schemeClr val="accent1"/>
+          </a:lnRef>
+          <a:fillRef idx="0">
+            <a:schemeClr val="accent1"/>
+          </a:fillRef>
+          <a:effectRef idx="0">
+            <a:schemeClr val="accent1"/>
+          </a:effectRef>
+          <a:fontRef idx="minor">
+            <a:schemeClr val="tx1"/>
+          </a:fontRef>
+        </p:style>
+      </p:cxnSp>
+      <p:sp>
+        <p:nvSpPr>
+          <p:cNvPr id="22" name="文本框 21"/>
+          <p:cNvSpPr txBox="1"/>
+          <p:nvPr/>
+        </p:nvSpPr>
+        <p:spPr>
+          <a:xfrm>
+            <a:off x="6285994" y="3144383"/>
+            <a:ext cx="646331" cy="369332"/>
+          </a:xfrm>
+          <a:prstGeom prst="rect">
+            <a:avLst/>
+          </a:prstGeom>
+          <a:noFill/>
+        </p:spPr>
+        <p:txBody>
+          <a:bodyPr wrap="none" rtlCol="0">
+            <a:spAutoFit/>
+          </a:bodyPr>
+          <a:lstStyle/>
+          <a:p>
+            <a:r>
+              <a:rPr kumimoji="1" lang="zh-CN" altLang="en-US" dirty="0" smtClean="0"/>
+              <a:t>释放</a:t>
+            </a:r>
+            <a:endParaRPr kumimoji="1" lang="zh-CN" altLang="en-US" dirty="0"/>
+          </a:p>
+        </p:txBody>
+      </p:sp>
+      <p:sp>
+        <p:nvSpPr>
+          <p:cNvPr id="23" name="文本框 22"/>
+          <p:cNvSpPr txBox="1"/>
+          <p:nvPr/>
+        </p:nvSpPr>
+        <p:spPr>
+          <a:xfrm>
+            <a:off x="3235799" y="3678041"/>
+            <a:ext cx="965329" cy="369332"/>
+          </a:xfrm>
+          <a:prstGeom prst="rect">
+            <a:avLst/>
+          </a:prstGeom>
+          <a:noFill/>
+        </p:spPr>
+        <p:txBody>
+          <a:bodyPr wrap="none" rtlCol="0">
+            <a:spAutoFit/>
+          </a:bodyPr>
+          <a:lstStyle/>
+          <a:p>
+            <a:r>
+              <a:rPr kumimoji="1" lang="en-US" altLang="zh-CN" dirty="0" smtClean="0"/>
+              <a:t>I/O</a:t>
+            </a:r>
+            <a:r>
+              <a:rPr kumimoji="1" lang="zh-CN" altLang="en-US" dirty="0" smtClean="0"/>
+              <a:t>请求</a:t>
+            </a:r>
+            <a:endParaRPr kumimoji="1" lang="zh-CN" altLang="en-US" dirty="0"/>
+          </a:p>
+        </p:txBody>
+      </p:sp>
+      <p:sp>
+        <p:nvSpPr>
+          <p:cNvPr id="24" name="文本框 23"/>
+          <p:cNvSpPr txBox="1"/>
+          <p:nvPr/>
+        </p:nvSpPr>
+        <p:spPr>
+          <a:xfrm rot="19206622">
+            <a:off x="2038107" y="2132619"/>
+            <a:ext cx="965329" cy="369332"/>
+          </a:xfrm>
+          <a:prstGeom prst="rect">
+            <a:avLst/>
+          </a:prstGeom>
+          <a:noFill/>
+        </p:spPr>
+        <p:txBody>
+          <a:bodyPr wrap="none" rtlCol="0">
+            <a:spAutoFit/>
+          </a:bodyPr>
+          <a:lstStyle/>
+          <a:p>
+            <a:r>
+              <a:rPr kumimoji="1" lang="en-US" altLang="zh-CN" dirty="0" smtClean="0"/>
+              <a:t>I/O</a:t>
+            </a:r>
+            <a:r>
+              <a:rPr kumimoji="1" lang="zh-CN" altLang="en-US" dirty="0" smtClean="0"/>
+              <a:t>完成</a:t>
+            </a:r>
+            <a:endParaRPr kumimoji="1" lang="zh-CN" altLang="en-US" dirty="0"/>
+          </a:p>
+        </p:txBody>
+      </p:sp>
+      <p:sp>
+        <p:nvSpPr>
+          <p:cNvPr id="25" name="文本框 24"/>
+          <p:cNvSpPr txBox="1"/>
+          <p:nvPr/>
+        </p:nvSpPr>
+        <p:spPr>
+          <a:xfrm rot="3615045">
+            <a:off x="3757774" y="2461084"/>
+            <a:ext cx="1107996" cy="369332"/>
+          </a:xfrm>
+          <a:prstGeom prst="rect">
+            <a:avLst/>
+          </a:prstGeom>
+          <a:noFill/>
+        </p:spPr>
+        <p:txBody>
+          <a:bodyPr wrap="none" rtlCol="0">
+            <a:spAutoFit/>
+          </a:bodyPr>
+          <a:lstStyle/>
+          <a:p>
+            <a:r>
+              <a:rPr kumimoji="1" lang="zh-CN" altLang="en-US" smtClean="0"/>
+              <a:t>进程调度</a:t>
+            </a:r>
+            <a:endParaRPr kumimoji="1" lang="zh-CN" altLang="en-US" dirty="0"/>
+          </a:p>
+        </p:txBody>
+      </p:sp>
+      <p:sp>
+        <p:nvSpPr>
+          <p:cNvPr id="29" name="文本框 28"/>
+          <p:cNvSpPr txBox="1"/>
+          <p:nvPr/>
+        </p:nvSpPr>
+        <p:spPr>
+          <a:xfrm rot="3615045">
+            <a:off x="4376715" y="2109618"/>
+            <a:ext cx="1107996" cy="369332"/>
+          </a:xfrm>
+          <a:prstGeom prst="rect">
+            <a:avLst/>
+          </a:prstGeom>
+          <a:noFill/>
+        </p:spPr>
+        <p:txBody>
+          <a:bodyPr wrap="none" rtlCol="0">
+            <a:spAutoFit/>
+          </a:bodyPr>
+          <a:lstStyle/>
+          <a:p>
+            <a:r>
+              <a:rPr kumimoji="1" lang="zh-CN" altLang="en-US" dirty="0" smtClean="0"/>
+              <a:t>时间片完</a:t>
+            </a:r>
+            <a:endParaRPr kumimoji="1" lang="zh-CN" altLang="en-US" dirty="0"/>
+          </a:p>
+        </p:txBody>
+      </p:sp>
+      <p:sp>
+        <p:nvSpPr>
+          <p:cNvPr id="30" name="椭圆 29"/>
+          <p:cNvSpPr/>
+          <p:nvPr/>
+        </p:nvSpPr>
+        <p:spPr>
+          <a:xfrm>
+            <a:off x="7073683" y="3061853"/>
+            <a:ext cx="1235034" cy="1068779"/>
+          </a:xfrm>
+          <a:prstGeom prst="ellipse">
+            <a:avLst/>
+          </a:prstGeom>
+        </p:spPr>
+        <p:style>
+          <a:lnRef idx="2">
+            <a:schemeClr val="accent1">
+              <a:shade val="50000"/>
+            </a:schemeClr>
+          </a:lnRef>
+          <a:fillRef idx="1">
+            <a:schemeClr val="accent1"/>
+          </a:fillRef>
+          <a:effectRef idx="0">
+            <a:schemeClr val="accent1"/>
+          </a:effectRef>
+          <a:fontRef idx="minor">
+            <a:schemeClr val="lt1"/>
+          </a:fontRef>
+        </p:style>
+        <p:txBody>
+          <a:bodyPr rtlCol="0" anchor="ctr"/>
+          <a:lstStyle/>
+          <a:p>
+            <a:pPr algn="ctr"/>
+            <a:r>
+              <a:rPr kumimoji="1" lang="zh-CN" altLang="en-US" dirty="0" smtClean="0"/>
+              <a:t>终止</a:t>
+            </a:r>
+            <a:endParaRPr kumimoji="1" lang="zh-CN" altLang="en-US" dirty="0"/>
+          </a:p>
+        </p:txBody>
+      </p:sp>
+      <p:sp>
+        <p:nvSpPr>
+          <p:cNvPr id="31" name="椭圆 30"/>
+          <p:cNvSpPr/>
+          <p:nvPr/>
+        </p:nvSpPr>
+        <p:spPr>
+          <a:xfrm>
+            <a:off x="740223" y="1117467"/>
+            <a:ext cx="1235034" cy="1068779"/>
+          </a:xfrm>
+          <a:prstGeom prst="ellipse">
+            <a:avLst/>
+          </a:prstGeom>
+        </p:spPr>
+        <p:style>
+          <a:lnRef idx="2">
+            <a:schemeClr val="accent1">
+              <a:shade val="50000"/>
+            </a:schemeClr>
+          </a:lnRef>
+          <a:fillRef idx="1">
+            <a:schemeClr val="accent1"/>
+          </a:fillRef>
+          <a:effectRef idx="0">
+            <a:schemeClr val="accent1"/>
+          </a:effectRef>
+          <a:fontRef idx="minor">
+            <a:schemeClr val="lt1"/>
+          </a:fontRef>
+        </p:style>
+        <p:txBody>
+          <a:bodyPr rtlCol="0" anchor="ctr"/>
+          <a:lstStyle/>
+          <a:p>
+            <a:pPr algn="ctr"/>
+            <a:r>
+              <a:rPr kumimoji="1" lang="zh-CN" altLang="en-US" dirty="0" smtClean="0"/>
+              <a:t>创建</a:t>
+            </a:r>
+            <a:endParaRPr kumimoji="1" lang="zh-CN" altLang="en-US" dirty="0"/>
+          </a:p>
+        </p:txBody>
+      </p:sp>
+      <p:cxnSp>
+        <p:nvCxnSpPr>
+          <p:cNvPr id="32" name="直线箭头连接符 31"/>
+          <p:cNvCxnSpPr/>
+          <p:nvPr/>
+        </p:nvCxnSpPr>
+        <p:spPr>
+          <a:xfrm flipV="1">
+            <a:off x="1978384" y="1604584"/>
+            <a:ext cx="1120996" cy="1"/>
+          </a:xfrm>
+          <a:prstGeom prst="straightConnector1">
+            <a:avLst/>
+          </a:prstGeom>
+          <a:ln w="28575">
+            <a:tailEnd type="triangle"/>
+          </a:ln>
+        </p:spPr>
+        <p:style>
+          <a:lnRef idx="1">
+            <a:schemeClr val="accent1"/>
+          </a:lnRef>
+          <a:fillRef idx="0">
+            <a:schemeClr val="accent1"/>
+          </a:fillRef>
+          <a:effectRef idx="0">
+            <a:schemeClr val="accent1"/>
+          </a:effectRef>
+          <a:fontRef idx="minor">
+            <a:schemeClr val="tx1"/>
+          </a:fontRef>
+        </p:style>
+      </p:cxnSp>
+      <p:sp>
+        <p:nvSpPr>
+          <p:cNvPr id="33" name="文本框 32"/>
+          <p:cNvSpPr txBox="1"/>
+          <p:nvPr/>
+        </p:nvSpPr>
+        <p:spPr>
+          <a:xfrm>
+            <a:off x="2066653" y="1149188"/>
+            <a:ext cx="646331" cy="369332"/>
+          </a:xfrm>
+          <a:prstGeom prst="rect">
+            <a:avLst/>
+          </a:prstGeom>
+          <a:noFill/>
+        </p:spPr>
+        <p:txBody>
+          <a:bodyPr wrap="none" rtlCol="0">
+            <a:spAutoFit/>
+          </a:bodyPr>
+          <a:lstStyle/>
+          <a:p>
+            <a:r>
+              <a:rPr kumimoji="1" lang="zh-CN" altLang="en-US" dirty="0" smtClean="0"/>
+              <a:t>许可</a:t>
+            </a:r>
+            <a:endParaRPr kumimoji="1" lang="zh-CN" altLang="en-US" dirty="0"/>
+          </a:p>
+        </p:txBody>
+      </p:sp>
+    </p:spTree>
+    <p:extLst>
+      <p:ext uri="{BB962C8B-B14F-4D97-AF65-F5344CB8AC3E}">
+        <p14:creationId xmlns:p14="http://schemas.microsoft.com/office/powerpoint/2010/main" val="148933452"/>
+      </p:ext>
+    </p:extLst>
+  </p:cSld>
+  <p:clrMapOvr>
+    <a:masterClrMapping/>
+  </p:clrMapOvr>
+</p:sld>
+</file>
+
 <file path=ppt/theme/theme1.xml><?xml version="1.0" encoding="utf-8"?>
 <a:theme xmlns:a="http://schemas.openxmlformats.org/drawingml/2006/main" name="Office 主题">
   <a:themeElements>

--- a/图.pptx
+++ b/图.pptx
@@ -10,6 +10,7 @@
     <p:sldId id="258" r:id="rId4"/>
     <p:sldId id="259" r:id="rId5"/>
     <p:sldId id="260" r:id="rId6"/>
+    <p:sldId id="261" r:id="rId7"/>
   </p:sldIdLst>
   <p:sldSz cx="12192000" cy="6858000"/>
   <p:notesSz cx="6858000" cy="9144000"/>
@@ -247,7 +248,7 @@
           <a:p>
             <a:fld id="{1EB22BCB-C4D8-7149-9CB5-4D43DC54F5AD}" type="datetimeFigureOut">
               <a:rPr kumimoji="1" lang="zh-CN" altLang="en-US" smtClean="0"/>
-              <a:t>2019/7/1</a:t>
+              <a:t>2019/7/14</a:t>
             </a:fld>
             <a:endParaRPr kumimoji="1" lang="zh-CN" altLang="en-US"/>
           </a:p>
@@ -417,7 +418,7 @@
           <a:p>
             <a:fld id="{1EB22BCB-C4D8-7149-9CB5-4D43DC54F5AD}" type="datetimeFigureOut">
               <a:rPr kumimoji="1" lang="zh-CN" altLang="en-US" smtClean="0"/>
-              <a:t>2019/7/1</a:t>
+              <a:t>2019/7/14</a:t>
             </a:fld>
             <a:endParaRPr kumimoji="1" lang="zh-CN" altLang="en-US"/>
           </a:p>
@@ -597,7 +598,7 @@
           <a:p>
             <a:fld id="{1EB22BCB-C4D8-7149-9CB5-4D43DC54F5AD}" type="datetimeFigureOut">
               <a:rPr kumimoji="1" lang="zh-CN" altLang="en-US" smtClean="0"/>
-              <a:t>2019/7/1</a:t>
+              <a:t>2019/7/14</a:t>
             </a:fld>
             <a:endParaRPr kumimoji="1" lang="zh-CN" altLang="en-US"/>
           </a:p>
@@ -767,7 +768,7 @@
           <a:p>
             <a:fld id="{1EB22BCB-C4D8-7149-9CB5-4D43DC54F5AD}" type="datetimeFigureOut">
               <a:rPr kumimoji="1" lang="zh-CN" altLang="en-US" smtClean="0"/>
-              <a:t>2019/7/1</a:t>
+              <a:t>2019/7/14</a:t>
             </a:fld>
             <a:endParaRPr kumimoji="1" lang="zh-CN" altLang="en-US"/>
           </a:p>
@@ -1013,7 +1014,7 @@
           <a:p>
             <a:fld id="{1EB22BCB-C4D8-7149-9CB5-4D43DC54F5AD}" type="datetimeFigureOut">
               <a:rPr kumimoji="1" lang="zh-CN" altLang="en-US" smtClean="0"/>
-              <a:t>2019/7/1</a:t>
+              <a:t>2019/7/14</a:t>
             </a:fld>
             <a:endParaRPr kumimoji="1" lang="zh-CN" altLang="en-US"/>
           </a:p>
@@ -1245,7 +1246,7 @@
           <a:p>
             <a:fld id="{1EB22BCB-C4D8-7149-9CB5-4D43DC54F5AD}" type="datetimeFigureOut">
               <a:rPr kumimoji="1" lang="zh-CN" altLang="en-US" smtClean="0"/>
-              <a:t>2019/7/1</a:t>
+              <a:t>2019/7/14</a:t>
             </a:fld>
             <a:endParaRPr kumimoji="1" lang="zh-CN" altLang="en-US"/>
           </a:p>
@@ -1612,7 +1613,7 @@
           <a:p>
             <a:fld id="{1EB22BCB-C4D8-7149-9CB5-4D43DC54F5AD}" type="datetimeFigureOut">
               <a:rPr kumimoji="1" lang="zh-CN" altLang="en-US" smtClean="0"/>
-              <a:t>2019/7/1</a:t>
+              <a:t>2019/7/14</a:t>
             </a:fld>
             <a:endParaRPr kumimoji="1" lang="zh-CN" altLang="en-US"/>
           </a:p>
@@ -1730,7 +1731,7 @@
           <a:p>
             <a:fld id="{1EB22BCB-C4D8-7149-9CB5-4D43DC54F5AD}" type="datetimeFigureOut">
               <a:rPr kumimoji="1" lang="zh-CN" altLang="en-US" smtClean="0"/>
-              <a:t>2019/7/1</a:t>
+              <a:t>2019/7/14</a:t>
             </a:fld>
             <a:endParaRPr kumimoji="1" lang="zh-CN" altLang="en-US"/>
           </a:p>
@@ -1825,7 +1826,7 @@
           <a:p>
             <a:fld id="{1EB22BCB-C4D8-7149-9CB5-4D43DC54F5AD}" type="datetimeFigureOut">
               <a:rPr kumimoji="1" lang="zh-CN" altLang="en-US" smtClean="0"/>
-              <a:t>2019/7/1</a:t>
+              <a:t>2019/7/14</a:t>
             </a:fld>
             <a:endParaRPr kumimoji="1" lang="zh-CN" altLang="en-US"/>
           </a:p>
@@ -2102,7 +2103,7 @@
           <a:p>
             <a:fld id="{1EB22BCB-C4D8-7149-9CB5-4D43DC54F5AD}" type="datetimeFigureOut">
               <a:rPr kumimoji="1" lang="zh-CN" altLang="en-US" smtClean="0"/>
-              <a:t>2019/7/1</a:t>
+              <a:t>2019/7/14</a:t>
             </a:fld>
             <a:endParaRPr kumimoji="1" lang="zh-CN" altLang="en-US"/>
           </a:p>
@@ -2355,7 +2356,7 @@
           <a:p>
             <a:fld id="{1EB22BCB-C4D8-7149-9CB5-4D43DC54F5AD}" type="datetimeFigureOut">
               <a:rPr kumimoji="1" lang="zh-CN" altLang="en-US" smtClean="0"/>
-              <a:t>2019/7/1</a:t>
+              <a:t>2019/7/14</a:t>
             </a:fld>
             <a:endParaRPr kumimoji="1" lang="zh-CN" altLang="en-US"/>
           </a:p>
@@ -2568,7 +2569,7 @@
           <a:p>
             <a:fld id="{1EB22BCB-C4D8-7149-9CB5-4D43DC54F5AD}" type="datetimeFigureOut">
               <a:rPr kumimoji="1" lang="zh-CN" altLang="en-US" smtClean="0"/>
-              <a:t>2019/7/1</a:t>
+              <a:t>2019/7/14</a:t>
             </a:fld>
             <a:endParaRPr kumimoji="1" lang="zh-CN" altLang="en-US"/>
           </a:p>
@@ -7338,6 +7339,3512 @@
 </p:sld>
 </file>
 
+<file path=ppt/slides/slide6.xml><?xml version="1.0" encoding="utf-8"?>
+<p:sld xmlns:a="http://schemas.openxmlformats.org/drawingml/2006/main" xmlns:r="http://schemas.openxmlformats.org/officeDocument/2006/relationships" xmlns:p="http://schemas.openxmlformats.org/presentationml/2006/main">
+  <p:cSld>
+    <p:spTree>
+      <p:nvGrpSpPr>
+        <p:cNvPr id="1" name=""/>
+        <p:cNvGrpSpPr/>
+        <p:nvPr/>
+      </p:nvGrpSpPr>
+      <p:grpSpPr>
+        <a:xfrm>
+          <a:off x="0" y="0"/>
+          <a:ext cx="0" cy="0"/>
+          <a:chOff x="0" y="0"/>
+          <a:chExt cx="0" cy="0"/>
+        </a:xfrm>
+      </p:grpSpPr>
+      <p:sp>
+        <p:nvSpPr>
+          <p:cNvPr id="14" name="矩形 13"/>
+          <p:cNvSpPr/>
+          <p:nvPr/>
+        </p:nvSpPr>
+        <p:spPr>
+          <a:xfrm>
+            <a:off x="2640682" y="253340"/>
+            <a:ext cx="498758" cy="700644"/>
+          </a:xfrm>
+          <a:prstGeom prst="rect">
+            <a:avLst/>
+          </a:prstGeom>
+        </p:spPr>
+        <p:style>
+          <a:lnRef idx="2">
+            <a:schemeClr val="accent1">
+              <a:shade val="50000"/>
+            </a:schemeClr>
+          </a:lnRef>
+          <a:fillRef idx="1">
+            <a:schemeClr val="accent1"/>
+          </a:fillRef>
+          <a:effectRef idx="0">
+            <a:schemeClr val="accent1"/>
+          </a:effectRef>
+          <a:fontRef idx="minor">
+            <a:schemeClr val="lt1"/>
+          </a:fontRef>
+        </p:style>
+        <p:txBody>
+          <a:bodyPr rtlCol="0" anchor="ctr"/>
+          <a:lstStyle/>
+          <a:p>
+            <a:pPr algn="ctr"/>
+            <a:r>
+              <a:rPr kumimoji="1" lang="en-US" altLang="zh-CN" dirty="0"/>
+              <a:t>4</a:t>
+            </a:r>
+            <a:endParaRPr kumimoji="1" lang="zh-CN" altLang="en-US" dirty="0"/>
+          </a:p>
+        </p:txBody>
+      </p:sp>
+      <p:sp>
+        <p:nvSpPr>
+          <p:cNvPr id="20" name="矩形 19"/>
+          <p:cNvSpPr/>
+          <p:nvPr/>
+        </p:nvSpPr>
+        <p:spPr>
+          <a:xfrm>
+            <a:off x="3139440" y="253340"/>
+            <a:ext cx="498758" cy="700644"/>
+          </a:xfrm>
+          <a:prstGeom prst="rect">
+            <a:avLst/>
+          </a:prstGeom>
+        </p:spPr>
+        <p:style>
+          <a:lnRef idx="2">
+            <a:schemeClr val="accent1">
+              <a:shade val="50000"/>
+            </a:schemeClr>
+          </a:lnRef>
+          <a:fillRef idx="1">
+            <a:schemeClr val="accent1"/>
+          </a:fillRef>
+          <a:effectRef idx="0">
+            <a:schemeClr val="accent1"/>
+          </a:effectRef>
+          <a:fontRef idx="minor">
+            <a:schemeClr val="lt1"/>
+          </a:fontRef>
+        </p:style>
+        <p:txBody>
+          <a:bodyPr rtlCol="0" anchor="ctr"/>
+          <a:lstStyle/>
+          <a:p>
+            <a:pPr algn="ctr"/>
+            <a:r>
+              <a:rPr kumimoji="1" lang="en-US" altLang="zh-CN" dirty="0"/>
+              <a:t>5</a:t>
+            </a:r>
+            <a:endParaRPr kumimoji="1" lang="zh-CN" altLang="en-US" dirty="0"/>
+          </a:p>
+        </p:txBody>
+      </p:sp>
+      <p:sp>
+        <p:nvSpPr>
+          <p:cNvPr id="21" name="矩形 20"/>
+          <p:cNvSpPr/>
+          <p:nvPr/>
+        </p:nvSpPr>
+        <p:spPr>
+          <a:xfrm>
+            <a:off x="3661968" y="253340"/>
+            <a:ext cx="498758" cy="700644"/>
+          </a:xfrm>
+          <a:prstGeom prst="rect">
+            <a:avLst/>
+          </a:prstGeom>
+        </p:spPr>
+        <p:style>
+          <a:lnRef idx="2">
+            <a:schemeClr val="accent1">
+              <a:shade val="50000"/>
+            </a:schemeClr>
+          </a:lnRef>
+          <a:fillRef idx="1">
+            <a:schemeClr val="accent1"/>
+          </a:fillRef>
+          <a:effectRef idx="0">
+            <a:schemeClr val="accent1"/>
+          </a:effectRef>
+          <a:fontRef idx="minor">
+            <a:schemeClr val="lt1"/>
+          </a:fontRef>
+        </p:style>
+        <p:txBody>
+          <a:bodyPr rtlCol="0" anchor="ctr"/>
+          <a:lstStyle/>
+          <a:p>
+            <a:pPr algn="ctr"/>
+            <a:r>
+              <a:rPr kumimoji="1" lang="en-US" altLang="zh-CN" dirty="0"/>
+              <a:t>6</a:t>
+            </a:r>
+            <a:endParaRPr kumimoji="1" lang="zh-CN" altLang="en-US" dirty="0"/>
+          </a:p>
+        </p:txBody>
+      </p:sp>
+      <p:sp>
+        <p:nvSpPr>
+          <p:cNvPr id="22" name="矩形 21"/>
+          <p:cNvSpPr/>
+          <p:nvPr/>
+        </p:nvSpPr>
+        <p:spPr>
+          <a:xfrm>
+            <a:off x="4160726" y="253340"/>
+            <a:ext cx="498758" cy="700644"/>
+          </a:xfrm>
+          <a:prstGeom prst="rect">
+            <a:avLst/>
+          </a:prstGeom>
+        </p:spPr>
+        <p:style>
+          <a:lnRef idx="2">
+            <a:schemeClr val="accent1">
+              <a:shade val="50000"/>
+            </a:schemeClr>
+          </a:lnRef>
+          <a:fillRef idx="1">
+            <a:schemeClr val="accent1"/>
+          </a:fillRef>
+          <a:effectRef idx="0">
+            <a:schemeClr val="accent1"/>
+          </a:effectRef>
+          <a:fontRef idx="minor">
+            <a:schemeClr val="lt1"/>
+          </a:fontRef>
+        </p:style>
+        <p:txBody>
+          <a:bodyPr rtlCol="0" anchor="ctr"/>
+          <a:lstStyle/>
+          <a:p>
+            <a:pPr algn="ctr"/>
+            <a:r>
+              <a:rPr kumimoji="1" lang="en-US" altLang="zh-CN" dirty="0"/>
+              <a:t>7</a:t>
+            </a:r>
+            <a:endParaRPr kumimoji="1" lang="zh-CN" altLang="en-US" dirty="0"/>
+          </a:p>
+        </p:txBody>
+      </p:sp>
+      <p:sp>
+        <p:nvSpPr>
+          <p:cNvPr id="24" name="矩形 23"/>
+          <p:cNvSpPr/>
+          <p:nvPr/>
+        </p:nvSpPr>
+        <p:spPr>
+          <a:xfrm>
+            <a:off x="669420" y="253340"/>
+            <a:ext cx="498758" cy="700644"/>
+          </a:xfrm>
+          <a:prstGeom prst="rect">
+            <a:avLst/>
+          </a:prstGeom>
+        </p:spPr>
+        <p:style>
+          <a:lnRef idx="2">
+            <a:schemeClr val="accent1">
+              <a:shade val="50000"/>
+            </a:schemeClr>
+          </a:lnRef>
+          <a:fillRef idx="1">
+            <a:schemeClr val="accent1"/>
+          </a:fillRef>
+          <a:effectRef idx="0">
+            <a:schemeClr val="accent1"/>
+          </a:effectRef>
+          <a:fontRef idx="minor">
+            <a:schemeClr val="lt1"/>
+          </a:fontRef>
+        </p:style>
+        <p:txBody>
+          <a:bodyPr rtlCol="0" anchor="ctr"/>
+          <a:lstStyle/>
+          <a:p>
+            <a:pPr algn="ctr"/>
+            <a:r>
+              <a:rPr kumimoji="1" lang="en-US" altLang="zh-CN" dirty="0" smtClean="0"/>
+              <a:t>0</a:t>
+            </a:r>
+            <a:endParaRPr kumimoji="1" lang="zh-CN" altLang="en-US" dirty="0"/>
+          </a:p>
+        </p:txBody>
+      </p:sp>
+      <p:sp>
+        <p:nvSpPr>
+          <p:cNvPr id="25" name="矩形 24"/>
+          <p:cNvSpPr/>
+          <p:nvPr/>
+        </p:nvSpPr>
+        <p:spPr>
+          <a:xfrm>
+            <a:off x="1168178" y="253340"/>
+            <a:ext cx="498758" cy="700644"/>
+          </a:xfrm>
+          <a:prstGeom prst="rect">
+            <a:avLst/>
+          </a:prstGeom>
+        </p:spPr>
+        <p:style>
+          <a:lnRef idx="2">
+            <a:schemeClr val="accent1">
+              <a:shade val="50000"/>
+            </a:schemeClr>
+          </a:lnRef>
+          <a:fillRef idx="1">
+            <a:schemeClr val="accent1"/>
+          </a:fillRef>
+          <a:effectRef idx="0">
+            <a:schemeClr val="accent1"/>
+          </a:effectRef>
+          <a:fontRef idx="minor">
+            <a:schemeClr val="lt1"/>
+          </a:fontRef>
+        </p:style>
+        <p:txBody>
+          <a:bodyPr rtlCol="0" anchor="ctr"/>
+          <a:lstStyle/>
+          <a:p>
+            <a:pPr algn="ctr"/>
+            <a:r>
+              <a:rPr kumimoji="1" lang="en-US" altLang="zh-CN" dirty="0" smtClean="0"/>
+              <a:t>1</a:t>
+            </a:r>
+            <a:endParaRPr kumimoji="1" lang="zh-CN" altLang="en-US" dirty="0"/>
+          </a:p>
+        </p:txBody>
+      </p:sp>
+      <p:sp>
+        <p:nvSpPr>
+          <p:cNvPr id="26" name="矩形 25"/>
+          <p:cNvSpPr/>
+          <p:nvPr/>
+        </p:nvSpPr>
+        <p:spPr>
+          <a:xfrm>
+            <a:off x="1655051" y="253340"/>
+            <a:ext cx="498758" cy="700644"/>
+          </a:xfrm>
+          <a:prstGeom prst="rect">
+            <a:avLst/>
+          </a:prstGeom>
+        </p:spPr>
+        <p:style>
+          <a:lnRef idx="2">
+            <a:schemeClr val="accent1">
+              <a:shade val="50000"/>
+            </a:schemeClr>
+          </a:lnRef>
+          <a:fillRef idx="1">
+            <a:schemeClr val="accent1"/>
+          </a:fillRef>
+          <a:effectRef idx="0">
+            <a:schemeClr val="accent1"/>
+          </a:effectRef>
+          <a:fontRef idx="minor">
+            <a:schemeClr val="lt1"/>
+          </a:fontRef>
+        </p:style>
+        <p:txBody>
+          <a:bodyPr rtlCol="0" anchor="ctr"/>
+          <a:lstStyle/>
+          <a:p>
+            <a:pPr algn="ctr"/>
+            <a:r>
+              <a:rPr kumimoji="1" lang="en-US" altLang="zh-CN" dirty="0"/>
+              <a:t>2</a:t>
+            </a:r>
+            <a:endParaRPr kumimoji="1" lang="zh-CN" altLang="en-US" dirty="0"/>
+          </a:p>
+        </p:txBody>
+      </p:sp>
+      <p:sp>
+        <p:nvSpPr>
+          <p:cNvPr id="27" name="矩形 26"/>
+          <p:cNvSpPr/>
+          <p:nvPr/>
+        </p:nvSpPr>
+        <p:spPr>
+          <a:xfrm>
+            <a:off x="2153809" y="253340"/>
+            <a:ext cx="498758" cy="700644"/>
+          </a:xfrm>
+          <a:prstGeom prst="rect">
+            <a:avLst/>
+          </a:prstGeom>
+        </p:spPr>
+        <p:style>
+          <a:lnRef idx="2">
+            <a:schemeClr val="accent1">
+              <a:shade val="50000"/>
+            </a:schemeClr>
+          </a:lnRef>
+          <a:fillRef idx="1">
+            <a:schemeClr val="accent1"/>
+          </a:fillRef>
+          <a:effectRef idx="0">
+            <a:schemeClr val="accent1"/>
+          </a:effectRef>
+          <a:fontRef idx="minor">
+            <a:schemeClr val="lt1"/>
+          </a:fontRef>
+        </p:style>
+        <p:txBody>
+          <a:bodyPr rtlCol="0" anchor="ctr"/>
+          <a:lstStyle/>
+          <a:p>
+            <a:pPr algn="ctr"/>
+            <a:r>
+              <a:rPr kumimoji="1" lang="en-US" altLang="zh-CN" dirty="0"/>
+              <a:t>3</a:t>
+            </a:r>
+            <a:endParaRPr kumimoji="1" lang="zh-CN" altLang="en-US" dirty="0"/>
+          </a:p>
+        </p:txBody>
+      </p:sp>
+      <p:sp>
+        <p:nvSpPr>
+          <p:cNvPr id="28" name="矩形 27"/>
+          <p:cNvSpPr/>
+          <p:nvPr/>
+        </p:nvSpPr>
+        <p:spPr>
+          <a:xfrm>
+            <a:off x="6633919" y="253340"/>
+            <a:ext cx="498758" cy="700644"/>
+          </a:xfrm>
+          <a:prstGeom prst="rect">
+            <a:avLst/>
+          </a:prstGeom>
+        </p:spPr>
+        <p:style>
+          <a:lnRef idx="2">
+            <a:schemeClr val="accent1">
+              <a:shade val="50000"/>
+            </a:schemeClr>
+          </a:lnRef>
+          <a:fillRef idx="1">
+            <a:schemeClr val="accent1"/>
+          </a:fillRef>
+          <a:effectRef idx="0">
+            <a:schemeClr val="accent1"/>
+          </a:effectRef>
+          <a:fontRef idx="minor">
+            <a:schemeClr val="lt1"/>
+          </a:fontRef>
+        </p:style>
+        <p:txBody>
+          <a:bodyPr rtlCol="0" anchor="ctr"/>
+          <a:lstStyle/>
+          <a:p>
+            <a:pPr algn="ctr"/>
+            <a:r>
+              <a:rPr kumimoji="1" lang="en-US" altLang="zh-CN" dirty="0" smtClean="0"/>
+              <a:t>12</a:t>
+            </a:r>
+            <a:endParaRPr kumimoji="1" lang="zh-CN" altLang="en-US" dirty="0"/>
+          </a:p>
+        </p:txBody>
+      </p:sp>
+      <p:sp>
+        <p:nvSpPr>
+          <p:cNvPr id="29" name="矩形 28"/>
+          <p:cNvSpPr/>
+          <p:nvPr/>
+        </p:nvSpPr>
+        <p:spPr>
+          <a:xfrm>
+            <a:off x="7132677" y="253340"/>
+            <a:ext cx="498758" cy="700644"/>
+          </a:xfrm>
+          <a:prstGeom prst="rect">
+            <a:avLst/>
+          </a:prstGeom>
+        </p:spPr>
+        <p:style>
+          <a:lnRef idx="2">
+            <a:schemeClr val="accent1">
+              <a:shade val="50000"/>
+            </a:schemeClr>
+          </a:lnRef>
+          <a:fillRef idx="1">
+            <a:schemeClr val="accent1"/>
+          </a:fillRef>
+          <a:effectRef idx="0">
+            <a:schemeClr val="accent1"/>
+          </a:effectRef>
+          <a:fontRef idx="minor">
+            <a:schemeClr val="lt1"/>
+          </a:fontRef>
+        </p:style>
+        <p:txBody>
+          <a:bodyPr rtlCol="0" anchor="ctr"/>
+          <a:lstStyle/>
+          <a:p>
+            <a:pPr algn="ctr"/>
+            <a:r>
+              <a:rPr kumimoji="1" lang="en-US" altLang="zh-CN" dirty="0" smtClean="0"/>
+              <a:t>13</a:t>
+            </a:r>
+            <a:endParaRPr kumimoji="1" lang="zh-CN" altLang="en-US" dirty="0"/>
+          </a:p>
+        </p:txBody>
+      </p:sp>
+      <p:sp>
+        <p:nvSpPr>
+          <p:cNvPr id="30" name="矩形 29"/>
+          <p:cNvSpPr/>
+          <p:nvPr/>
+        </p:nvSpPr>
+        <p:spPr>
+          <a:xfrm>
+            <a:off x="7655205" y="253340"/>
+            <a:ext cx="498758" cy="700644"/>
+          </a:xfrm>
+          <a:prstGeom prst="rect">
+            <a:avLst/>
+          </a:prstGeom>
+        </p:spPr>
+        <p:style>
+          <a:lnRef idx="2">
+            <a:schemeClr val="accent1">
+              <a:shade val="50000"/>
+            </a:schemeClr>
+          </a:lnRef>
+          <a:fillRef idx="1">
+            <a:schemeClr val="accent1"/>
+          </a:fillRef>
+          <a:effectRef idx="0">
+            <a:schemeClr val="accent1"/>
+          </a:effectRef>
+          <a:fontRef idx="minor">
+            <a:schemeClr val="lt1"/>
+          </a:fontRef>
+        </p:style>
+        <p:txBody>
+          <a:bodyPr rtlCol="0" anchor="ctr"/>
+          <a:lstStyle/>
+          <a:p>
+            <a:pPr algn="ctr"/>
+            <a:r>
+              <a:rPr kumimoji="1" lang="en-US" altLang="zh-CN" dirty="0" smtClean="0"/>
+              <a:t>14</a:t>
+            </a:r>
+            <a:endParaRPr kumimoji="1" lang="zh-CN" altLang="en-US" dirty="0"/>
+          </a:p>
+        </p:txBody>
+      </p:sp>
+      <p:sp>
+        <p:nvSpPr>
+          <p:cNvPr id="31" name="矩形 30"/>
+          <p:cNvSpPr/>
+          <p:nvPr/>
+        </p:nvSpPr>
+        <p:spPr>
+          <a:xfrm>
+            <a:off x="8153963" y="253340"/>
+            <a:ext cx="498758" cy="700644"/>
+          </a:xfrm>
+          <a:prstGeom prst="rect">
+            <a:avLst/>
+          </a:prstGeom>
+        </p:spPr>
+        <p:style>
+          <a:lnRef idx="2">
+            <a:schemeClr val="accent1">
+              <a:shade val="50000"/>
+            </a:schemeClr>
+          </a:lnRef>
+          <a:fillRef idx="1">
+            <a:schemeClr val="accent1"/>
+          </a:fillRef>
+          <a:effectRef idx="0">
+            <a:schemeClr val="accent1"/>
+          </a:effectRef>
+          <a:fontRef idx="minor">
+            <a:schemeClr val="lt1"/>
+          </a:fontRef>
+        </p:style>
+        <p:txBody>
+          <a:bodyPr rtlCol="0" anchor="ctr"/>
+          <a:lstStyle/>
+          <a:p>
+            <a:pPr algn="ctr"/>
+            <a:r>
+              <a:rPr kumimoji="1" lang="en-US" altLang="zh-CN" dirty="0" smtClean="0"/>
+              <a:t>15</a:t>
+            </a:r>
+            <a:endParaRPr kumimoji="1" lang="zh-CN" altLang="en-US" dirty="0"/>
+          </a:p>
+        </p:txBody>
+      </p:sp>
+      <p:sp>
+        <p:nvSpPr>
+          <p:cNvPr id="32" name="矩形 31"/>
+          <p:cNvSpPr/>
+          <p:nvPr/>
+        </p:nvSpPr>
+        <p:spPr>
+          <a:xfrm>
+            <a:off x="4662657" y="253340"/>
+            <a:ext cx="498758" cy="700644"/>
+          </a:xfrm>
+          <a:prstGeom prst="rect">
+            <a:avLst/>
+          </a:prstGeom>
+        </p:spPr>
+        <p:style>
+          <a:lnRef idx="2">
+            <a:schemeClr val="accent1">
+              <a:shade val="50000"/>
+            </a:schemeClr>
+          </a:lnRef>
+          <a:fillRef idx="1">
+            <a:schemeClr val="accent1"/>
+          </a:fillRef>
+          <a:effectRef idx="0">
+            <a:schemeClr val="accent1"/>
+          </a:effectRef>
+          <a:fontRef idx="minor">
+            <a:schemeClr val="lt1"/>
+          </a:fontRef>
+        </p:style>
+        <p:txBody>
+          <a:bodyPr rtlCol="0" anchor="ctr"/>
+          <a:lstStyle/>
+          <a:p>
+            <a:pPr algn="ctr"/>
+            <a:r>
+              <a:rPr kumimoji="1" lang="en-US" altLang="zh-CN" dirty="0"/>
+              <a:t>8</a:t>
+            </a:r>
+            <a:endParaRPr kumimoji="1" lang="zh-CN" altLang="en-US" dirty="0"/>
+          </a:p>
+        </p:txBody>
+      </p:sp>
+      <p:sp>
+        <p:nvSpPr>
+          <p:cNvPr id="33" name="矩形 32"/>
+          <p:cNvSpPr/>
+          <p:nvPr/>
+        </p:nvSpPr>
+        <p:spPr>
+          <a:xfrm>
+            <a:off x="5161415" y="253340"/>
+            <a:ext cx="498758" cy="700644"/>
+          </a:xfrm>
+          <a:prstGeom prst="rect">
+            <a:avLst/>
+          </a:prstGeom>
+        </p:spPr>
+        <p:style>
+          <a:lnRef idx="2">
+            <a:schemeClr val="accent1">
+              <a:shade val="50000"/>
+            </a:schemeClr>
+          </a:lnRef>
+          <a:fillRef idx="1">
+            <a:schemeClr val="accent1"/>
+          </a:fillRef>
+          <a:effectRef idx="0">
+            <a:schemeClr val="accent1"/>
+          </a:effectRef>
+          <a:fontRef idx="minor">
+            <a:schemeClr val="lt1"/>
+          </a:fontRef>
+        </p:style>
+        <p:txBody>
+          <a:bodyPr rtlCol="0" anchor="ctr"/>
+          <a:lstStyle/>
+          <a:p>
+            <a:pPr algn="ctr"/>
+            <a:r>
+              <a:rPr kumimoji="1" lang="en-US" altLang="zh-CN" dirty="0"/>
+              <a:t>9</a:t>
+            </a:r>
+            <a:endParaRPr kumimoji="1" lang="zh-CN" altLang="en-US" dirty="0"/>
+          </a:p>
+        </p:txBody>
+      </p:sp>
+      <p:sp>
+        <p:nvSpPr>
+          <p:cNvPr id="34" name="矩形 33"/>
+          <p:cNvSpPr/>
+          <p:nvPr/>
+        </p:nvSpPr>
+        <p:spPr>
+          <a:xfrm>
+            <a:off x="5648288" y="253340"/>
+            <a:ext cx="498758" cy="700644"/>
+          </a:xfrm>
+          <a:prstGeom prst="rect">
+            <a:avLst/>
+          </a:prstGeom>
+        </p:spPr>
+        <p:style>
+          <a:lnRef idx="2">
+            <a:schemeClr val="accent1">
+              <a:shade val="50000"/>
+            </a:schemeClr>
+          </a:lnRef>
+          <a:fillRef idx="1">
+            <a:schemeClr val="accent1"/>
+          </a:fillRef>
+          <a:effectRef idx="0">
+            <a:schemeClr val="accent1"/>
+          </a:effectRef>
+          <a:fontRef idx="minor">
+            <a:schemeClr val="lt1"/>
+          </a:fontRef>
+        </p:style>
+        <p:txBody>
+          <a:bodyPr rtlCol="0" anchor="ctr"/>
+          <a:lstStyle/>
+          <a:p>
+            <a:pPr algn="ctr"/>
+            <a:r>
+              <a:rPr kumimoji="1" lang="en-US" altLang="zh-CN" dirty="0" smtClean="0"/>
+              <a:t>10</a:t>
+            </a:r>
+            <a:endParaRPr kumimoji="1" lang="zh-CN" altLang="en-US" dirty="0"/>
+          </a:p>
+        </p:txBody>
+      </p:sp>
+      <p:sp>
+        <p:nvSpPr>
+          <p:cNvPr id="35" name="矩形 34"/>
+          <p:cNvSpPr/>
+          <p:nvPr/>
+        </p:nvSpPr>
+        <p:spPr>
+          <a:xfrm>
+            <a:off x="6147046" y="253340"/>
+            <a:ext cx="498758" cy="700644"/>
+          </a:xfrm>
+          <a:prstGeom prst="rect">
+            <a:avLst/>
+          </a:prstGeom>
+        </p:spPr>
+        <p:style>
+          <a:lnRef idx="2">
+            <a:schemeClr val="accent1">
+              <a:shade val="50000"/>
+            </a:schemeClr>
+          </a:lnRef>
+          <a:fillRef idx="1">
+            <a:schemeClr val="accent1"/>
+          </a:fillRef>
+          <a:effectRef idx="0">
+            <a:schemeClr val="accent1"/>
+          </a:effectRef>
+          <a:fontRef idx="minor">
+            <a:schemeClr val="lt1"/>
+          </a:fontRef>
+        </p:style>
+        <p:txBody>
+          <a:bodyPr rtlCol="0" anchor="ctr"/>
+          <a:lstStyle/>
+          <a:p>
+            <a:pPr algn="ctr"/>
+            <a:r>
+              <a:rPr kumimoji="1" lang="en-US" altLang="zh-CN" dirty="0" smtClean="0"/>
+              <a:t>11</a:t>
+            </a:r>
+            <a:endParaRPr kumimoji="1" lang="zh-CN" altLang="en-US" dirty="0"/>
+          </a:p>
+        </p:txBody>
+      </p:sp>
+      <p:sp>
+        <p:nvSpPr>
+          <p:cNvPr id="36" name="矩形 35"/>
+          <p:cNvSpPr/>
+          <p:nvPr/>
+        </p:nvSpPr>
+        <p:spPr>
+          <a:xfrm>
+            <a:off x="2193184" y="1538844"/>
+            <a:ext cx="472440" cy="685800"/>
+          </a:xfrm>
+          <a:prstGeom prst="rect">
+            <a:avLst/>
+          </a:prstGeom>
+          <a:solidFill>
+            <a:srgbClr val="FFC000"/>
+          </a:solidFill>
+          <a:ln>
+            <a:noFill/>
+          </a:ln>
+        </p:spPr>
+        <p:style>
+          <a:lnRef idx="2">
+            <a:schemeClr val="accent1">
+              <a:shade val="50000"/>
+            </a:schemeClr>
+          </a:lnRef>
+          <a:fillRef idx="1">
+            <a:schemeClr val="accent1"/>
+          </a:fillRef>
+          <a:effectRef idx="0">
+            <a:schemeClr val="accent1"/>
+          </a:effectRef>
+          <a:fontRef idx="minor">
+            <a:schemeClr val="lt1"/>
+          </a:fontRef>
+        </p:style>
+        <p:txBody>
+          <a:bodyPr rtlCol="0" anchor="ctr"/>
+          <a:lstStyle/>
+          <a:p>
+            <a:pPr algn="ctr"/>
+            <a:r>
+              <a:rPr kumimoji="1" lang="en-US" altLang="zh-CN" dirty="0" smtClean="0"/>
+              <a:t>3</a:t>
+            </a:r>
+            <a:endParaRPr kumimoji="1" lang="zh-CN" altLang="en-US" dirty="0"/>
+          </a:p>
+        </p:txBody>
+      </p:sp>
+      <p:sp>
+        <p:nvSpPr>
+          <p:cNvPr id="37" name="矩形 36"/>
+          <p:cNvSpPr/>
+          <p:nvPr/>
+        </p:nvSpPr>
+        <p:spPr>
+          <a:xfrm>
+            <a:off x="2640682" y="1538844"/>
+            <a:ext cx="893621" cy="685800"/>
+          </a:xfrm>
+          <a:prstGeom prst="rect">
+            <a:avLst/>
+          </a:prstGeom>
+          <a:solidFill>
+            <a:srgbClr val="00B050"/>
+          </a:solidFill>
+          <a:ln>
+            <a:noFill/>
+          </a:ln>
+        </p:spPr>
+        <p:style>
+          <a:lnRef idx="2">
+            <a:schemeClr val="accent1">
+              <a:shade val="50000"/>
+            </a:schemeClr>
+          </a:lnRef>
+          <a:fillRef idx="1">
+            <a:schemeClr val="accent1"/>
+          </a:fillRef>
+          <a:effectRef idx="0">
+            <a:schemeClr val="accent1"/>
+          </a:effectRef>
+          <a:fontRef idx="minor">
+            <a:schemeClr val="lt1"/>
+          </a:fontRef>
+        </p:style>
+        <p:txBody>
+          <a:bodyPr rtlCol="0" anchor="ctr"/>
+          <a:lstStyle/>
+          <a:p>
+            <a:pPr algn="ctr"/>
+            <a:endParaRPr kumimoji="1" lang="zh-CN" altLang="en-US"/>
+          </a:p>
+        </p:txBody>
+      </p:sp>
+      <p:sp>
+        <p:nvSpPr>
+          <p:cNvPr id="38" name="矩形 37"/>
+          <p:cNvSpPr/>
+          <p:nvPr/>
+        </p:nvSpPr>
+        <p:spPr>
+          <a:xfrm>
+            <a:off x="2193184" y="2916580"/>
+            <a:ext cx="472440" cy="685800"/>
+          </a:xfrm>
+          <a:prstGeom prst="rect">
+            <a:avLst/>
+          </a:prstGeom>
+          <a:solidFill>
+            <a:srgbClr val="FFC000"/>
+          </a:solidFill>
+          <a:ln>
+            <a:noFill/>
+          </a:ln>
+        </p:spPr>
+        <p:style>
+          <a:lnRef idx="2">
+            <a:schemeClr val="accent1">
+              <a:shade val="50000"/>
+            </a:schemeClr>
+          </a:lnRef>
+          <a:fillRef idx="1">
+            <a:schemeClr val="accent1"/>
+          </a:fillRef>
+          <a:effectRef idx="0">
+            <a:schemeClr val="accent1"/>
+          </a:effectRef>
+          <a:fontRef idx="minor">
+            <a:schemeClr val="lt1"/>
+          </a:fontRef>
+        </p:style>
+        <p:txBody>
+          <a:bodyPr rtlCol="0" anchor="ctr"/>
+          <a:lstStyle/>
+          <a:p>
+            <a:pPr algn="ctr"/>
+            <a:r>
+              <a:rPr kumimoji="1" lang="en-US" altLang="zh-CN" dirty="0" smtClean="0"/>
+              <a:t>19</a:t>
+            </a:r>
+            <a:endParaRPr kumimoji="1" lang="zh-CN" altLang="en-US" dirty="0"/>
+          </a:p>
+        </p:txBody>
+      </p:sp>
+      <p:sp>
+        <p:nvSpPr>
+          <p:cNvPr id="39" name="矩形 38"/>
+          <p:cNvSpPr/>
+          <p:nvPr/>
+        </p:nvSpPr>
+        <p:spPr>
+          <a:xfrm>
+            <a:off x="2640682" y="2916580"/>
+            <a:ext cx="893621" cy="685800"/>
+          </a:xfrm>
+          <a:prstGeom prst="rect">
+            <a:avLst/>
+          </a:prstGeom>
+          <a:solidFill>
+            <a:srgbClr val="00B050"/>
+          </a:solidFill>
+          <a:ln>
+            <a:noFill/>
+          </a:ln>
+        </p:spPr>
+        <p:style>
+          <a:lnRef idx="2">
+            <a:schemeClr val="accent1">
+              <a:shade val="50000"/>
+            </a:schemeClr>
+          </a:lnRef>
+          <a:fillRef idx="1">
+            <a:schemeClr val="accent1"/>
+          </a:fillRef>
+          <a:effectRef idx="0">
+            <a:schemeClr val="accent1"/>
+          </a:effectRef>
+          <a:fontRef idx="minor">
+            <a:schemeClr val="lt1"/>
+          </a:fontRef>
+        </p:style>
+        <p:txBody>
+          <a:bodyPr rtlCol="0" anchor="ctr"/>
+          <a:lstStyle/>
+          <a:p>
+            <a:pPr algn="ctr"/>
+            <a:endParaRPr kumimoji="1" lang="zh-CN" altLang="en-US"/>
+          </a:p>
+        </p:txBody>
+      </p:sp>
+      <p:sp>
+        <p:nvSpPr>
+          <p:cNvPr id="40" name="矩形 39"/>
+          <p:cNvSpPr/>
+          <p:nvPr/>
+        </p:nvSpPr>
+        <p:spPr>
+          <a:xfrm>
+            <a:off x="2193184" y="4294316"/>
+            <a:ext cx="472440" cy="685800"/>
+          </a:xfrm>
+          <a:prstGeom prst="rect">
+            <a:avLst/>
+          </a:prstGeom>
+          <a:solidFill>
+            <a:srgbClr val="FFC000"/>
+          </a:solidFill>
+          <a:ln>
+            <a:noFill/>
+          </a:ln>
+        </p:spPr>
+        <p:style>
+          <a:lnRef idx="2">
+            <a:schemeClr val="accent1">
+              <a:shade val="50000"/>
+            </a:schemeClr>
+          </a:lnRef>
+          <a:fillRef idx="1">
+            <a:schemeClr val="accent1"/>
+          </a:fillRef>
+          <a:effectRef idx="0">
+            <a:schemeClr val="accent1"/>
+          </a:effectRef>
+          <a:fontRef idx="minor">
+            <a:schemeClr val="lt1"/>
+          </a:fontRef>
+        </p:style>
+        <p:txBody>
+          <a:bodyPr rtlCol="0" anchor="ctr"/>
+          <a:lstStyle/>
+          <a:p>
+            <a:pPr algn="ctr"/>
+            <a:r>
+              <a:rPr kumimoji="1" lang="en-US" altLang="zh-CN" dirty="0" smtClean="0"/>
+              <a:t>35</a:t>
+            </a:r>
+            <a:endParaRPr kumimoji="1" lang="zh-CN" altLang="en-US" dirty="0"/>
+          </a:p>
+        </p:txBody>
+      </p:sp>
+      <p:sp>
+        <p:nvSpPr>
+          <p:cNvPr id="41" name="矩形 40"/>
+          <p:cNvSpPr/>
+          <p:nvPr/>
+        </p:nvSpPr>
+        <p:spPr>
+          <a:xfrm>
+            <a:off x="2640682" y="4294316"/>
+            <a:ext cx="893621" cy="685800"/>
+          </a:xfrm>
+          <a:prstGeom prst="rect">
+            <a:avLst/>
+          </a:prstGeom>
+          <a:solidFill>
+            <a:srgbClr val="00B050"/>
+          </a:solidFill>
+          <a:ln>
+            <a:noFill/>
+          </a:ln>
+        </p:spPr>
+        <p:style>
+          <a:lnRef idx="2">
+            <a:schemeClr val="accent1">
+              <a:shade val="50000"/>
+            </a:schemeClr>
+          </a:lnRef>
+          <a:fillRef idx="1">
+            <a:schemeClr val="accent1"/>
+          </a:fillRef>
+          <a:effectRef idx="0">
+            <a:schemeClr val="accent1"/>
+          </a:effectRef>
+          <a:fontRef idx="minor">
+            <a:schemeClr val="lt1"/>
+          </a:fontRef>
+        </p:style>
+        <p:txBody>
+          <a:bodyPr rtlCol="0" anchor="ctr"/>
+          <a:lstStyle/>
+          <a:p>
+            <a:pPr algn="ctr"/>
+            <a:endParaRPr kumimoji="1" lang="zh-CN" altLang="en-US"/>
+          </a:p>
+        </p:txBody>
+      </p:sp>
+      <p:cxnSp>
+        <p:nvCxnSpPr>
+          <p:cNvPr id="43" name="直线箭头连接符 42"/>
+          <p:cNvCxnSpPr>
+            <a:stCxn id="27" idx="2"/>
+          </p:cNvCxnSpPr>
+          <p:nvPr/>
+        </p:nvCxnSpPr>
+        <p:spPr>
+          <a:xfrm>
+            <a:off x="2403188" y="953984"/>
+            <a:ext cx="4732" cy="570016"/>
+          </a:xfrm>
+          <a:prstGeom prst="straightConnector1">
+            <a:avLst/>
+          </a:prstGeom>
+          <a:ln w="25400">
+            <a:tailEnd type="triangle"/>
+          </a:ln>
+        </p:spPr>
+        <p:style>
+          <a:lnRef idx="1">
+            <a:schemeClr val="accent1"/>
+          </a:lnRef>
+          <a:fillRef idx="0">
+            <a:schemeClr val="accent1"/>
+          </a:fillRef>
+          <a:effectRef idx="0">
+            <a:schemeClr val="accent1"/>
+          </a:effectRef>
+          <a:fontRef idx="minor">
+            <a:schemeClr val="tx1"/>
+          </a:fontRef>
+        </p:style>
+      </p:cxnSp>
+      <p:cxnSp>
+        <p:nvCxnSpPr>
+          <p:cNvPr id="44" name="直线箭头连接符 43"/>
+          <p:cNvCxnSpPr/>
+          <p:nvPr/>
+        </p:nvCxnSpPr>
+        <p:spPr>
+          <a:xfrm flipH="1">
+            <a:off x="2594511" y="2239488"/>
+            <a:ext cx="3643" cy="2054828"/>
+          </a:xfrm>
+          <a:prstGeom prst="straightConnector1">
+            <a:avLst/>
+          </a:prstGeom>
+          <a:ln w="25400">
+            <a:tailEnd type="triangle"/>
+          </a:ln>
+        </p:spPr>
+        <p:style>
+          <a:lnRef idx="1">
+            <a:schemeClr val="accent1"/>
+          </a:lnRef>
+          <a:fillRef idx="0">
+            <a:schemeClr val="accent1"/>
+          </a:fillRef>
+          <a:effectRef idx="0">
+            <a:schemeClr val="accent1"/>
+          </a:effectRef>
+          <a:fontRef idx="minor">
+            <a:schemeClr val="tx1"/>
+          </a:fontRef>
+        </p:style>
+      </p:cxnSp>
+      <p:cxnSp>
+        <p:nvCxnSpPr>
+          <p:cNvPr id="46" name="直线箭头连接符 45"/>
+          <p:cNvCxnSpPr>
+            <a:stCxn id="38" idx="2"/>
+            <a:endCxn id="40" idx="0"/>
+          </p:cNvCxnSpPr>
+          <p:nvPr/>
+        </p:nvCxnSpPr>
+        <p:spPr>
+          <a:xfrm>
+            <a:off x="2429404" y="3602380"/>
+            <a:ext cx="0" cy="691936"/>
+          </a:xfrm>
+          <a:prstGeom prst="straightConnector1">
+            <a:avLst/>
+          </a:prstGeom>
+          <a:ln w="25400">
+            <a:tailEnd type="triangle"/>
+          </a:ln>
+        </p:spPr>
+        <p:style>
+          <a:lnRef idx="1">
+            <a:schemeClr val="accent1"/>
+          </a:lnRef>
+          <a:fillRef idx="0">
+            <a:schemeClr val="accent1"/>
+          </a:fillRef>
+          <a:effectRef idx="0">
+            <a:schemeClr val="accent1"/>
+          </a:effectRef>
+          <a:fontRef idx="minor">
+            <a:schemeClr val="tx1"/>
+          </a:fontRef>
+        </p:style>
+      </p:cxnSp>
+      <p:cxnSp>
+        <p:nvCxnSpPr>
+          <p:cNvPr id="50" name="直线箭头连接符 49"/>
+          <p:cNvCxnSpPr/>
+          <p:nvPr/>
+        </p:nvCxnSpPr>
+        <p:spPr>
+          <a:xfrm>
+            <a:off x="2403188" y="4980116"/>
+            <a:ext cx="0" cy="691936"/>
+          </a:xfrm>
+          <a:prstGeom prst="straightConnector1">
+            <a:avLst/>
+          </a:prstGeom>
+          <a:ln w="25400">
+            <a:tailEnd type="triangle"/>
+          </a:ln>
+        </p:spPr>
+        <p:style>
+          <a:lnRef idx="1">
+            <a:schemeClr val="accent1"/>
+          </a:lnRef>
+          <a:fillRef idx="0">
+            <a:schemeClr val="accent1"/>
+          </a:fillRef>
+          <a:effectRef idx="0">
+            <a:schemeClr val="accent1"/>
+          </a:effectRef>
+          <a:fontRef idx="minor">
+            <a:schemeClr val="tx1"/>
+          </a:fontRef>
+        </p:style>
+      </p:cxnSp>
+      <p:sp>
+        <p:nvSpPr>
+          <p:cNvPr id="51" name="文本框 50"/>
+          <p:cNvSpPr txBox="1"/>
+          <p:nvPr/>
+        </p:nvSpPr>
+        <p:spPr>
+          <a:xfrm>
+            <a:off x="2114214" y="5668688"/>
+            <a:ext cx="1052936" cy="369332"/>
+          </a:xfrm>
+          <a:prstGeom prst="rect">
+            <a:avLst/>
+          </a:prstGeom>
+          <a:noFill/>
+        </p:spPr>
+        <p:txBody>
+          <a:bodyPr wrap="square" rtlCol="0">
+            <a:spAutoFit/>
+          </a:bodyPr>
+          <a:lstStyle/>
+          <a:p>
+            <a:r>
+              <a:rPr kumimoji="1" lang="en-US" altLang="zh-CN" dirty="0" smtClean="0"/>
+              <a:t>NULL</a:t>
+            </a:r>
+            <a:endParaRPr kumimoji="1" lang="zh-CN" altLang="en-US" dirty="0"/>
+          </a:p>
+        </p:txBody>
+      </p:sp>
+      <p:sp>
+        <p:nvSpPr>
+          <p:cNvPr id="52" name="矩形 51"/>
+          <p:cNvSpPr/>
+          <p:nvPr/>
+        </p:nvSpPr>
+        <p:spPr>
+          <a:xfrm>
+            <a:off x="1758946" y="7709200"/>
+            <a:ext cx="498758" cy="700644"/>
+          </a:xfrm>
+          <a:prstGeom prst="rect">
+            <a:avLst/>
+          </a:prstGeom>
+        </p:spPr>
+        <p:style>
+          <a:lnRef idx="2">
+            <a:schemeClr val="accent1">
+              <a:shade val="50000"/>
+            </a:schemeClr>
+          </a:lnRef>
+          <a:fillRef idx="1">
+            <a:schemeClr val="accent1"/>
+          </a:fillRef>
+          <a:effectRef idx="0">
+            <a:schemeClr val="accent1"/>
+          </a:effectRef>
+          <a:fontRef idx="minor">
+            <a:schemeClr val="lt1"/>
+          </a:fontRef>
+        </p:style>
+        <p:txBody>
+          <a:bodyPr rtlCol="0" anchor="ctr"/>
+          <a:lstStyle/>
+          <a:p>
+            <a:pPr algn="ctr"/>
+            <a:r>
+              <a:rPr kumimoji="1" lang="en-US" altLang="zh-CN" dirty="0"/>
+              <a:t>4</a:t>
+            </a:r>
+            <a:endParaRPr kumimoji="1" lang="zh-CN" altLang="en-US" dirty="0"/>
+          </a:p>
+        </p:txBody>
+      </p:sp>
+      <p:sp>
+        <p:nvSpPr>
+          <p:cNvPr id="53" name="矩形 52"/>
+          <p:cNvSpPr/>
+          <p:nvPr/>
+        </p:nvSpPr>
+        <p:spPr>
+          <a:xfrm>
+            <a:off x="2257704" y="7709200"/>
+            <a:ext cx="498758" cy="700644"/>
+          </a:xfrm>
+          <a:prstGeom prst="rect">
+            <a:avLst/>
+          </a:prstGeom>
+        </p:spPr>
+        <p:style>
+          <a:lnRef idx="2">
+            <a:schemeClr val="accent1">
+              <a:shade val="50000"/>
+            </a:schemeClr>
+          </a:lnRef>
+          <a:fillRef idx="1">
+            <a:schemeClr val="accent1"/>
+          </a:fillRef>
+          <a:effectRef idx="0">
+            <a:schemeClr val="accent1"/>
+          </a:effectRef>
+          <a:fontRef idx="minor">
+            <a:schemeClr val="lt1"/>
+          </a:fontRef>
+        </p:style>
+        <p:txBody>
+          <a:bodyPr rtlCol="0" anchor="ctr"/>
+          <a:lstStyle/>
+          <a:p>
+            <a:pPr algn="ctr"/>
+            <a:r>
+              <a:rPr kumimoji="1" lang="en-US" altLang="zh-CN" dirty="0"/>
+              <a:t>5</a:t>
+            </a:r>
+            <a:endParaRPr kumimoji="1" lang="zh-CN" altLang="en-US" dirty="0"/>
+          </a:p>
+        </p:txBody>
+      </p:sp>
+      <p:sp>
+        <p:nvSpPr>
+          <p:cNvPr id="54" name="矩形 53"/>
+          <p:cNvSpPr/>
+          <p:nvPr/>
+        </p:nvSpPr>
+        <p:spPr>
+          <a:xfrm>
+            <a:off x="2744577" y="7709200"/>
+            <a:ext cx="498758" cy="700644"/>
+          </a:xfrm>
+          <a:prstGeom prst="rect">
+            <a:avLst/>
+          </a:prstGeom>
+        </p:spPr>
+        <p:style>
+          <a:lnRef idx="2">
+            <a:schemeClr val="accent1">
+              <a:shade val="50000"/>
+            </a:schemeClr>
+          </a:lnRef>
+          <a:fillRef idx="1">
+            <a:schemeClr val="accent1"/>
+          </a:fillRef>
+          <a:effectRef idx="0">
+            <a:schemeClr val="accent1"/>
+          </a:effectRef>
+          <a:fontRef idx="minor">
+            <a:schemeClr val="lt1"/>
+          </a:fontRef>
+        </p:style>
+        <p:txBody>
+          <a:bodyPr rtlCol="0" anchor="ctr"/>
+          <a:lstStyle/>
+          <a:p>
+            <a:pPr algn="ctr"/>
+            <a:r>
+              <a:rPr kumimoji="1" lang="en-US" altLang="zh-CN" dirty="0"/>
+              <a:t>6</a:t>
+            </a:r>
+            <a:endParaRPr kumimoji="1" lang="zh-CN" altLang="en-US" dirty="0"/>
+          </a:p>
+        </p:txBody>
+      </p:sp>
+      <p:sp>
+        <p:nvSpPr>
+          <p:cNvPr id="55" name="矩形 54"/>
+          <p:cNvSpPr/>
+          <p:nvPr/>
+        </p:nvSpPr>
+        <p:spPr>
+          <a:xfrm>
+            <a:off x="3243335" y="7709200"/>
+            <a:ext cx="498758" cy="700644"/>
+          </a:xfrm>
+          <a:prstGeom prst="rect">
+            <a:avLst/>
+          </a:prstGeom>
+        </p:spPr>
+        <p:style>
+          <a:lnRef idx="2">
+            <a:schemeClr val="accent1">
+              <a:shade val="50000"/>
+            </a:schemeClr>
+          </a:lnRef>
+          <a:fillRef idx="1">
+            <a:schemeClr val="accent1"/>
+          </a:fillRef>
+          <a:effectRef idx="0">
+            <a:schemeClr val="accent1"/>
+          </a:effectRef>
+          <a:fontRef idx="minor">
+            <a:schemeClr val="lt1"/>
+          </a:fontRef>
+        </p:style>
+        <p:txBody>
+          <a:bodyPr rtlCol="0" anchor="ctr"/>
+          <a:lstStyle/>
+          <a:p>
+            <a:pPr algn="ctr"/>
+            <a:r>
+              <a:rPr kumimoji="1" lang="en-US" altLang="zh-CN" dirty="0"/>
+              <a:t>7</a:t>
+            </a:r>
+            <a:endParaRPr kumimoji="1" lang="zh-CN" altLang="en-US" dirty="0"/>
+          </a:p>
+        </p:txBody>
+      </p:sp>
+      <p:sp>
+        <p:nvSpPr>
+          <p:cNvPr id="56" name="矩形 55"/>
+          <p:cNvSpPr/>
+          <p:nvPr/>
+        </p:nvSpPr>
+        <p:spPr>
+          <a:xfrm>
+            <a:off x="-212316" y="7709200"/>
+            <a:ext cx="498758" cy="700644"/>
+          </a:xfrm>
+          <a:prstGeom prst="rect">
+            <a:avLst/>
+          </a:prstGeom>
+        </p:spPr>
+        <p:style>
+          <a:lnRef idx="2">
+            <a:schemeClr val="accent1">
+              <a:shade val="50000"/>
+            </a:schemeClr>
+          </a:lnRef>
+          <a:fillRef idx="1">
+            <a:schemeClr val="accent1"/>
+          </a:fillRef>
+          <a:effectRef idx="0">
+            <a:schemeClr val="accent1"/>
+          </a:effectRef>
+          <a:fontRef idx="minor">
+            <a:schemeClr val="lt1"/>
+          </a:fontRef>
+        </p:style>
+        <p:txBody>
+          <a:bodyPr rtlCol="0" anchor="ctr"/>
+          <a:lstStyle/>
+          <a:p>
+            <a:pPr algn="ctr"/>
+            <a:r>
+              <a:rPr kumimoji="1" lang="en-US" altLang="zh-CN" dirty="0" smtClean="0"/>
+              <a:t>0</a:t>
+            </a:r>
+            <a:endParaRPr kumimoji="1" lang="zh-CN" altLang="en-US" dirty="0"/>
+          </a:p>
+        </p:txBody>
+      </p:sp>
+      <p:sp>
+        <p:nvSpPr>
+          <p:cNvPr id="57" name="矩形 56"/>
+          <p:cNvSpPr/>
+          <p:nvPr/>
+        </p:nvSpPr>
+        <p:spPr>
+          <a:xfrm>
+            <a:off x="286442" y="7709200"/>
+            <a:ext cx="498758" cy="700644"/>
+          </a:xfrm>
+          <a:prstGeom prst="rect">
+            <a:avLst/>
+          </a:prstGeom>
+        </p:spPr>
+        <p:style>
+          <a:lnRef idx="2">
+            <a:schemeClr val="accent1">
+              <a:shade val="50000"/>
+            </a:schemeClr>
+          </a:lnRef>
+          <a:fillRef idx="1">
+            <a:schemeClr val="accent1"/>
+          </a:fillRef>
+          <a:effectRef idx="0">
+            <a:schemeClr val="accent1"/>
+          </a:effectRef>
+          <a:fontRef idx="minor">
+            <a:schemeClr val="lt1"/>
+          </a:fontRef>
+        </p:style>
+        <p:txBody>
+          <a:bodyPr rtlCol="0" anchor="ctr"/>
+          <a:lstStyle/>
+          <a:p>
+            <a:pPr algn="ctr"/>
+            <a:r>
+              <a:rPr kumimoji="1" lang="en-US" altLang="zh-CN" dirty="0" smtClean="0"/>
+              <a:t>1</a:t>
+            </a:r>
+            <a:endParaRPr kumimoji="1" lang="zh-CN" altLang="en-US" dirty="0"/>
+          </a:p>
+        </p:txBody>
+      </p:sp>
+      <p:sp>
+        <p:nvSpPr>
+          <p:cNvPr id="58" name="矩形 57"/>
+          <p:cNvSpPr/>
+          <p:nvPr/>
+        </p:nvSpPr>
+        <p:spPr>
+          <a:xfrm>
+            <a:off x="773315" y="7709200"/>
+            <a:ext cx="498758" cy="700644"/>
+          </a:xfrm>
+          <a:prstGeom prst="rect">
+            <a:avLst/>
+          </a:prstGeom>
+        </p:spPr>
+        <p:style>
+          <a:lnRef idx="2">
+            <a:schemeClr val="accent1">
+              <a:shade val="50000"/>
+            </a:schemeClr>
+          </a:lnRef>
+          <a:fillRef idx="1">
+            <a:schemeClr val="accent1"/>
+          </a:fillRef>
+          <a:effectRef idx="0">
+            <a:schemeClr val="accent1"/>
+          </a:effectRef>
+          <a:fontRef idx="minor">
+            <a:schemeClr val="lt1"/>
+          </a:fontRef>
+        </p:style>
+        <p:txBody>
+          <a:bodyPr rtlCol="0" anchor="ctr"/>
+          <a:lstStyle/>
+          <a:p>
+            <a:pPr algn="ctr"/>
+            <a:r>
+              <a:rPr kumimoji="1" lang="en-US" altLang="zh-CN" dirty="0"/>
+              <a:t>2</a:t>
+            </a:r>
+            <a:endParaRPr kumimoji="1" lang="zh-CN" altLang="en-US" dirty="0"/>
+          </a:p>
+        </p:txBody>
+      </p:sp>
+      <p:sp>
+        <p:nvSpPr>
+          <p:cNvPr id="59" name="矩形 58"/>
+          <p:cNvSpPr/>
+          <p:nvPr/>
+        </p:nvSpPr>
+        <p:spPr>
+          <a:xfrm>
+            <a:off x="1272073" y="7709200"/>
+            <a:ext cx="498758" cy="700644"/>
+          </a:xfrm>
+          <a:prstGeom prst="rect">
+            <a:avLst/>
+          </a:prstGeom>
+        </p:spPr>
+        <p:style>
+          <a:lnRef idx="2">
+            <a:schemeClr val="accent1">
+              <a:shade val="50000"/>
+            </a:schemeClr>
+          </a:lnRef>
+          <a:fillRef idx="1">
+            <a:schemeClr val="accent1"/>
+          </a:fillRef>
+          <a:effectRef idx="0">
+            <a:schemeClr val="accent1"/>
+          </a:effectRef>
+          <a:fontRef idx="minor">
+            <a:schemeClr val="lt1"/>
+          </a:fontRef>
+        </p:style>
+        <p:txBody>
+          <a:bodyPr rtlCol="0" anchor="ctr"/>
+          <a:lstStyle/>
+          <a:p>
+            <a:pPr algn="ctr"/>
+            <a:r>
+              <a:rPr kumimoji="1" lang="en-US" altLang="zh-CN" dirty="0"/>
+              <a:t>3</a:t>
+            </a:r>
+            <a:endParaRPr kumimoji="1" lang="zh-CN" altLang="en-US" dirty="0"/>
+          </a:p>
+        </p:txBody>
+      </p:sp>
+      <p:sp>
+        <p:nvSpPr>
+          <p:cNvPr id="60" name="矩形 59"/>
+          <p:cNvSpPr/>
+          <p:nvPr/>
+        </p:nvSpPr>
+        <p:spPr>
+          <a:xfrm>
+            <a:off x="5716528" y="7709200"/>
+            <a:ext cx="498758" cy="700644"/>
+          </a:xfrm>
+          <a:prstGeom prst="rect">
+            <a:avLst/>
+          </a:prstGeom>
+        </p:spPr>
+        <p:style>
+          <a:lnRef idx="2">
+            <a:schemeClr val="accent1">
+              <a:shade val="50000"/>
+            </a:schemeClr>
+          </a:lnRef>
+          <a:fillRef idx="1">
+            <a:schemeClr val="accent1"/>
+          </a:fillRef>
+          <a:effectRef idx="0">
+            <a:schemeClr val="accent1"/>
+          </a:effectRef>
+          <a:fontRef idx="minor">
+            <a:schemeClr val="lt1"/>
+          </a:fontRef>
+        </p:style>
+        <p:txBody>
+          <a:bodyPr rtlCol="0" anchor="ctr"/>
+          <a:lstStyle/>
+          <a:p>
+            <a:pPr algn="ctr"/>
+            <a:r>
+              <a:rPr kumimoji="1" lang="en-US" altLang="zh-CN" dirty="0" smtClean="0"/>
+              <a:t>12</a:t>
+            </a:r>
+            <a:endParaRPr kumimoji="1" lang="zh-CN" altLang="en-US" dirty="0"/>
+          </a:p>
+        </p:txBody>
+      </p:sp>
+      <p:sp>
+        <p:nvSpPr>
+          <p:cNvPr id="61" name="矩形 60"/>
+          <p:cNvSpPr/>
+          <p:nvPr/>
+        </p:nvSpPr>
+        <p:spPr>
+          <a:xfrm>
+            <a:off x="6215286" y="7709200"/>
+            <a:ext cx="498758" cy="700644"/>
+          </a:xfrm>
+          <a:prstGeom prst="rect">
+            <a:avLst/>
+          </a:prstGeom>
+        </p:spPr>
+        <p:style>
+          <a:lnRef idx="2">
+            <a:schemeClr val="accent1">
+              <a:shade val="50000"/>
+            </a:schemeClr>
+          </a:lnRef>
+          <a:fillRef idx="1">
+            <a:schemeClr val="accent1"/>
+          </a:fillRef>
+          <a:effectRef idx="0">
+            <a:schemeClr val="accent1"/>
+          </a:effectRef>
+          <a:fontRef idx="minor">
+            <a:schemeClr val="lt1"/>
+          </a:fontRef>
+        </p:style>
+        <p:txBody>
+          <a:bodyPr rtlCol="0" anchor="ctr"/>
+          <a:lstStyle/>
+          <a:p>
+            <a:pPr algn="ctr"/>
+            <a:r>
+              <a:rPr kumimoji="1" lang="en-US" altLang="zh-CN" dirty="0" smtClean="0"/>
+              <a:t>13</a:t>
+            </a:r>
+            <a:endParaRPr kumimoji="1" lang="zh-CN" altLang="en-US" dirty="0"/>
+          </a:p>
+        </p:txBody>
+      </p:sp>
+      <p:sp>
+        <p:nvSpPr>
+          <p:cNvPr id="62" name="矩形 61"/>
+          <p:cNvSpPr/>
+          <p:nvPr/>
+        </p:nvSpPr>
+        <p:spPr>
+          <a:xfrm>
+            <a:off x="6702159" y="7709200"/>
+            <a:ext cx="498758" cy="700644"/>
+          </a:xfrm>
+          <a:prstGeom prst="rect">
+            <a:avLst/>
+          </a:prstGeom>
+        </p:spPr>
+        <p:style>
+          <a:lnRef idx="2">
+            <a:schemeClr val="accent1">
+              <a:shade val="50000"/>
+            </a:schemeClr>
+          </a:lnRef>
+          <a:fillRef idx="1">
+            <a:schemeClr val="accent1"/>
+          </a:fillRef>
+          <a:effectRef idx="0">
+            <a:schemeClr val="accent1"/>
+          </a:effectRef>
+          <a:fontRef idx="minor">
+            <a:schemeClr val="lt1"/>
+          </a:fontRef>
+        </p:style>
+        <p:txBody>
+          <a:bodyPr rtlCol="0" anchor="ctr"/>
+          <a:lstStyle/>
+          <a:p>
+            <a:pPr algn="ctr"/>
+            <a:r>
+              <a:rPr kumimoji="1" lang="en-US" altLang="zh-CN" dirty="0" smtClean="0"/>
+              <a:t>14</a:t>
+            </a:r>
+            <a:endParaRPr kumimoji="1" lang="zh-CN" altLang="en-US" dirty="0"/>
+          </a:p>
+        </p:txBody>
+      </p:sp>
+      <p:sp>
+        <p:nvSpPr>
+          <p:cNvPr id="63" name="矩形 62"/>
+          <p:cNvSpPr/>
+          <p:nvPr/>
+        </p:nvSpPr>
+        <p:spPr>
+          <a:xfrm>
+            <a:off x="7200917" y="7709200"/>
+            <a:ext cx="498758" cy="700644"/>
+          </a:xfrm>
+          <a:prstGeom prst="rect">
+            <a:avLst/>
+          </a:prstGeom>
+        </p:spPr>
+        <p:style>
+          <a:lnRef idx="2">
+            <a:schemeClr val="accent1">
+              <a:shade val="50000"/>
+            </a:schemeClr>
+          </a:lnRef>
+          <a:fillRef idx="1">
+            <a:schemeClr val="accent1"/>
+          </a:fillRef>
+          <a:effectRef idx="0">
+            <a:schemeClr val="accent1"/>
+          </a:effectRef>
+          <a:fontRef idx="minor">
+            <a:schemeClr val="lt1"/>
+          </a:fontRef>
+        </p:style>
+        <p:txBody>
+          <a:bodyPr rtlCol="0" anchor="ctr"/>
+          <a:lstStyle/>
+          <a:p>
+            <a:pPr algn="ctr"/>
+            <a:r>
+              <a:rPr kumimoji="1" lang="en-US" altLang="zh-CN" dirty="0" smtClean="0"/>
+              <a:t>15</a:t>
+            </a:r>
+            <a:endParaRPr kumimoji="1" lang="zh-CN" altLang="en-US" dirty="0"/>
+          </a:p>
+        </p:txBody>
+      </p:sp>
+      <p:sp>
+        <p:nvSpPr>
+          <p:cNvPr id="64" name="矩形 63"/>
+          <p:cNvSpPr/>
+          <p:nvPr/>
+        </p:nvSpPr>
+        <p:spPr>
+          <a:xfrm>
+            <a:off x="3745266" y="7709200"/>
+            <a:ext cx="498758" cy="700644"/>
+          </a:xfrm>
+          <a:prstGeom prst="rect">
+            <a:avLst/>
+          </a:prstGeom>
+        </p:spPr>
+        <p:style>
+          <a:lnRef idx="2">
+            <a:schemeClr val="accent1">
+              <a:shade val="50000"/>
+            </a:schemeClr>
+          </a:lnRef>
+          <a:fillRef idx="1">
+            <a:schemeClr val="accent1"/>
+          </a:fillRef>
+          <a:effectRef idx="0">
+            <a:schemeClr val="accent1"/>
+          </a:effectRef>
+          <a:fontRef idx="minor">
+            <a:schemeClr val="lt1"/>
+          </a:fontRef>
+        </p:style>
+        <p:txBody>
+          <a:bodyPr rtlCol="0" anchor="ctr"/>
+          <a:lstStyle/>
+          <a:p>
+            <a:pPr algn="ctr"/>
+            <a:r>
+              <a:rPr kumimoji="1" lang="en-US" altLang="zh-CN" dirty="0"/>
+              <a:t>8</a:t>
+            </a:r>
+            <a:endParaRPr kumimoji="1" lang="zh-CN" altLang="en-US" dirty="0"/>
+          </a:p>
+        </p:txBody>
+      </p:sp>
+      <p:sp>
+        <p:nvSpPr>
+          <p:cNvPr id="65" name="矩形 64"/>
+          <p:cNvSpPr/>
+          <p:nvPr/>
+        </p:nvSpPr>
+        <p:spPr>
+          <a:xfrm>
+            <a:off x="4244024" y="7709200"/>
+            <a:ext cx="498758" cy="700644"/>
+          </a:xfrm>
+          <a:prstGeom prst="rect">
+            <a:avLst/>
+          </a:prstGeom>
+        </p:spPr>
+        <p:style>
+          <a:lnRef idx="2">
+            <a:schemeClr val="accent1">
+              <a:shade val="50000"/>
+            </a:schemeClr>
+          </a:lnRef>
+          <a:fillRef idx="1">
+            <a:schemeClr val="accent1"/>
+          </a:fillRef>
+          <a:effectRef idx="0">
+            <a:schemeClr val="accent1"/>
+          </a:effectRef>
+          <a:fontRef idx="minor">
+            <a:schemeClr val="lt1"/>
+          </a:fontRef>
+        </p:style>
+        <p:txBody>
+          <a:bodyPr rtlCol="0" anchor="ctr"/>
+          <a:lstStyle/>
+          <a:p>
+            <a:pPr algn="ctr"/>
+            <a:r>
+              <a:rPr kumimoji="1" lang="en-US" altLang="zh-CN" dirty="0"/>
+              <a:t>9</a:t>
+            </a:r>
+            <a:endParaRPr kumimoji="1" lang="zh-CN" altLang="en-US" dirty="0"/>
+          </a:p>
+        </p:txBody>
+      </p:sp>
+      <p:sp>
+        <p:nvSpPr>
+          <p:cNvPr id="66" name="矩形 65"/>
+          <p:cNvSpPr/>
+          <p:nvPr/>
+        </p:nvSpPr>
+        <p:spPr>
+          <a:xfrm>
+            <a:off x="4730897" y="7709200"/>
+            <a:ext cx="498758" cy="700644"/>
+          </a:xfrm>
+          <a:prstGeom prst="rect">
+            <a:avLst/>
+          </a:prstGeom>
+        </p:spPr>
+        <p:style>
+          <a:lnRef idx="2">
+            <a:schemeClr val="accent1">
+              <a:shade val="50000"/>
+            </a:schemeClr>
+          </a:lnRef>
+          <a:fillRef idx="1">
+            <a:schemeClr val="accent1"/>
+          </a:fillRef>
+          <a:effectRef idx="0">
+            <a:schemeClr val="accent1"/>
+          </a:effectRef>
+          <a:fontRef idx="minor">
+            <a:schemeClr val="lt1"/>
+          </a:fontRef>
+        </p:style>
+        <p:txBody>
+          <a:bodyPr rtlCol="0" anchor="ctr"/>
+          <a:lstStyle/>
+          <a:p>
+            <a:pPr algn="ctr"/>
+            <a:r>
+              <a:rPr kumimoji="1" lang="en-US" altLang="zh-CN" dirty="0" smtClean="0"/>
+              <a:t>10</a:t>
+            </a:r>
+            <a:endParaRPr kumimoji="1" lang="zh-CN" altLang="en-US" dirty="0"/>
+          </a:p>
+        </p:txBody>
+      </p:sp>
+      <p:sp>
+        <p:nvSpPr>
+          <p:cNvPr id="67" name="矩形 66"/>
+          <p:cNvSpPr/>
+          <p:nvPr/>
+        </p:nvSpPr>
+        <p:spPr>
+          <a:xfrm>
+            <a:off x="5229655" y="7709200"/>
+            <a:ext cx="498758" cy="700644"/>
+          </a:xfrm>
+          <a:prstGeom prst="rect">
+            <a:avLst/>
+          </a:prstGeom>
+        </p:spPr>
+        <p:style>
+          <a:lnRef idx="2">
+            <a:schemeClr val="accent1">
+              <a:shade val="50000"/>
+            </a:schemeClr>
+          </a:lnRef>
+          <a:fillRef idx="1">
+            <a:schemeClr val="accent1"/>
+          </a:fillRef>
+          <a:effectRef idx="0">
+            <a:schemeClr val="accent1"/>
+          </a:effectRef>
+          <a:fontRef idx="minor">
+            <a:schemeClr val="lt1"/>
+          </a:fontRef>
+        </p:style>
+        <p:txBody>
+          <a:bodyPr rtlCol="0" anchor="ctr"/>
+          <a:lstStyle/>
+          <a:p>
+            <a:pPr algn="ctr"/>
+            <a:r>
+              <a:rPr kumimoji="1" lang="en-US" altLang="zh-CN" dirty="0" smtClean="0"/>
+              <a:t>11</a:t>
+            </a:r>
+            <a:endParaRPr kumimoji="1" lang="zh-CN" altLang="en-US" dirty="0"/>
+          </a:p>
+        </p:txBody>
+      </p:sp>
+      <p:sp>
+        <p:nvSpPr>
+          <p:cNvPr id="68" name="矩形 67"/>
+          <p:cNvSpPr/>
+          <p:nvPr/>
+        </p:nvSpPr>
+        <p:spPr>
+          <a:xfrm>
+            <a:off x="1311448" y="8994704"/>
+            <a:ext cx="472440" cy="685800"/>
+          </a:xfrm>
+          <a:prstGeom prst="rect">
+            <a:avLst/>
+          </a:prstGeom>
+          <a:solidFill>
+            <a:srgbClr val="FFC000"/>
+          </a:solidFill>
+          <a:ln>
+            <a:noFill/>
+          </a:ln>
+        </p:spPr>
+        <p:style>
+          <a:lnRef idx="2">
+            <a:schemeClr val="accent1">
+              <a:shade val="50000"/>
+            </a:schemeClr>
+          </a:lnRef>
+          <a:fillRef idx="1">
+            <a:schemeClr val="accent1"/>
+          </a:fillRef>
+          <a:effectRef idx="0">
+            <a:schemeClr val="accent1"/>
+          </a:effectRef>
+          <a:fontRef idx="minor">
+            <a:schemeClr val="lt1"/>
+          </a:fontRef>
+        </p:style>
+        <p:txBody>
+          <a:bodyPr rtlCol="0" anchor="ctr"/>
+          <a:lstStyle/>
+          <a:p>
+            <a:pPr algn="ctr"/>
+            <a:r>
+              <a:rPr kumimoji="1" lang="en-US" altLang="zh-CN" dirty="0" smtClean="0"/>
+              <a:t>3</a:t>
+            </a:r>
+            <a:endParaRPr kumimoji="1" lang="zh-CN" altLang="en-US" dirty="0"/>
+          </a:p>
+        </p:txBody>
+      </p:sp>
+      <p:sp>
+        <p:nvSpPr>
+          <p:cNvPr id="69" name="矩形 68"/>
+          <p:cNvSpPr/>
+          <p:nvPr/>
+        </p:nvSpPr>
+        <p:spPr>
+          <a:xfrm>
+            <a:off x="1758946" y="8994704"/>
+            <a:ext cx="893621" cy="685800"/>
+          </a:xfrm>
+          <a:prstGeom prst="rect">
+            <a:avLst/>
+          </a:prstGeom>
+          <a:solidFill>
+            <a:srgbClr val="00B050"/>
+          </a:solidFill>
+          <a:ln>
+            <a:noFill/>
+          </a:ln>
+        </p:spPr>
+        <p:style>
+          <a:lnRef idx="2">
+            <a:schemeClr val="accent1">
+              <a:shade val="50000"/>
+            </a:schemeClr>
+          </a:lnRef>
+          <a:fillRef idx="1">
+            <a:schemeClr val="accent1"/>
+          </a:fillRef>
+          <a:effectRef idx="0">
+            <a:schemeClr val="accent1"/>
+          </a:effectRef>
+          <a:fontRef idx="minor">
+            <a:schemeClr val="lt1"/>
+          </a:fontRef>
+        </p:style>
+        <p:txBody>
+          <a:bodyPr rtlCol="0" anchor="ctr"/>
+          <a:lstStyle/>
+          <a:p>
+            <a:pPr algn="ctr"/>
+            <a:endParaRPr kumimoji="1" lang="zh-CN" altLang="en-US"/>
+          </a:p>
+        </p:txBody>
+      </p:sp>
+      <p:sp>
+        <p:nvSpPr>
+          <p:cNvPr id="70" name="矩形 69"/>
+          <p:cNvSpPr/>
+          <p:nvPr/>
+        </p:nvSpPr>
+        <p:spPr>
+          <a:xfrm>
+            <a:off x="9223439" y="8994704"/>
+            <a:ext cx="472440" cy="685800"/>
+          </a:xfrm>
+          <a:prstGeom prst="rect">
+            <a:avLst/>
+          </a:prstGeom>
+          <a:solidFill>
+            <a:srgbClr val="FFC000"/>
+          </a:solidFill>
+          <a:ln>
+            <a:noFill/>
+          </a:ln>
+        </p:spPr>
+        <p:style>
+          <a:lnRef idx="2">
+            <a:schemeClr val="accent1">
+              <a:shade val="50000"/>
+            </a:schemeClr>
+          </a:lnRef>
+          <a:fillRef idx="1">
+            <a:schemeClr val="accent1"/>
+          </a:fillRef>
+          <a:effectRef idx="0">
+            <a:schemeClr val="accent1"/>
+          </a:effectRef>
+          <a:fontRef idx="minor">
+            <a:schemeClr val="lt1"/>
+          </a:fontRef>
+        </p:style>
+        <p:txBody>
+          <a:bodyPr rtlCol="0" anchor="ctr"/>
+          <a:lstStyle/>
+          <a:p>
+            <a:pPr algn="ctr"/>
+            <a:r>
+              <a:rPr kumimoji="1" lang="en-US" altLang="zh-CN" dirty="0" smtClean="0"/>
+              <a:t>19</a:t>
+            </a:r>
+            <a:endParaRPr kumimoji="1" lang="zh-CN" altLang="en-US" dirty="0"/>
+          </a:p>
+        </p:txBody>
+      </p:sp>
+      <p:sp>
+        <p:nvSpPr>
+          <p:cNvPr id="71" name="矩形 70"/>
+          <p:cNvSpPr/>
+          <p:nvPr/>
+        </p:nvSpPr>
+        <p:spPr>
+          <a:xfrm>
+            <a:off x="9670937" y="8994704"/>
+            <a:ext cx="893621" cy="685800"/>
+          </a:xfrm>
+          <a:prstGeom prst="rect">
+            <a:avLst/>
+          </a:prstGeom>
+          <a:solidFill>
+            <a:srgbClr val="00B050"/>
+          </a:solidFill>
+          <a:ln>
+            <a:noFill/>
+          </a:ln>
+        </p:spPr>
+        <p:style>
+          <a:lnRef idx="2">
+            <a:schemeClr val="accent1">
+              <a:shade val="50000"/>
+            </a:schemeClr>
+          </a:lnRef>
+          <a:fillRef idx="1">
+            <a:schemeClr val="accent1"/>
+          </a:fillRef>
+          <a:effectRef idx="0">
+            <a:schemeClr val="accent1"/>
+          </a:effectRef>
+          <a:fontRef idx="minor">
+            <a:schemeClr val="lt1"/>
+          </a:fontRef>
+        </p:style>
+        <p:txBody>
+          <a:bodyPr rtlCol="0" anchor="ctr"/>
+          <a:lstStyle/>
+          <a:p>
+            <a:pPr algn="ctr"/>
+            <a:endParaRPr kumimoji="1" lang="zh-CN" altLang="en-US"/>
+          </a:p>
+        </p:txBody>
+      </p:sp>
+      <p:sp>
+        <p:nvSpPr>
+          <p:cNvPr id="72" name="矩形 71"/>
+          <p:cNvSpPr/>
+          <p:nvPr/>
+        </p:nvSpPr>
+        <p:spPr>
+          <a:xfrm>
+            <a:off x="1253392" y="10372440"/>
+            <a:ext cx="472440" cy="685800"/>
+          </a:xfrm>
+          <a:prstGeom prst="rect">
+            <a:avLst/>
+          </a:prstGeom>
+          <a:solidFill>
+            <a:srgbClr val="FFC000"/>
+          </a:solidFill>
+          <a:ln>
+            <a:noFill/>
+          </a:ln>
+        </p:spPr>
+        <p:style>
+          <a:lnRef idx="2">
+            <a:schemeClr val="accent1">
+              <a:shade val="50000"/>
+            </a:schemeClr>
+          </a:lnRef>
+          <a:fillRef idx="1">
+            <a:schemeClr val="accent1"/>
+          </a:fillRef>
+          <a:effectRef idx="0">
+            <a:schemeClr val="accent1"/>
+          </a:effectRef>
+          <a:fontRef idx="minor">
+            <a:schemeClr val="lt1"/>
+          </a:fontRef>
+        </p:style>
+        <p:txBody>
+          <a:bodyPr rtlCol="0" anchor="ctr"/>
+          <a:lstStyle/>
+          <a:p>
+            <a:pPr algn="ctr"/>
+            <a:r>
+              <a:rPr kumimoji="1" lang="en-US" altLang="zh-CN" dirty="0" smtClean="0"/>
+              <a:t>35</a:t>
+            </a:r>
+            <a:endParaRPr kumimoji="1" lang="zh-CN" altLang="en-US" dirty="0"/>
+          </a:p>
+        </p:txBody>
+      </p:sp>
+      <p:sp>
+        <p:nvSpPr>
+          <p:cNvPr id="73" name="矩形 72"/>
+          <p:cNvSpPr/>
+          <p:nvPr/>
+        </p:nvSpPr>
+        <p:spPr>
+          <a:xfrm>
+            <a:off x="1700890" y="10372440"/>
+            <a:ext cx="893621" cy="685800"/>
+          </a:xfrm>
+          <a:prstGeom prst="rect">
+            <a:avLst/>
+          </a:prstGeom>
+          <a:solidFill>
+            <a:srgbClr val="00B050"/>
+          </a:solidFill>
+          <a:ln>
+            <a:noFill/>
+          </a:ln>
+        </p:spPr>
+        <p:style>
+          <a:lnRef idx="2">
+            <a:schemeClr val="accent1">
+              <a:shade val="50000"/>
+            </a:schemeClr>
+          </a:lnRef>
+          <a:fillRef idx="1">
+            <a:schemeClr val="accent1"/>
+          </a:fillRef>
+          <a:effectRef idx="0">
+            <a:schemeClr val="accent1"/>
+          </a:effectRef>
+          <a:fontRef idx="minor">
+            <a:schemeClr val="lt1"/>
+          </a:fontRef>
+        </p:style>
+        <p:txBody>
+          <a:bodyPr rtlCol="0" anchor="ctr"/>
+          <a:lstStyle/>
+          <a:p>
+            <a:pPr algn="ctr"/>
+            <a:endParaRPr kumimoji="1" lang="zh-CN" altLang="en-US"/>
+          </a:p>
+        </p:txBody>
+      </p:sp>
+      <p:cxnSp>
+        <p:nvCxnSpPr>
+          <p:cNvPr id="74" name="直线箭头连接符 73"/>
+          <p:cNvCxnSpPr/>
+          <p:nvPr/>
+        </p:nvCxnSpPr>
+        <p:spPr>
+          <a:xfrm>
+            <a:off x="1502469" y="8409844"/>
+            <a:ext cx="4732" cy="570016"/>
+          </a:xfrm>
+          <a:prstGeom prst="straightConnector1">
+            <a:avLst/>
+          </a:prstGeom>
+          <a:ln w="25400">
+            <a:tailEnd type="triangle"/>
+          </a:ln>
+        </p:spPr>
+        <p:style>
+          <a:lnRef idx="1">
+            <a:schemeClr val="accent1"/>
+          </a:lnRef>
+          <a:fillRef idx="0">
+            <a:schemeClr val="accent1"/>
+          </a:fillRef>
+          <a:effectRef idx="0">
+            <a:schemeClr val="accent1"/>
+          </a:effectRef>
+          <a:fontRef idx="minor">
+            <a:schemeClr val="tx1"/>
+          </a:fontRef>
+        </p:style>
+      </p:cxnSp>
+      <p:cxnSp>
+        <p:nvCxnSpPr>
+          <p:cNvPr id="75" name="直线箭头连接符 74"/>
+          <p:cNvCxnSpPr/>
+          <p:nvPr/>
+        </p:nvCxnSpPr>
+        <p:spPr>
+          <a:xfrm>
+            <a:off x="9459659" y="8302768"/>
+            <a:ext cx="0" cy="691936"/>
+          </a:xfrm>
+          <a:prstGeom prst="straightConnector1">
+            <a:avLst/>
+          </a:prstGeom>
+          <a:ln w="25400">
+            <a:tailEnd type="triangle"/>
+          </a:ln>
+        </p:spPr>
+        <p:style>
+          <a:lnRef idx="1">
+            <a:schemeClr val="accent1"/>
+          </a:lnRef>
+          <a:fillRef idx="0">
+            <a:schemeClr val="accent1"/>
+          </a:fillRef>
+          <a:effectRef idx="0">
+            <a:schemeClr val="accent1"/>
+          </a:effectRef>
+          <a:fontRef idx="minor">
+            <a:schemeClr val="tx1"/>
+          </a:fontRef>
+        </p:style>
+      </p:cxnSp>
+      <p:cxnSp>
+        <p:nvCxnSpPr>
+          <p:cNvPr id="76" name="直线箭头连接符 75"/>
+          <p:cNvCxnSpPr/>
+          <p:nvPr/>
+        </p:nvCxnSpPr>
+        <p:spPr>
+          <a:xfrm>
+            <a:off x="1463396" y="9680504"/>
+            <a:ext cx="0" cy="691936"/>
+          </a:xfrm>
+          <a:prstGeom prst="straightConnector1">
+            <a:avLst/>
+          </a:prstGeom>
+          <a:ln w="25400">
+            <a:tailEnd type="triangle"/>
+          </a:ln>
+        </p:spPr>
+        <p:style>
+          <a:lnRef idx="1">
+            <a:schemeClr val="accent1"/>
+          </a:lnRef>
+          <a:fillRef idx="0">
+            <a:schemeClr val="accent1"/>
+          </a:fillRef>
+          <a:effectRef idx="0">
+            <a:schemeClr val="accent1"/>
+          </a:effectRef>
+          <a:fontRef idx="minor">
+            <a:schemeClr val="tx1"/>
+          </a:fontRef>
+        </p:style>
+      </p:cxnSp>
+      <p:cxnSp>
+        <p:nvCxnSpPr>
+          <p:cNvPr id="77" name="直线箭头连接符 76"/>
+          <p:cNvCxnSpPr/>
+          <p:nvPr/>
+        </p:nvCxnSpPr>
+        <p:spPr>
+          <a:xfrm>
+            <a:off x="1463396" y="11058240"/>
+            <a:ext cx="0" cy="691936"/>
+          </a:xfrm>
+          <a:prstGeom prst="straightConnector1">
+            <a:avLst/>
+          </a:prstGeom>
+          <a:ln w="25400">
+            <a:tailEnd type="triangle"/>
+          </a:ln>
+        </p:spPr>
+        <p:style>
+          <a:lnRef idx="1">
+            <a:schemeClr val="accent1"/>
+          </a:lnRef>
+          <a:fillRef idx="0">
+            <a:schemeClr val="accent1"/>
+          </a:fillRef>
+          <a:effectRef idx="0">
+            <a:schemeClr val="accent1"/>
+          </a:effectRef>
+          <a:fontRef idx="minor">
+            <a:schemeClr val="tx1"/>
+          </a:fontRef>
+        </p:style>
+      </p:cxnSp>
+      <p:sp>
+        <p:nvSpPr>
+          <p:cNvPr id="78" name="文本框 77"/>
+          <p:cNvSpPr txBox="1"/>
+          <p:nvPr/>
+        </p:nvSpPr>
+        <p:spPr>
+          <a:xfrm>
+            <a:off x="1174422" y="11746812"/>
+            <a:ext cx="1052936" cy="369332"/>
+          </a:xfrm>
+          <a:prstGeom prst="rect">
+            <a:avLst/>
+          </a:prstGeom>
+          <a:noFill/>
+        </p:spPr>
+        <p:txBody>
+          <a:bodyPr wrap="square" rtlCol="0">
+            <a:spAutoFit/>
+          </a:bodyPr>
+          <a:lstStyle/>
+          <a:p>
+            <a:r>
+              <a:rPr kumimoji="1" lang="en-US" altLang="zh-CN" dirty="0" smtClean="0"/>
+              <a:t>NULL</a:t>
+            </a:r>
+            <a:endParaRPr kumimoji="1" lang="zh-CN" altLang="en-US" dirty="0"/>
+          </a:p>
+        </p:txBody>
+      </p:sp>
+      <p:sp>
+        <p:nvSpPr>
+          <p:cNvPr id="79" name="矩形 78"/>
+          <p:cNvSpPr/>
+          <p:nvPr/>
+        </p:nvSpPr>
+        <p:spPr>
+          <a:xfrm>
+            <a:off x="9670937" y="7709200"/>
+            <a:ext cx="498758" cy="700644"/>
+          </a:xfrm>
+          <a:prstGeom prst="rect">
+            <a:avLst/>
+          </a:prstGeom>
+        </p:spPr>
+        <p:style>
+          <a:lnRef idx="2">
+            <a:schemeClr val="accent1">
+              <a:shade val="50000"/>
+            </a:schemeClr>
+          </a:lnRef>
+          <a:fillRef idx="1">
+            <a:schemeClr val="accent1"/>
+          </a:fillRef>
+          <a:effectRef idx="0">
+            <a:schemeClr val="accent1"/>
+          </a:effectRef>
+          <a:fontRef idx="minor">
+            <a:schemeClr val="lt1"/>
+          </a:fontRef>
+        </p:style>
+        <p:txBody>
+          <a:bodyPr rtlCol="0" anchor="ctr"/>
+          <a:lstStyle/>
+          <a:p>
+            <a:pPr algn="ctr"/>
+            <a:r>
+              <a:rPr kumimoji="1" lang="en-US" altLang="zh-CN" dirty="0" smtClean="0"/>
+              <a:t>20</a:t>
+            </a:r>
+            <a:endParaRPr kumimoji="1" lang="zh-CN" altLang="en-US" dirty="0"/>
+          </a:p>
+        </p:txBody>
+      </p:sp>
+      <p:sp>
+        <p:nvSpPr>
+          <p:cNvPr id="80" name="矩形 79"/>
+          <p:cNvSpPr/>
+          <p:nvPr/>
+        </p:nvSpPr>
+        <p:spPr>
+          <a:xfrm>
+            <a:off x="10169695" y="7709200"/>
+            <a:ext cx="498758" cy="700644"/>
+          </a:xfrm>
+          <a:prstGeom prst="rect">
+            <a:avLst/>
+          </a:prstGeom>
+        </p:spPr>
+        <p:style>
+          <a:lnRef idx="2">
+            <a:schemeClr val="accent1">
+              <a:shade val="50000"/>
+            </a:schemeClr>
+          </a:lnRef>
+          <a:fillRef idx="1">
+            <a:schemeClr val="accent1"/>
+          </a:fillRef>
+          <a:effectRef idx="0">
+            <a:schemeClr val="accent1"/>
+          </a:effectRef>
+          <a:fontRef idx="minor">
+            <a:schemeClr val="lt1"/>
+          </a:fontRef>
+        </p:style>
+        <p:txBody>
+          <a:bodyPr rtlCol="0" anchor="ctr"/>
+          <a:lstStyle/>
+          <a:p>
+            <a:pPr algn="ctr"/>
+            <a:r>
+              <a:rPr kumimoji="1" lang="en-US" altLang="zh-CN" dirty="0" smtClean="0"/>
+              <a:t>21</a:t>
+            </a:r>
+            <a:endParaRPr kumimoji="1" lang="zh-CN" altLang="en-US" dirty="0"/>
+          </a:p>
+        </p:txBody>
+      </p:sp>
+      <p:sp>
+        <p:nvSpPr>
+          <p:cNvPr id="81" name="矩形 80"/>
+          <p:cNvSpPr/>
+          <p:nvPr/>
+        </p:nvSpPr>
+        <p:spPr>
+          <a:xfrm>
+            <a:off x="10656568" y="7709200"/>
+            <a:ext cx="498758" cy="700644"/>
+          </a:xfrm>
+          <a:prstGeom prst="rect">
+            <a:avLst/>
+          </a:prstGeom>
+        </p:spPr>
+        <p:style>
+          <a:lnRef idx="2">
+            <a:schemeClr val="accent1">
+              <a:shade val="50000"/>
+            </a:schemeClr>
+          </a:lnRef>
+          <a:fillRef idx="1">
+            <a:schemeClr val="accent1"/>
+          </a:fillRef>
+          <a:effectRef idx="0">
+            <a:schemeClr val="accent1"/>
+          </a:effectRef>
+          <a:fontRef idx="minor">
+            <a:schemeClr val="lt1"/>
+          </a:fontRef>
+        </p:style>
+        <p:txBody>
+          <a:bodyPr rtlCol="0" anchor="ctr"/>
+          <a:lstStyle/>
+          <a:p>
+            <a:pPr algn="ctr"/>
+            <a:r>
+              <a:rPr kumimoji="1" lang="en-US" altLang="zh-CN" dirty="0" smtClean="0"/>
+              <a:t>22</a:t>
+            </a:r>
+            <a:endParaRPr kumimoji="1" lang="zh-CN" altLang="en-US" dirty="0"/>
+          </a:p>
+        </p:txBody>
+      </p:sp>
+      <p:sp>
+        <p:nvSpPr>
+          <p:cNvPr id="82" name="矩形 81"/>
+          <p:cNvSpPr/>
+          <p:nvPr/>
+        </p:nvSpPr>
+        <p:spPr>
+          <a:xfrm>
+            <a:off x="11155326" y="7709200"/>
+            <a:ext cx="498758" cy="700644"/>
+          </a:xfrm>
+          <a:prstGeom prst="rect">
+            <a:avLst/>
+          </a:prstGeom>
+        </p:spPr>
+        <p:style>
+          <a:lnRef idx="2">
+            <a:schemeClr val="accent1">
+              <a:shade val="50000"/>
+            </a:schemeClr>
+          </a:lnRef>
+          <a:fillRef idx="1">
+            <a:schemeClr val="accent1"/>
+          </a:fillRef>
+          <a:effectRef idx="0">
+            <a:schemeClr val="accent1"/>
+          </a:effectRef>
+          <a:fontRef idx="minor">
+            <a:schemeClr val="lt1"/>
+          </a:fontRef>
+        </p:style>
+        <p:txBody>
+          <a:bodyPr rtlCol="0" anchor="ctr"/>
+          <a:lstStyle/>
+          <a:p>
+            <a:pPr algn="ctr"/>
+            <a:r>
+              <a:rPr kumimoji="1" lang="en-US" altLang="zh-CN" dirty="0" smtClean="0"/>
+              <a:t>23</a:t>
+            </a:r>
+            <a:endParaRPr kumimoji="1" lang="zh-CN" altLang="en-US" dirty="0"/>
+          </a:p>
+        </p:txBody>
+      </p:sp>
+      <p:sp>
+        <p:nvSpPr>
+          <p:cNvPr id="83" name="矩形 82"/>
+          <p:cNvSpPr/>
+          <p:nvPr/>
+        </p:nvSpPr>
+        <p:spPr>
+          <a:xfrm>
+            <a:off x="7699675" y="7709200"/>
+            <a:ext cx="498758" cy="700644"/>
+          </a:xfrm>
+          <a:prstGeom prst="rect">
+            <a:avLst/>
+          </a:prstGeom>
+        </p:spPr>
+        <p:style>
+          <a:lnRef idx="2">
+            <a:schemeClr val="accent1">
+              <a:shade val="50000"/>
+            </a:schemeClr>
+          </a:lnRef>
+          <a:fillRef idx="1">
+            <a:schemeClr val="accent1"/>
+          </a:fillRef>
+          <a:effectRef idx="0">
+            <a:schemeClr val="accent1"/>
+          </a:effectRef>
+          <a:fontRef idx="minor">
+            <a:schemeClr val="lt1"/>
+          </a:fontRef>
+        </p:style>
+        <p:txBody>
+          <a:bodyPr rtlCol="0" anchor="ctr"/>
+          <a:lstStyle/>
+          <a:p>
+            <a:pPr algn="ctr"/>
+            <a:r>
+              <a:rPr kumimoji="1" lang="en-US" altLang="zh-CN" dirty="0" smtClean="0"/>
+              <a:t>16</a:t>
+            </a:r>
+            <a:endParaRPr kumimoji="1" lang="zh-CN" altLang="en-US" dirty="0"/>
+          </a:p>
+        </p:txBody>
+      </p:sp>
+      <p:sp>
+        <p:nvSpPr>
+          <p:cNvPr id="84" name="矩形 83"/>
+          <p:cNvSpPr/>
+          <p:nvPr/>
+        </p:nvSpPr>
+        <p:spPr>
+          <a:xfrm>
+            <a:off x="8198433" y="7709200"/>
+            <a:ext cx="498758" cy="700644"/>
+          </a:xfrm>
+          <a:prstGeom prst="rect">
+            <a:avLst/>
+          </a:prstGeom>
+        </p:spPr>
+        <p:style>
+          <a:lnRef idx="2">
+            <a:schemeClr val="accent1">
+              <a:shade val="50000"/>
+            </a:schemeClr>
+          </a:lnRef>
+          <a:fillRef idx="1">
+            <a:schemeClr val="accent1"/>
+          </a:fillRef>
+          <a:effectRef idx="0">
+            <a:schemeClr val="accent1"/>
+          </a:effectRef>
+          <a:fontRef idx="minor">
+            <a:schemeClr val="lt1"/>
+          </a:fontRef>
+        </p:style>
+        <p:txBody>
+          <a:bodyPr rtlCol="0" anchor="ctr"/>
+          <a:lstStyle/>
+          <a:p>
+            <a:pPr algn="ctr"/>
+            <a:r>
+              <a:rPr kumimoji="1" lang="en-US" altLang="zh-CN" dirty="0" smtClean="0"/>
+              <a:t>17</a:t>
+            </a:r>
+            <a:endParaRPr kumimoji="1" lang="zh-CN" altLang="en-US" dirty="0"/>
+          </a:p>
+        </p:txBody>
+      </p:sp>
+      <p:sp>
+        <p:nvSpPr>
+          <p:cNvPr id="85" name="矩形 84"/>
+          <p:cNvSpPr/>
+          <p:nvPr/>
+        </p:nvSpPr>
+        <p:spPr>
+          <a:xfrm>
+            <a:off x="8685306" y="7709200"/>
+            <a:ext cx="498758" cy="700644"/>
+          </a:xfrm>
+          <a:prstGeom prst="rect">
+            <a:avLst/>
+          </a:prstGeom>
+        </p:spPr>
+        <p:style>
+          <a:lnRef idx="2">
+            <a:schemeClr val="accent1">
+              <a:shade val="50000"/>
+            </a:schemeClr>
+          </a:lnRef>
+          <a:fillRef idx="1">
+            <a:schemeClr val="accent1"/>
+          </a:fillRef>
+          <a:effectRef idx="0">
+            <a:schemeClr val="accent1"/>
+          </a:effectRef>
+          <a:fontRef idx="minor">
+            <a:schemeClr val="lt1"/>
+          </a:fontRef>
+        </p:style>
+        <p:txBody>
+          <a:bodyPr rtlCol="0" anchor="ctr"/>
+          <a:lstStyle/>
+          <a:p>
+            <a:pPr algn="ctr"/>
+            <a:r>
+              <a:rPr kumimoji="1" lang="en-US" altLang="zh-CN" dirty="0" smtClean="0"/>
+              <a:t>18</a:t>
+            </a:r>
+            <a:endParaRPr kumimoji="1" lang="zh-CN" altLang="en-US" dirty="0"/>
+          </a:p>
+        </p:txBody>
+      </p:sp>
+      <p:sp>
+        <p:nvSpPr>
+          <p:cNvPr id="86" name="矩形 85"/>
+          <p:cNvSpPr/>
+          <p:nvPr/>
+        </p:nvSpPr>
+        <p:spPr>
+          <a:xfrm>
+            <a:off x="9184064" y="7709200"/>
+            <a:ext cx="498758" cy="700644"/>
+          </a:xfrm>
+          <a:prstGeom prst="rect">
+            <a:avLst/>
+          </a:prstGeom>
+        </p:spPr>
+        <p:style>
+          <a:lnRef idx="2">
+            <a:schemeClr val="accent1">
+              <a:shade val="50000"/>
+            </a:schemeClr>
+          </a:lnRef>
+          <a:fillRef idx="1">
+            <a:schemeClr val="accent1"/>
+          </a:fillRef>
+          <a:effectRef idx="0">
+            <a:schemeClr val="accent1"/>
+          </a:effectRef>
+          <a:fontRef idx="minor">
+            <a:schemeClr val="lt1"/>
+          </a:fontRef>
+        </p:style>
+        <p:txBody>
+          <a:bodyPr rtlCol="0" anchor="ctr"/>
+          <a:lstStyle/>
+          <a:p>
+            <a:pPr algn="ctr"/>
+            <a:r>
+              <a:rPr kumimoji="1" lang="en-US" altLang="zh-CN" dirty="0" smtClean="0"/>
+              <a:t>19</a:t>
+            </a:r>
+            <a:endParaRPr kumimoji="1" lang="zh-CN" altLang="en-US" dirty="0"/>
+          </a:p>
+        </p:txBody>
+      </p:sp>
+      <p:sp>
+        <p:nvSpPr>
+          <p:cNvPr id="87" name="矩形 86"/>
+          <p:cNvSpPr/>
+          <p:nvPr/>
+        </p:nvSpPr>
+        <p:spPr>
+          <a:xfrm>
+            <a:off x="13628519" y="7709200"/>
+            <a:ext cx="498758" cy="700644"/>
+          </a:xfrm>
+          <a:prstGeom prst="rect">
+            <a:avLst/>
+          </a:prstGeom>
+        </p:spPr>
+        <p:style>
+          <a:lnRef idx="2">
+            <a:schemeClr val="accent1">
+              <a:shade val="50000"/>
+            </a:schemeClr>
+          </a:lnRef>
+          <a:fillRef idx="1">
+            <a:schemeClr val="accent1"/>
+          </a:fillRef>
+          <a:effectRef idx="0">
+            <a:schemeClr val="accent1"/>
+          </a:effectRef>
+          <a:fontRef idx="minor">
+            <a:schemeClr val="lt1"/>
+          </a:fontRef>
+        </p:style>
+        <p:txBody>
+          <a:bodyPr rtlCol="0" anchor="ctr"/>
+          <a:lstStyle/>
+          <a:p>
+            <a:pPr algn="ctr"/>
+            <a:r>
+              <a:rPr kumimoji="1" lang="en-US" altLang="zh-CN" dirty="0" smtClean="0"/>
+              <a:t>28</a:t>
+            </a:r>
+            <a:endParaRPr kumimoji="1" lang="zh-CN" altLang="en-US" dirty="0"/>
+          </a:p>
+        </p:txBody>
+      </p:sp>
+      <p:sp>
+        <p:nvSpPr>
+          <p:cNvPr id="88" name="矩形 87"/>
+          <p:cNvSpPr/>
+          <p:nvPr/>
+        </p:nvSpPr>
+        <p:spPr>
+          <a:xfrm>
+            <a:off x="14127277" y="7709200"/>
+            <a:ext cx="498758" cy="700644"/>
+          </a:xfrm>
+          <a:prstGeom prst="rect">
+            <a:avLst/>
+          </a:prstGeom>
+        </p:spPr>
+        <p:style>
+          <a:lnRef idx="2">
+            <a:schemeClr val="accent1">
+              <a:shade val="50000"/>
+            </a:schemeClr>
+          </a:lnRef>
+          <a:fillRef idx="1">
+            <a:schemeClr val="accent1"/>
+          </a:fillRef>
+          <a:effectRef idx="0">
+            <a:schemeClr val="accent1"/>
+          </a:effectRef>
+          <a:fontRef idx="minor">
+            <a:schemeClr val="lt1"/>
+          </a:fontRef>
+        </p:style>
+        <p:txBody>
+          <a:bodyPr rtlCol="0" anchor="ctr"/>
+          <a:lstStyle/>
+          <a:p>
+            <a:pPr algn="ctr"/>
+            <a:r>
+              <a:rPr kumimoji="1" lang="en-US" altLang="zh-CN" dirty="0" smtClean="0"/>
+              <a:t>29</a:t>
+            </a:r>
+            <a:endParaRPr kumimoji="1" lang="zh-CN" altLang="en-US" dirty="0"/>
+          </a:p>
+        </p:txBody>
+      </p:sp>
+      <p:sp>
+        <p:nvSpPr>
+          <p:cNvPr id="89" name="矩形 88"/>
+          <p:cNvSpPr/>
+          <p:nvPr/>
+        </p:nvSpPr>
+        <p:spPr>
+          <a:xfrm>
+            <a:off x="14614150" y="7709200"/>
+            <a:ext cx="498758" cy="700644"/>
+          </a:xfrm>
+          <a:prstGeom prst="rect">
+            <a:avLst/>
+          </a:prstGeom>
+        </p:spPr>
+        <p:style>
+          <a:lnRef idx="2">
+            <a:schemeClr val="accent1">
+              <a:shade val="50000"/>
+            </a:schemeClr>
+          </a:lnRef>
+          <a:fillRef idx="1">
+            <a:schemeClr val="accent1"/>
+          </a:fillRef>
+          <a:effectRef idx="0">
+            <a:schemeClr val="accent1"/>
+          </a:effectRef>
+          <a:fontRef idx="minor">
+            <a:schemeClr val="lt1"/>
+          </a:fontRef>
+        </p:style>
+        <p:txBody>
+          <a:bodyPr rtlCol="0" anchor="ctr"/>
+          <a:lstStyle/>
+          <a:p>
+            <a:pPr algn="ctr"/>
+            <a:r>
+              <a:rPr kumimoji="1" lang="en-US" altLang="zh-CN" dirty="0" smtClean="0"/>
+              <a:t>30</a:t>
+            </a:r>
+            <a:endParaRPr kumimoji="1" lang="zh-CN" altLang="en-US" dirty="0"/>
+          </a:p>
+        </p:txBody>
+      </p:sp>
+      <p:sp>
+        <p:nvSpPr>
+          <p:cNvPr id="90" name="矩形 89"/>
+          <p:cNvSpPr/>
+          <p:nvPr/>
+        </p:nvSpPr>
+        <p:spPr>
+          <a:xfrm>
+            <a:off x="15112908" y="7709200"/>
+            <a:ext cx="498758" cy="700644"/>
+          </a:xfrm>
+          <a:prstGeom prst="rect">
+            <a:avLst/>
+          </a:prstGeom>
+        </p:spPr>
+        <p:style>
+          <a:lnRef idx="2">
+            <a:schemeClr val="accent1">
+              <a:shade val="50000"/>
+            </a:schemeClr>
+          </a:lnRef>
+          <a:fillRef idx="1">
+            <a:schemeClr val="accent1"/>
+          </a:fillRef>
+          <a:effectRef idx="0">
+            <a:schemeClr val="accent1"/>
+          </a:effectRef>
+          <a:fontRef idx="minor">
+            <a:schemeClr val="lt1"/>
+          </a:fontRef>
+        </p:style>
+        <p:txBody>
+          <a:bodyPr rtlCol="0" anchor="ctr"/>
+          <a:lstStyle/>
+          <a:p>
+            <a:pPr algn="ctr"/>
+            <a:r>
+              <a:rPr kumimoji="1" lang="en-US" altLang="zh-CN" dirty="0" smtClean="0"/>
+              <a:t>31</a:t>
+            </a:r>
+            <a:endParaRPr kumimoji="1" lang="zh-CN" altLang="en-US" dirty="0"/>
+          </a:p>
+        </p:txBody>
+      </p:sp>
+      <p:sp>
+        <p:nvSpPr>
+          <p:cNvPr id="91" name="矩形 90"/>
+          <p:cNvSpPr/>
+          <p:nvPr/>
+        </p:nvSpPr>
+        <p:spPr>
+          <a:xfrm>
+            <a:off x="11657257" y="7709200"/>
+            <a:ext cx="498758" cy="700644"/>
+          </a:xfrm>
+          <a:prstGeom prst="rect">
+            <a:avLst/>
+          </a:prstGeom>
+        </p:spPr>
+        <p:style>
+          <a:lnRef idx="2">
+            <a:schemeClr val="accent1">
+              <a:shade val="50000"/>
+            </a:schemeClr>
+          </a:lnRef>
+          <a:fillRef idx="1">
+            <a:schemeClr val="accent1"/>
+          </a:fillRef>
+          <a:effectRef idx="0">
+            <a:schemeClr val="accent1"/>
+          </a:effectRef>
+          <a:fontRef idx="minor">
+            <a:schemeClr val="lt1"/>
+          </a:fontRef>
+        </p:style>
+        <p:txBody>
+          <a:bodyPr rtlCol="0" anchor="ctr"/>
+          <a:lstStyle/>
+          <a:p>
+            <a:pPr algn="ctr"/>
+            <a:r>
+              <a:rPr kumimoji="1" lang="en-US" altLang="zh-CN" dirty="0" smtClean="0"/>
+              <a:t>24</a:t>
+            </a:r>
+            <a:endParaRPr kumimoji="1" lang="zh-CN" altLang="en-US" dirty="0"/>
+          </a:p>
+        </p:txBody>
+      </p:sp>
+      <p:sp>
+        <p:nvSpPr>
+          <p:cNvPr id="92" name="矩形 91"/>
+          <p:cNvSpPr/>
+          <p:nvPr/>
+        </p:nvSpPr>
+        <p:spPr>
+          <a:xfrm>
+            <a:off x="12156015" y="7709200"/>
+            <a:ext cx="498758" cy="700644"/>
+          </a:xfrm>
+          <a:prstGeom prst="rect">
+            <a:avLst/>
+          </a:prstGeom>
+        </p:spPr>
+        <p:style>
+          <a:lnRef idx="2">
+            <a:schemeClr val="accent1">
+              <a:shade val="50000"/>
+            </a:schemeClr>
+          </a:lnRef>
+          <a:fillRef idx="1">
+            <a:schemeClr val="accent1"/>
+          </a:fillRef>
+          <a:effectRef idx="0">
+            <a:schemeClr val="accent1"/>
+          </a:effectRef>
+          <a:fontRef idx="minor">
+            <a:schemeClr val="lt1"/>
+          </a:fontRef>
+        </p:style>
+        <p:txBody>
+          <a:bodyPr rtlCol="0" anchor="ctr"/>
+          <a:lstStyle/>
+          <a:p>
+            <a:pPr algn="ctr"/>
+            <a:r>
+              <a:rPr kumimoji="1" lang="en-US" altLang="zh-CN" dirty="0" smtClean="0"/>
+              <a:t>25</a:t>
+            </a:r>
+            <a:endParaRPr kumimoji="1" lang="zh-CN" altLang="en-US" dirty="0"/>
+          </a:p>
+        </p:txBody>
+      </p:sp>
+      <p:sp>
+        <p:nvSpPr>
+          <p:cNvPr id="93" name="矩形 92"/>
+          <p:cNvSpPr/>
+          <p:nvPr/>
+        </p:nvSpPr>
+        <p:spPr>
+          <a:xfrm>
+            <a:off x="12642888" y="7709200"/>
+            <a:ext cx="498758" cy="700644"/>
+          </a:xfrm>
+          <a:prstGeom prst="rect">
+            <a:avLst/>
+          </a:prstGeom>
+        </p:spPr>
+        <p:style>
+          <a:lnRef idx="2">
+            <a:schemeClr val="accent1">
+              <a:shade val="50000"/>
+            </a:schemeClr>
+          </a:lnRef>
+          <a:fillRef idx="1">
+            <a:schemeClr val="accent1"/>
+          </a:fillRef>
+          <a:effectRef idx="0">
+            <a:schemeClr val="accent1"/>
+          </a:effectRef>
+          <a:fontRef idx="minor">
+            <a:schemeClr val="lt1"/>
+          </a:fontRef>
+        </p:style>
+        <p:txBody>
+          <a:bodyPr rtlCol="0" anchor="ctr"/>
+          <a:lstStyle/>
+          <a:p>
+            <a:pPr algn="ctr"/>
+            <a:r>
+              <a:rPr kumimoji="1" lang="en-US" altLang="zh-CN" dirty="0" smtClean="0"/>
+              <a:t>26</a:t>
+            </a:r>
+            <a:endParaRPr kumimoji="1" lang="zh-CN" altLang="en-US" dirty="0"/>
+          </a:p>
+        </p:txBody>
+      </p:sp>
+      <p:sp>
+        <p:nvSpPr>
+          <p:cNvPr id="94" name="矩形 93"/>
+          <p:cNvSpPr/>
+          <p:nvPr/>
+        </p:nvSpPr>
+        <p:spPr>
+          <a:xfrm>
+            <a:off x="13141646" y="7709200"/>
+            <a:ext cx="498758" cy="700644"/>
+          </a:xfrm>
+          <a:prstGeom prst="rect">
+            <a:avLst/>
+          </a:prstGeom>
+        </p:spPr>
+        <p:style>
+          <a:lnRef idx="2">
+            <a:schemeClr val="accent1">
+              <a:shade val="50000"/>
+            </a:schemeClr>
+          </a:lnRef>
+          <a:fillRef idx="1">
+            <a:schemeClr val="accent1"/>
+          </a:fillRef>
+          <a:effectRef idx="0">
+            <a:schemeClr val="accent1"/>
+          </a:effectRef>
+          <a:fontRef idx="minor">
+            <a:schemeClr val="lt1"/>
+          </a:fontRef>
+        </p:style>
+        <p:txBody>
+          <a:bodyPr rtlCol="0" anchor="ctr"/>
+          <a:lstStyle/>
+          <a:p>
+            <a:pPr algn="ctr"/>
+            <a:r>
+              <a:rPr kumimoji="1" lang="en-US" altLang="zh-CN" dirty="0" smtClean="0"/>
+              <a:t>27</a:t>
+            </a:r>
+            <a:endParaRPr kumimoji="1" lang="zh-CN" altLang="en-US" dirty="0"/>
+          </a:p>
+        </p:txBody>
+      </p:sp>
+      <p:sp>
+        <p:nvSpPr>
+          <p:cNvPr id="95" name="文本框 94"/>
+          <p:cNvSpPr txBox="1"/>
+          <p:nvPr/>
+        </p:nvSpPr>
+        <p:spPr>
+          <a:xfrm>
+            <a:off x="842285" y="4302485"/>
+            <a:ext cx="892799" cy="369332"/>
+          </a:xfrm>
+          <a:prstGeom prst="rect">
+            <a:avLst/>
+          </a:prstGeom>
+          <a:noFill/>
+        </p:spPr>
+        <p:txBody>
+          <a:bodyPr wrap="square" rtlCol="0">
+            <a:spAutoFit/>
+          </a:bodyPr>
+          <a:lstStyle/>
+          <a:p>
+            <a:r>
+              <a:rPr kumimoji="1" lang="en-US" altLang="zh-CN" smtClean="0"/>
+              <a:t>e</a:t>
+            </a:r>
+            <a:endParaRPr kumimoji="1" lang="zh-CN" altLang="en-US" dirty="0"/>
+          </a:p>
+        </p:txBody>
+      </p:sp>
+      <p:sp>
+        <p:nvSpPr>
+          <p:cNvPr id="96" name="文本框 95"/>
+          <p:cNvSpPr txBox="1"/>
+          <p:nvPr/>
+        </p:nvSpPr>
+        <p:spPr>
+          <a:xfrm>
+            <a:off x="641710" y="5640082"/>
+            <a:ext cx="1052936" cy="369332"/>
+          </a:xfrm>
+          <a:prstGeom prst="rect">
+            <a:avLst/>
+          </a:prstGeom>
+          <a:noFill/>
+        </p:spPr>
+        <p:txBody>
+          <a:bodyPr wrap="square" rtlCol="0">
+            <a:spAutoFit/>
+          </a:bodyPr>
+          <a:lstStyle/>
+          <a:p>
+            <a:r>
+              <a:rPr kumimoji="1" lang="en-US" altLang="zh-CN" dirty="0" smtClean="0"/>
+              <a:t>next</a:t>
+            </a:r>
+            <a:endParaRPr kumimoji="1" lang="zh-CN" altLang="en-US" dirty="0"/>
+          </a:p>
+        </p:txBody>
+      </p:sp>
+      <p:cxnSp>
+        <p:nvCxnSpPr>
+          <p:cNvPr id="97" name="直线箭头连接符 96"/>
+          <p:cNvCxnSpPr/>
+          <p:nvPr/>
+        </p:nvCxnSpPr>
+        <p:spPr>
+          <a:xfrm>
+            <a:off x="1253392" y="4515605"/>
+            <a:ext cx="921111" cy="0"/>
+          </a:xfrm>
+          <a:prstGeom prst="straightConnector1">
+            <a:avLst/>
+          </a:prstGeom>
+          <a:ln w="25400">
+            <a:solidFill>
+              <a:srgbClr val="7030A0"/>
+            </a:solidFill>
+            <a:tailEnd type="triangle"/>
+          </a:ln>
+        </p:spPr>
+        <p:style>
+          <a:lnRef idx="1">
+            <a:schemeClr val="accent1"/>
+          </a:lnRef>
+          <a:fillRef idx="0">
+            <a:schemeClr val="accent1"/>
+          </a:fillRef>
+          <a:effectRef idx="0">
+            <a:schemeClr val="accent1"/>
+          </a:effectRef>
+          <a:fontRef idx="minor">
+            <a:schemeClr val="tx1"/>
+          </a:fontRef>
+        </p:style>
+      </p:cxnSp>
+      <p:cxnSp>
+        <p:nvCxnSpPr>
+          <p:cNvPr id="100" name="直线箭头连接符 99"/>
+          <p:cNvCxnSpPr/>
+          <p:nvPr/>
+        </p:nvCxnSpPr>
+        <p:spPr>
+          <a:xfrm>
+            <a:off x="1226741" y="5826286"/>
+            <a:ext cx="921111" cy="0"/>
+          </a:xfrm>
+          <a:prstGeom prst="straightConnector1">
+            <a:avLst/>
+          </a:prstGeom>
+          <a:ln w="25400">
+            <a:solidFill>
+              <a:srgbClr val="7030A0"/>
+            </a:solidFill>
+            <a:tailEnd type="triangle"/>
+          </a:ln>
+        </p:spPr>
+        <p:style>
+          <a:lnRef idx="1">
+            <a:schemeClr val="accent1"/>
+          </a:lnRef>
+          <a:fillRef idx="0">
+            <a:schemeClr val="accent1"/>
+          </a:fillRef>
+          <a:effectRef idx="0">
+            <a:schemeClr val="accent1"/>
+          </a:effectRef>
+          <a:fontRef idx="minor">
+            <a:schemeClr val="tx1"/>
+          </a:fontRef>
+        </p:style>
+      </p:cxnSp>
+      <p:sp>
+        <p:nvSpPr>
+          <p:cNvPr id="101" name="文本框 100"/>
+          <p:cNvSpPr txBox="1"/>
+          <p:nvPr/>
+        </p:nvSpPr>
+        <p:spPr>
+          <a:xfrm>
+            <a:off x="559005" y="3042138"/>
+            <a:ext cx="892799" cy="369332"/>
+          </a:xfrm>
+          <a:prstGeom prst="rect">
+            <a:avLst/>
+          </a:prstGeom>
+          <a:noFill/>
+        </p:spPr>
+        <p:txBody>
+          <a:bodyPr wrap="square" rtlCol="0">
+            <a:spAutoFit/>
+          </a:bodyPr>
+          <a:lstStyle/>
+          <a:p>
+            <a:r>
+              <a:rPr kumimoji="1" lang="en-US" altLang="zh-CN" dirty="0" err="1" smtClean="0"/>
+              <a:t>hiTail</a:t>
+            </a:r>
+            <a:endParaRPr kumimoji="1" lang="zh-CN" altLang="en-US" dirty="0"/>
+          </a:p>
+        </p:txBody>
+      </p:sp>
+      <p:cxnSp>
+        <p:nvCxnSpPr>
+          <p:cNvPr id="102" name="直线箭头连接符 101"/>
+          <p:cNvCxnSpPr/>
+          <p:nvPr/>
+        </p:nvCxnSpPr>
+        <p:spPr>
+          <a:xfrm>
+            <a:off x="1258934" y="3249678"/>
+            <a:ext cx="921111" cy="0"/>
+          </a:xfrm>
+          <a:prstGeom prst="straightConnector1">
+            <a:avLst/>
+          </a:prstGeom>
+          <a:ln w="25400">
+            <a:solidFill>
+              <a:srgbClr val="7030A0"/>
+            </a:solidFill>
+            <a:tailEnd type="triangle"/>
+          </a:ln>
+        </p:spPr>
+        <p:style>
+          <a:lnRef idx="1">
+            <a:schemeClr val="accent1"/>
+          </a:lnRef>
+          <a:fillRef idx="0">
+            <a:schemeClr val="accent1"/>
+          </a:fillRef>
+          <a:effectRef idx="0">
+            <a:schemeClr val="accent1"/>
+          </a:effectRef>
+          <a:fontRef idx="minor">
+            <a:schemeClr val="tx1"/>
+          </a:fontRef>
+        </p:style>
+      </p:cxnSp>
+      <p:sp>
+        <p:nvSpPr>
+          <p:cNvPr id="103" name="文本框 102"/>
+          <p:cNvSpPr txBox="1"/>
+          <p:nvPr/>
+        </p:nvSpPr>
+        <p:spPr>
+          <a:xfrm>
+            <a:off x="390255" y="3348385"/>
+            <a:ext cx="892799" cy="369332"/>
+          </a:xfrm>
+          <a:prstGeom prst="rect">
+            <a:avLst/>
+          </a:prstGeom>
+          <a:noFill/>
+        </p:spPr>
+        <p:txBody>
+          <a:bodyPr wrap="square" rtlCol="0">
+            <a:spAutoFit/>
+          </a:bodyPr>
+          <a:lstStyle/>
+          <a:p>
+            <a:r>
+              <a:rPr kumimoji="1" lang="en-US" altLang="zh-CN" dirty="0" err="1" smtClean="0"/>
+              <a:t>hiHead</a:t>
+            </a:r>
+            <a:endParaRPr kumimoji="1" lang="zh-CN" altLang="en-US" dirty="0"/>
+          </a:p>
+        </p:txBody>
+      </p:sp>
+      <p:cxnSp>
+        <p:nvCxnSpPr>
+          <p:cNvPr id="104" name="直线箭头连接符 103"/>
+          <p:cNvCxnSpPr/>
+          <p:nvPr/>
+        </p:nvCxnSpPr>
+        <p:spPr>
+          <a:xfrm>
+            <a:off x="1258934" y="3533081"/>
+            <a:ext cx="921111" cy="0"/>
+          </a:xfrm>
+          <a:prstGeom prst="straightConnector1">
+            <a:avLst/>
+          </a:prstGeom>
+          <a:ln w="25400">
+            <a:solidFill>
+              <a:srgbClr val="7030A0"/>
+            </a:solidFill>
+            <a:tailEnd type="triangle"/>
+          </a:ln>
+        </p:spPr>
+        <p:style>
+          <a:lnRef idx="1">
+            <a:schemeClr val="accent1"/>
+          </a:lnRef>
+          <a:fillRef idx="0">
+            <a:schemeClr val="accent1"/>
+          </a:fillRef>
+          <a:effectRef idx="0">
+            <a:schemeClr val="accent1"/>
+          </a:effectRef>
+          <a:fontRef idx="minor">
+            <a:schemeClr val="tx1"/>
+          </a:fontRef>
+        </p:style>
+      </p:cxnSp>
+      <p:sp>
+        <p:nvSpPr>
+          <p:cNvPr id="105" name="文本框 104"/>
+          <p:cNvSpPr txBox="1"/>
+          <p:nvPr/>
+        </p:nvSpPr>
+        <p:spPr>
+          <a:xfrm>
+            <a:off x="559005" y="1587763"/>
+            <a:ext cx="892799" cy="369332"/>
+          </a:xfrm>
+          <a:prstGeom prst="rect">
+            <a:avLst/>
+          </a:prstGeom>
+          <a:noFill/>
+        </p:spPr>
+        <p:txBody>
+          <a:bodyPr wrap="square" rtlCol="0">
+            <a:spAutoFit/>
+          </a:bodyPr>
+          <a:lstStyle/>
+          <a:p>
+            <a:r>
+              <a:rPr kumimoji="1" lang="en-US" altLang="zh-CN" dirty="0" err="1" smtClean="0"/>
+              <a:t>loTail</a:t>
+            </a:r>
+            <a:endParaRPr kumimoji="1" lang="zh-CN" altLang="en-US" dirty="0"/>
+          </a:p>
+        </p:txBody>
+      </p:sp>
+      <p:cxnSp>
+        <p:nvCxnSpPr>
+          <p:cNvPr id="106" name="直线箭头连接符 105"/>
+          <p:cNvCxnSpPr/>
+          <p:nvPr/>
+        </p:nvCxnSpPr>
+        <p:spPr>
+          <a:xfrm>
+            <a:off x="1258934" y="1795303"/>
+            <a:ext cx="921111" cy="0"/>
+          </a:xfrm>
+          <a:prstGeom prst="straightConnector1">
+            <a:avLst/>
+          </a:prstGeom>
+          <a:ln w="25400">
+            <a:solidFill>
+              <a:srgbClr val="7030A0"/>
+            </a:solidFill>
+            <a:tailEnd type="triangle"/>
+          </a:ln>
+        </p:spPr>
+        <p:style>
+          <a:lnRef idx="1">
+            <a:schemeClr val="accent1"/>
+          </a:lnRef>
+          <a:fillRef idx="0">
+            <a:schemeClr val="accent1"/>
+          </a:fillRef>
+          <a:effectRef idx="0">
+            <a:schemeClr val="accent1"/>
+          </a:effectRef>
+          <a:fontRef idx="minor">
+            <a:schemeClr val="tx1"/>
+          </a:fontRef>
+        </p:style>
+      </p:cxnSp>
+      <p:sp>
+        <p:nvSpPr>
+          <p:cNvPr id="107" name="文本框 106"/>
+          <p:cNvSpPr txBox="1"/>
+          <p:nvPr/>
+        </p:nvSpPr>
+        <p:spPr>
+          <a:xfrm>
+            <a:off x="401485" y="1833234"/>
+            <a:ext cx="892799" cy="369332"/>
+          </a:xfrm>
+          <a:prstGeom prst="rect">
+            <a:avLst/>
+          </a:prstGeom>
+          <a:noFill/>
+        </p:spPr>
+        <p:txBody>
+          <a:bodyPr wrap="square" rtlCol="0">
+            <a:spAutoFit/>
+          </a:bodyPr>
+          <a:lstStyle/>
+          <a:p>
+            <a:r>
+              <a:rPr kumimoji="1" lang="en-US" altLang="zh-CN" dirty="0" err="1" smtClean="0"/>
+              <a:t>loHead</a:t>
+            </a:r>
+            <a:endParaRPr kumimoji="1" lang="zh-CN" altLang="en-US" dirty="0"/>
+          </a:p>
+        </p:txBody>
+      </p:sp>
+      <p:cxnSp>
+        <p:nvCxnSpPr>
+          <p:cNvPr id="108" name="直线箭头连接符 107"/>
+          <p:cNvCxnSpPr/>
+          <p:nvPr/>
+        </p:nvCxnSpPr>
+        <p:spPr>
+          <a:xfrm>
+            <a:off x="1270164" y="2017930"/>
+            <a:ext cx="921111" cy="0"/>
+          </a:xfrm>
+          <a:prstGeom prst="straightConnector1">
+            <a:avLst/>
+          </a:prstGeom>
+          <a:ln w="25400">
+            <a:solidFill>
+              <a:srgbClr val="7030A0"/>
+            </a:solidFill>
+            <a:tailEnd type="triangle"/>
+          </a:ln>
+        </p:spPr>
+        <p:style>
+          <a:lnRef idx="1">
+            <a:schemeClr val="accent1"/>
+          </a:lnRef>
+          <a:fillRef idx="0">
+            <a:schemeClr val="accent1"/>
+          </a:fillRef>
+          <a:effectRef idx="0">
+            <a:schemeClr val="accent1"/>
+          </a:effectRef>
+          <a:fontRef idx="minor">
+            <a:schemeClr val="tx1"/>
+          </a:fontRef>
+        </p:style>
+      </p:cxnSp>
+      <p:sp>
+        <p:nvSpPr>
+          <p:cNvPr id="109" name="文本框 108"/>
+          <p:cNvSpPr txBox="1"/>
+          <p:nvPr/>
+        </p:nvSpPr>
+        <p:spPr>
+          <a:xfrm>
+            <a:off x="9184064" y="10346008"/>
+            <a:ext cx="1052936" cy="369332"/>
+          </a:xfrm>
+          <a:prstGeom prst="rect">
+            <a:avLst/>
+          </a:prstGeom>
+          <a:noFill/>
+        </p:spPr>
+        <p:txBody>
+          <a:bodyPr wrap="square" rtlCol="0">
+            <a:spAutoFit/>
+          </a:bodyPr>
+          <a:lstStyle/>
+          <a:p>
+            <a:r>
+              <a:rPr kumimoji="1" lang="en-US" altLang="zh-CN" dirty="0" smtClean="0"/>
+              <a:t>NULL</a:t>
+            </a:r>
+            <a:endParaRPr kumimoji="1" lang="zh-CN" altLang="en-US" dirty="0"/>
+          </a:p>
+        </p:txBody>
+      </p:sp>
+      <p:cxnSp>
+        <p:nvCxnSpPr>
+          <p:cNvPr id="110" name="直线箭头连接符 109"/>
+          <p:cNvCxnSpPr/>
+          <p:nvPr/>
+        </p:nvCxnSpPr>
+        <p:spPr>
+          <a:xfrm>
+            <a:off x="9433443" y="9680504"/>
+            <a:ext cx="0" cy="691936"/>
+          </a:xfrm>
+          <a:prstGeom prst="straightConnector1">
+            <a:avLst/>
+          </a:prstGeom>
+          <a:ln w="25400">
+            <a:tailEnd type="triangle"/>
+          </a:ln>
+        </p:spPr>
+        <p:style>
+          <a:lnRef idx="1">
+            <a:schemeClr val="accent1"/>
+          </a:lnRef>
+          <a:fillRef idx="0">
+            <a:schemeClr val="accent1"/>
+          </a:fillRef>
+          <a:effectRef idx="0">
+            <a:schemeClr val="accent1"/>
+          </a:effectRef>
+          <a:fontRef idx="minor">
+            <a:schemeClr val="tx1"/>
+          </a:fontRef>
+        </p:style>
+      </p:cxnSp>
+    </p:spTree>
+    <p:extLst>
+      <p:ext uri="{BB962C8B-B14F-4D97-AF65-F5344CB8AC3E}">
+        <p14:creationId xmlns:p14="http://schemas.microsoft.com/office/powerpoint/2010/main" val="2050661200"/>
+      </p:ext>
+    </p:extLst>
+  </p:cSld>
+  <p:clrMapOvr>
+    <a:masterClrMapping/>
+  </p:clrMapOvr>
+</p:sld>
+</file>
+
 <file path=ppt/theme/theme1.xml><?xml version="1.0" encoding="utf-8"?>
 <a:theme xmlns:a="http://schemas.openxmlformats.org/drawingml/2006/main" name="Office 主题">
   <a:themeElements>
